--- a/02_Regions/03_Asymetries/results/01_Asymmetries.pptx
+++ b/02_Regions/03_Asymetries/results/01_Asymmetries.pptx
@@ -2,19 +2,19 @@
 <file path=ppt/presentation.xml><?xml version="1.0" encoding="utf-8"?>
 <p:presentation xmlns:a="http://schemas.openxmlformats.org/drawingml/2006/main" xmlns:r="http://schemas.openxmlformats.org/officeDocument/2006/relationships" xmlns:p="http://schemas.openxmlformats.org/presentationml/2006/main" saveSubsetFonts="1">
   <p:sldMasterIdLst>
-    <p:sldMasterId id="2147483720" r:id="rId1"/>
+    <p:sldMasterId id="2147483684" r:id="rId1"/>
   </p:sldMasterIdLst>
   <p:sldIdLst>
     <p:sldId id="256" r:id="rId2"/>
   </p:sldIdLst>
-  <p:sldSz cx="6408738" cy="8999538"/>
-  <p:notesSz cx="9144000" cy="6858000"/>
+  <p:sldSz cx="6408738" cy="4103688"/>
+  <p:notesSz cx="6858000" cy="9144000"/>
   <p:defaultTextStyle>
     <a:defPPr>
-      <a:defRPr lang="en-US"/>
+      <a:defRPr lang="es-MX"/>
     </a:defPPr>
-    <a:lvl1pPr marL="0" algn="l" defTabSz="457200" rtl="0" eaLnBrk="1" latinLnBrk="0" hangingPunct="1">
-      <a:defRPr sz="1800" kern="1200">
+    <a:lvl1pPr marL="0" algn="l" defTabSz="300655" rtl="0" eaLnBrk="1" latinLnBrk="0" hangingPunct="1">
+      <a:defRPr sz="592" kern="1200">
         <a:solidFill>
           <a:schemeClr val="tx1"/>
         </a:solidFill>
@@ -23,8 +23,8 @@
         <a:cs typeface="+mn-cs"/>
       </a:defRPr>
     </a:lvl1pPr>
-    <a:lvl2pPr marL="457200" algn="l" defTabSz="457200" rtl="0" eaLnBrk="1" latinLnBrk="0" hangingPunct="1">
-      <a:defRPr sz="1800" kern="1200">
+    <a:lvl2pPr marL="150327" algn="l" defTabSz="300655" rtl="0" eaLnBrk="1" latinLnBrk="0" hangingPunct="1">
+      <a:defRPr sz="592" kern="1200">
         <a:solidFill>
           <a:schemeClr val="tx1"/>
         </a:solidFill>
@@ -33,8 +33,8 @@
         <a:cs typeface="+mn-cs"/>
       </a:defRPr>
     </a:lvl2pPr>
-    <a:lvl3pPr marL="914400" algn="l" defTabSz="457200" rtl="0" eaLnBrk="1" latinLnBrk="0" hangingPunct="1">
-      <a:defRPr sz="1800" kern="1200">
+    <a:lvl3pPr marL="300655" algn="l" defTabSz="300655" rtl="0" eaLnBrk="1" latinLnBrk="0" hangingPunct="1">
+      <a:defRPr sz="592" kern="1200">
         <a:solidFill>
           <a:schemeClr val="tx1"/>
         </a:solidFill>
@@ -43,8 +43,8 @@
         <a:cs typeface="+mn-cs"/>
       </a:defRPr>
     </a:lvl3pPr>
-    <a:lvl4pPr marL="1371600" algn="l" defTabSz="457200" rtl="0" eaLnBrk="1" latinLnBrk="0" hangingPunct="1">
-      <a:defRPr sz="1800" kern="1200">
+    <a:lvl4pPr marL="450982" algn="l" defTabSz="300655" rtl="0" eaLnBrk="1" latinLnBrk="0" hangingPunct="1">
+      <a:defRPr sz="592" kern="1200">
         <a:solidFill>
           <a:schemeClr val="tx1"/>
         </a:solidFill>
@@ -53,8 +53,8 @@
         <a:cs typeface="+mn-cs"/>
       </a:defRPr>
     </a:lvl4pPr>
-    <a:lvl5pPr marL="1828800" algn="l" defTabSz="457200" rtl="0" eaLnBrk="1" latinLnBrk="0" hangingPunct="1">
-      <a:defRPr sz="1800" kern="1200">
+    <a:lvl5pPr marL="601309" algn="l" defTabSz="300655" rtl="0" eaLnBrk="1" latinLnBrk="0" hangingPunct="1">
+      <a:defRPr sz="592" kern="1200">
         <a:solidFill>
           <a:schemeClr val="tx1"/>
         </a:solidFill>
@@ -63,8 +63,8 @@
         <a:cs typeface="+mn-cs"/>
       </a:defRPr>
     </a:lvl5pPr>
-    <a:lvl6pPr marL="2286000" algn="l" defTabSz="457200" rtl="0" eaLnBrk="1" latinLnBrk="0" hangingPunct="1">
-      <a:defRPr sz="1800" kern="1200">
+    <a:lvl6pPr marL="751637" algn="l" defTabSz="300655" rtl="0" eaLnBrk="1" latinLnBrk="0" hangingPunct="1">
+      <a:defRPr sz="592" kern="1200">
         <a:solidFill>
           <a:schemeClr val="tx1"/>
         </a:solidFill>
@@ -73,8 +73,8 @@
         <a:cs typeface="+mn-cs"/>
       </a:defRPr>
     </a:lvl6pPr>
-    <a:lvl7pPr marL="2743200" algn="l" defTabSz="457200" rtl="0" eaLnBrk="1" latinLnBrk="0" hangingPunct="1">
-      <a:defRPr sz="1800" kern="1200">
+    <a:lvl7pPr marL="901964" algn="l" defTabSz="300655" rtl="0" eaLnBrk="1" latinLnBrk="0" hangingPunct="1">
+      <a:defRPr sz="592" kern="1200">
         <a:solidFill>
           <a:schemeClr val="tx1"/>
         </a:solidFill>
@@ -83,8 +83,8 @@
         <a:cs typeface="+mn-cs"/>
       </a:defRPr>
     </a:lvl7pPr>
-    <a:lvl8pPr marL="3200400" algn="l" defTabSz="457200" rtl="0" eaLnBrk="1" latinLnBrk="0" hangingPunct="1">
-      <a:defRPr sz="1800" kern="1200">
+    <a:lvl8pPr marL="1052292" algn="l" defTabSz="300655" rtl="0" eaLnBrk="1" latinLnBrk="0" hangingPunct="1">
+      <a:defRPr sz="592" kern="1200">
         <a:solidFill>
           <a:schemeClr val="tx1"/>
         </a:solidFill>
@@ -93,8 +93,8 @@
         <a:cs typeface="+mn-cs"/>
       </a:defRPr>
     </a:lvl8pPr>
-    <a:lvl9pPr marL="3657600" algn="l" defTabSz="457200" rtl="0" eaLnBrk="1" latinLnBrk="0" hangingPunct="1">
-      <a:defRPr sz="1800" kern="1200">
+    <a:lvl9pPr marL="1202619" algn="l" defTabSz="300655" rtl="0" eaLnBrk="1" latinLnBrk="0" hangingPunct="1">
+      <a:defRPr sz="592" kern="1200">
         <a:solidFill>
           <a:schemeClr val="tx1"/>
         </a:solidFill>
@@ -141,20 +141,20 @@
         </p:nvSpPr>
         <p:spPr>
           <a:xfrm>
-            <a:off x="480656" y="1472842"/>
-            <a:ext cx="5447427" cy="3133172"/>
+            <a:off x="801092" y="671599"/>
+            <a:ext cx="4806554" cy="1428691"/>
           </a:xfrm>
         </p:spPr>
         <p:txBody>
           <a:bodyPr anchor="b"/>
           <a:lstStyle>
             <a:lvl1pPr algn="ctr">
-              <a:defRPr sz="4205"/>
+              <a:defRPr sz="3154"/>
             </a:lvl1pPr>
           </a:lstStyle>
           <a:p>
             <a:r>
-              <a:rPr lang="es-ES"/>
+              <a:rPr lang="es-ES" smtClean="0"/>
               <a:t>Haga clic para modificar el estilo de título del patrón</a:t>
             </a:r>
             <a:endParaRPr lang="en-US" dirty="0"/>
@@ -173,8 +173,8 @@
         </p:nvSpPr>
         <p:spPr>
           <a:xfrm>
-            <a:off x="801092" y="4726842"/>
-            <a:ext cx="4806554" cy="2172804"/>
+            <a:off x="801092" y="2155387"/>
+            <a:ext cx="4806554" cy="990774"/>
           </a:xfrm>
         </p:spPr>
         <p:txBody>
@@ -182,45 +182,45 @@
           <a:lstStyle>
             <a:lvl1pPr marL="0" indent="0" algn="ctr">
               <a:buNone/>
-              <a:defRPr sz="1682"/>
+              <a:defRPr sz="1262"/>
             </a:lvl1pPr>
-            <a:lvl2pPr marL="320451" indent="0" algn="ctr">
-              <a:buNone/>
-              <a:defRPr sz="1402"/>
+            <a:lvl2pPr marL="240350" indent="0" algn="ctr">
+              <a:buNone/>
+              <a:defRPr sz="1051"/>
             </a:lvl2pPr>
-            <a:lvl3pPr marL="640903" indent="0" algn="ctr">
-              <a:buNone/>
-              <a:defRPr sz="1262"/>
+            <a:lvl3pPr marL="480700" indent="0" algn="ctr">
+              <a:buNone/>
+              <a:defRPr sz="946"/>
             </a:lvl3pPr>
-            <a:lvl4pPr marL="961354" indent="0" algn="ctr">
-              <a:buNone/>
-              <a:defRPr sz="1121"/>
+            <a:lvl4pPr marL="721050" indent="0" algn="ctr">
+              <a:buNone/>
+              <a:defRPr sz="841"/>
             </a:lvl4pPr>
-            <a:lvl5pPr marL="1281806" indent="0" algn="ctr">
-              <a:buNone/>
-              <a:defRPr sz="1121"/>
+            <a:lvl5pPr marL="961400" indent="0" algn="ctr">
+              <a:buNone/>
+              <a:defRPr sz="841"/>
             </a:lvl5pPr>
-            <a:lvl6pPr marL="1602257" indent="0" algn="ctr">
-              <a:buNone/>
-              <a:defRPr sz="1121"/>
+            <a:lvl6pPr marL="1201750" indent="0" algn="ctr">
+              <a:buNone/>
+              <a:defRPr sz="841"/>
             </a:lvl6pPr>
-            <a:lvl7pPr marL="1922709" indent="0" algn="ctr">
-              <a:buNone/>
-              <a:defRPr sz="1121"/>
+            <a:lvl7pPr marL="1442100" indent="0" algn="ctr">
+              <a:buNone/>
+              <a:defRPr sz="841"/>
             </a:lvl7pPr>
-            <a:lvl8pPr marL="2243160" indent="0" algn="ctr">
-              <a:buNone/>
-              <a:defRPr sz="1121"/>
+            <a:lvl8pPr marL="1682450" indent="0" algn="ctr">
+              <a:buNone/>
+              <a:defRPr sz="841"/>
             </a:lvl8pPr>
-            <a:lvl9pPr marL="2563612" indent="0" algn="ctr">
-              <a:buNone/>
-              <a:defRPr sz="1121"/>
+            <a:lvl9pPr marL="1922800" indent="0" algn="ctr">
+              <a:buNone/>
+              <a:defRPr sz="841"/>
             </a:lvl9pPr>
           </a:lstStyle>
           <a:p>
             <a:r>
-              <a:rPr lang="es-ES"/>
-              <a:t>Haga clic para modificar el estilo de subtítulo del patrón</a:t>
+              <a:rPr lang="es-ES" smtClean="0"/>
+              <a:t>Haga clic para editar el estilo de subtítulo del patrón</a:t>
             </a:r>
             <a:endParaRPr lang="en-US" dirty="0"/>
           </a:p>
@@ -243,7 +243,7 @@
           <a:p>
             <a:fld id="{A1626F8F-BADC-42B5-8999-017B7F317904}" type="datetimeFigureOut">
               <a:rPr lang="en-US" smtClean="0"/>
-              <a:t>5/24/2023</a:t>
+              <a:t>6/26/2022</a:t>
             </a:fld>
             <a:endParaRPr lang="en-US"/>
           </a:p>
@@ -294,7 +294,7 @@
     </p:spTree>
     <p:extLst>
       <p:ext uri="{BB962C8B-B14F-4D97-AF65-F5344CB8AC3E}">
-        <p14:creationId xmlns:p14="http://schemas.microsoft.com/office/powerpoint/2010/main" val="4089204208"/>
+        <p14:creationId xmlns:p14="http://schemas.microsoft.com/office/powerpoint/2010/main" val="3883363414"/>
       </p:ext>
     </p:extLst>
   </p:cSld>
@@ -337,7 +337,7 @@
           <a:lstStyle/>
           <a:p>
             <a:r>
-              <a:rPr lang="es-ES"/>
+              <a:rPr lang="es-ES" smtClean="0"/>
               <a:t>Haga clic para modificar el estilo de título del patrón</a:t>
             </a:r>
             <a:endParaRPr lang="en-US" dirty="0"/>
@@ -361,35 +361,35 @@
           <a:p>
             <a:pPr lvl="0"/>
             <a:r>
-              <a:rPr lang="es-ES"/>
-              <a:t>Haga clic para modificar los estilos de texto del patrón</a:t>
+              <a:rPr lang="es-ES" smtClean="0"/>
+              <a:t>Editar el estilo de texto del patrón</a:t>
             </a:r>
           </a:p>
           <a:p>
             <a:pPr lvl="1"/>
             <a:r>
-              <a:rPr lang="es-ES"/>
+              <a:rPr lang="es-ES" smtClean="0"/>
               <a:t>Segundo nivel</a:t>
             </a:r>
           </a:p>
           <a:p>
             <a:pPr lvl="2"/>
             <a:r>
-              <a:rPr lang="es-ES"/>
+              <a:rPr lang="es-ES" smtClean="0"/>
               <a:t>Tercer nivel</a:t>
             </a:r>
           </a:p>
           <a:p>
             <a:pPr lvl="3"/>
             <a:r>
-              <a:rPr lang="es-ES"/>
+              <a:rPr lang="es-ES" smtClean="0"/>
               <a:t>Cuarto nivel</a:t>
             </a:r>
           </a:p>
           <a:p>
             <a:pPr lvl="4"/>
             <a:r>
-              <a:rPr lang="es-ES"/>
+              <a:rPr lang="es-ES" smtClean="0"/>
               <a:t>Quinto nivel</a:t>
             </a:r>
             <a:endParaRPr lang="en-US" dirty="0"/>
@@ -413,7 +413,7 @@
           <a:p>
             <a:fld id="{A1626F8F-BADC-42B5-8999-017B7F317904}" type="datetimeFigureOut">
               <a:rPr lang="en-US" smtClean="0"/>
-              <a:t>5/24/2023</a:t>
+              <a:t>6/26/2022</a:t>
             </a:fld>
             <a:endParaRPr lang="en-US"/>
           </a:p>
@@ -464,7 +464,7 @@
     </p:spTree>
     <p:extLst>
       <p:ext uri="{BB962C8B-B14F-4D97-AF65-F5344CB8AC3E}">
-        <p14:creationId xmlns:p14="http://schemas.microsoft.com/office/powerpoint/2010/main" val="4285551289"/>
+        <p14:creationId xmlns:p14="http://schemas.microsoft.com/office/powerpoint/2010/main" val="3988793649"/>
       </p:ext>
     </p:extLst>
   </p:cSld>
@@ -503,8 +503,8 @@
         </p:nvSpPr>
         <p:spPr>
           <a:xfrm>
-            <a:off x="4586254" y="479142"/>
-            <a:ext cx="1381884" cy="7626692"/>
+            <a:off x="4586253" y="218483"/>
+            <a:ext cx="1381884" cy="3477686"/>
           </a:xfrm>
         </p:spPr>
         <p:txBody>
@@ -512,7 +512,7 @@
           <a:lstStyle/>
           <a:p>
             <a:r>
-              <a:rPr lang="es-ES"/>
+              <a:rPr lang="es-ES" smtClean="0"/>
               <a:t>Haga clic para modificar el estilo de título del patrón</a:t>
             </a:r>
             <a:endParaRPr lang="en-US" dirty="0"/>
@@ -531,8 +531,8 @@
         </p:nvSpPr>
         <p:spPr>
           <a:xfrm>
-            <a:off x="440601" y="479142"/>
-            <a:ext cx="4065543" cy="7626692"/>
+            <a:off x="440601" y="218483"/>
+            <a:ext cx="4065543" cy="3477686"/>
           </a:xfrm>
         </p:spPr>
         <p:txBody>
@@ -541,35 +541,35 @@
           <a:p>
             <a:pPr lvl="0"/>
             <a:r>
-              <a:rPr lang="es-ES"/>
-              <a:t>Haga clic para modificar los estilos de texto del patrón</a:t>
+              <a:rPr lang="es-ES" smtClean="0"/>
+              <a:t>Editar el estilo de texto del patrón</a:t>
             </a:r>
           </a:p>
           <a:p>
             <a:pPr lvl="1"/>
             <a:r>
-              <a:rPr lang="es-ES"/>
+              <a:rPr lang="es-ES" smtClean="0"/>
               <a:t>Segundo nivel</a:t>
             </a:r>
           </a:p>
           <a:p>
             <a:pPr lvl="2"/>
             <a:r>
-              <a:rPr lang="es-ES"/>
+              <a:rPr lang="es-ES" smtClean="0"/>
               <a:t>Tercer nivel</a:t>
             </a:r>
           </a:p>
           <a:p>
             <a:pPr lvl="3"/>
             <a:r>
-              <a:rPr lang="es-ES"/>
+              <a:rPr lang="es-ES" smtClean="0"/>
               <a:t>Cuarto nivel</a:t>
             </a:r>
           </a:p>
           <a:p>
             <a:pPr lvl="4"/>
             <a:r>
-              <a:rPr lang="es-ES"/>
+              <a:rPr lang="es-ES" smtClean="0"/>
               <a:t>Quinto nivel</a:t>
             </a:r>
             <a:endParaRPr lang="en-US" dirty="0"/>
@@ -593,7 +593,7 @@
           <a:p>
             <a:fld id="{A1626F8F-BADC-42B5-8999-017B7F317904}" type="datetimeFigureOut">
               <a:rPr lang="en-US" smtClean="0"/>
-              <a:t>5/24/2023</a:t>
+              <a:t>6/26/2022</a:t>
             </a:fld>
             <a:endParaRPr lang="en-US"/>
           </a:p>
@@ -644,7 +644,7 @@
     </p:spTree>
     <p:extLst>
       <p:ext uri="{BB962C8B-B14F-4D97-AF65-F5344CB8AC3E}">
-        <p14:creationId xmlns:p14="http://schemas.microsoft.com/office/powerpoint/2010/main" val="378016083"/>
+        <p14:creationId xmlns:p14="http://schemas.microsoft.com/office/powerpoint/2010/main" val="3925521729"/>
       </p:ext>
     </p:extLst>
   </p:cSld>
@@ -687,7 +687,7 @@
           <a:lstStyle/>
           <a:p>
             <a:r>
-              <a:rPr lang="es-ES"/>
+              <a:rPr lang="es-ES" smtClean="0"/>
               <a:t>Haga clic para modificar el estilo de título del patrón</a:t>
             </a:r>
             <a:endParaRPr lang="en-US" dirty="0"/>
@@ -711,35 +711,35 @@
           <a:p>
             <a:pPr lvl="0"/>
             <a:r>
-              <a:rPr lang="es-ES"/>
-              <a:t>Haga clic para modificar los estilos de texto del patrón</a:t>
+              <a:rPr lang="es-ES" smtClean="0"/>
+              <a:t>Editar el estilo de texto del patrón</a:t>
             </a:r>
           </a:p>
           <a:p>
             <a:pPr lvl="1"/>
             <a:r>
-              <a:rPr lang="es-ES"/>
+              <a:rPr lang="es-ES" smtClean="0"/>
               <a:t>Segundo nivel</a:t>
             </a:r>
           </a:p>
           <a:p>
             <a:pPr lvl="2"/>
             <a:r>
-              <a:rPr lang="es-ES"/>
+              <a:rPr lang="es-ES" smtClean="0"/>
               <a:t>Tercer nivel</a:t>
             </a:r>
           </a:p>
           <a:p>
             <a:pPr lvl="3"/>
             <a:r>
-              <a:rPr lang="es-ES"/>
+              <a:rPr lang="es-ES" smtClean="0"/>
               <a:t>Cuarto nivel</a:t>
             </a:r>
           </a:p>
           <a:p>
             <a:pPr lvl="4"/>
             <a:r>
-              <a:rPr lang="es-ES"/>
+              <a:rPr lang="es-ES" smtClean="0"/>
               <a:t>Quinto nivel</a:t>
             </a:r>
             <a:endParaRPr lang="en-US" dirty="0"/>
@@ -763,7 +763,7 @@
           <a:p>
             <a:fld id="{A1626F8F-BADC-42B5-8999-017B7F317904}" type="datetimeFigureOut">
               <a:rPr lang="en-US" smtClean="0"/>
-              <a:t>5/24/2023</a:t>
+              <a:t>6/26/2022</a:t>
             </a:fld>
             <a:endParaRPr lang="en-US"/>
           </a:p>
@@ -814,7 +814,7 @@
     </p:spTree>
     <p:extLst>
       <p:ext uri="{BB962C8B-B14F-4D97-AF65-F5344CB8AC3E}">
-        <p14:creationId xmlns:p14="http://schemas.microsoft.com/office/powerpoint/2010/main" val="2280455134"/>
+        <p14:creationId xmlns:p14="http://schemas.microsoft.com/office/powerpoint/2010/main" val="1666030160"/>
       </p:ext>
     </p:extLst>
   </p:cSld>
@@ -853,20 +853,20 @@
         </p:nvSpPr>
         <p:spPr>
           <a:xfrm>
-            <a:off x="437263" y="2243638"/>
-            <a:ext cx="5527537" cy="3743557"/>
+            <a:off x="437263" y="1023073"/>
+            <a:ext cx="5527537" cy="1707020"/>
           </a:xfrm>
         </p:spPr>
         <p:txBody>
           <a:bodyPr anchor="b"/>
           <a:lstStyle>
             <a:lvl1pPr>
-              <a:defRPr sz="4205"/>
+              <a:defRPr sz="3154"/>
             </a:lvl1pPr>
           </a:lstStyle>
           <a:p>
             <a:r>
-              <a:rPr lang="es-ES"/>
+              <a:rPr lang="es-ES" smtClean="0"/>
               <a:t>Haga clic para modificar el estilo de título del patrón</a:t>
             </a:r>
             <a:endParaRPr lang="en-US" dirty="0"/>
@@ -885,8 +885,8 @@
         </p:nvSpPr>
         <p:spPr>
           <a:xfrm>
-            <a:off x="437263" y="6022610"/>
-            <a:ext cx="5527537" cy="1968648"/>
+            <a:off x="437263" y="2746242"/>
+            <a:ext cx="5527537" cy="897681"/>
           </a:xfrm>
         </p:spPr>
         <p:txBody>
@@ -894,15 +894,17 @@
           <a:lstStyle>
             <a:lvl1pPr marL="0" indent="0">
               <a:buNone/>
-              <a:defRPr sz="1682">
+              <a:defRPr sz="1262">
                 <a:solidFill>
-                  <a:schemeClr val="tx1"/>
+                  <a:schemeClr val="tx1">
+                    <a:tint val="75000"/>
+                  </a:schemeClr>
                 </a:solidFill>
               </a:defRPr>
             </a:lvl1pPr>
-            <a:lvl2pPr marL="320451" indent="0">
-              <a:buNone/>
-              <a:defRPr sz="1402">
+            <a:lvl2pPr marL="240350" indent="0">
+              <a:buNone/>
+              <a:defRPr sz="1051">
                 <a:solidFill>
                   <a:schemeClr val="tx1">
                     <a:tint val="75000"/>
@@ -910,9 +912,9 @@
                 </a:solidFill>
               </a:defRPr>
             </a:lvl2pPr>
-            <a:lvl3pPr marL="640903" indent="0">
-              <a:buNone/>
-              <a:defRPr sz="1262">
+            <a:lvl3pPr marL="480700" indent="0">
+              <a:buNone/>
+              <a:defRPr sz="946">
                 <a:solidFill>
                   <a:schemeClr val="tx1">
                     <a:tint val="75000"/>
@@ -920,9 +922,9 @@
                 </a:solidFill>
               </a:defRPr>
             </a:lvl3pPr>
-            <a:lvl4pPr marL="961354" indent="0">
-              <a:buNone/>
-              <a:defRPr sz="1121">
+            <a:lvl4pPr marL="721050" indent="0">
+              <a:buNone/>
+              <a:defRPr sz="841">
                 <a:solidFill>
                   <a:schemeClr val="tx1">
                     <a:tint val="75000"/>
@@ -930,9 +932,9 @@
                 </a:solidFill>
               </a:defRPr>
             </a:lvl4pPr>
-            <a:lvl5pPr marL="1281806" indent="0">
-              <a:buNone/>
-              <a:defRPr sz="1121">
+            <a:lvl5pPr marL="961400" indent="0">
+              <a:buNone/>
+              <a:defRPr sz="841">
                 <a:solidFill>
                   <a:schemeClr val="tx1">
                     <a:tint val="75000"/>
@@ -940,9 +942,9 @@
                 </a:solidFill>
               </a:defRPr>
             </a:lvl5pPr>
-            <a:lvl6pPr marL="1602257" indent="0">
-              <a:buNone/>
-              <a:defRPr sz="1121">
+            <a:lvl6pPr marL="1201750" indent="0">
+              <a:buNone/>
+              <a:defRPr sz="841">
                 <a:solidFill>
                   <a:schemeClr val="tx1">
                     <a:tint val="75000"/>
@@ -950,9 +952,9 @@
                 </a:solidFill>
               </a:defRPr>
             </a:lvl6pPr>
-            <a:lvl7pPr marL="1922709" indent="0">
-              <a:buNone/>
-              <a:defRPr sz="1121">
+            <a:lvl7pPr marL="1442100" indent="0">
+              <a:buNone/>
+              <a:defRPr sz="841">
                 <a:solidFill>
                   <a:schemeClr val="tx1">
                     <a:tint val="75000"/>
@@ -960,9 +962,9 @@
                 </a:solidFill>
               </a:defRPr>
             </a:lvl7pPr>
-            <a:lvl8pPr marL="2243160" indent="0">
-              <a:buNone/>
-              <a:defRPr sz="1121">
+            <a:lvl8pPr marL="1682450" indent="0">
+              <a:buNone/>
+              <a:defRPr sz="841">
                 <a:solidFill>
                   <a:schemeClr val="tx1">
                     <a:tint val="75000"/>
@@ -970,9 +972,9 @@
                 </a:solidFill>
               </a:defRPr>
             </a:lvl8pPr>
-            <a:lvl9pPr marL="2563612" indent="0">
-              <a:buNone/>
-              <a:defRPr sz="1121">
+            <a:lvl9pPr marL="1922800" indent="0">
+              <a:buNone/>
+              <a:defRPr sz="841">
                 <a:solidFill>
                   <a:schemeClr val="tx1">
                     <a:tint val="75000"/>
@@ -984,8 +986,8 @@
           <a:p>
             <a:pPr lvl="0"/>
             <a:r>
-              <a:rPr lang="es-ES"/>
-              <a:t>Haga clic para modificar los estilos de texto del patrón</a:t>
+              <a:rPr lang="es-ES" smtClean="0"/>
+              <a:t>Editar el estilo de texto del patrón</a:t>
             </a:r>
           </a:p>
         </p:txBody>
@@ -1007,7 +1009,7 @@
           <a:p>
             <a:fld id="{A1626F8F-BADC-42B5-8999-017B7F317904}" type="datetimeFigureOut">
               <a:rPr lang="en-US" smtClean="0"/>
-              <a:t>5/24/2023</a:t>
+              <a:t>6/26/2022</a:t>
             </a:fld>
             <a:endParaRPr lang="en-US"/>
           </a:p>
@@ -1058,7 +1060,7 @@
     </p:spTree>
     <p:extLst>
       <p:ext uri="{BB962C8B-B14F-4D97-AF65-F5344CB8AC3E}">
-        <p14:creationId xmlns:p14="http://schemas.microsoft.com/office/powerpoint/2010/main" val="3210717802"/>
+        <p14:creationId xmlns:p14="http://schemas.microsoft.com/office/powerpoint/2010/main" val="3037636106"/>
       </p:ext>
     </p:extLst>
   </p:cSld>
@@ -1101,7 +1103,7 @@
           <a:lstStyle/>
           <a:p>
             <a:r>
-              <a:rPr lang="es-ES"/>
+              <a:rPr lang="es-ES" smtClean="0"/>
               <a:t>Haga clic para modificar el estilo de título del patrón</a:t>
             </a:r>
             <a:endParaRPr lang="en-US" dirty="0"/>
@@ -1120,8 +1122,8 @@
         </p:nvSpPr>
         <p:spPr>
           <a:xfrm>
-            <a:off x="440601" y="2395710"/>
-            <a:ext cx="2723714" cy="5710124"/>
+            <a:off x="440601" y="1092417"/>
+            <a:ext cx="2723714" cy="2603752"/>
           </a:xfrm>
         </p:spPr>
         <p:txBody>
@@ -1130,35 +1132,35 @@
           <a:p>
             <a:pPr lvl="0"/>
             <a:r>
-              <a:rPr lang="es-ES"/>
-              <a:t>Haga clic para modificar los estilos de texto del patrón</a:t>
+              <a:rPr lang="es-ES" smtClean="0"/>
+              <a:t>Editar el estilo de texto del patrón</a:t>
             </a:r>
           </a:p>
           <a:p>
             <a:pPr lvl="1"/>
             <a:r>
-              <a:rPr lang="es-ES"/>
+              <a:rPr lang="es-ES" smtClean="0"/>
               <a:t>Segundo nivel</a:t>
             </a:r>
           </a:p>
           <a:p>
             <a:pPr lvl="2"/>
             <a:r>
-              <a:rPr lang="es-ES"/>
+              <a:rPr lang="es-ES" smtClean="0"/>
               <a:t>Tercer nivel</a:t>
             </a:r>
           </a:p>
           <a:p>
             <a:pPr lvl="3"/>
             <a:r>
-              <a:rPr lang="es-ES"/>
+              <a:rPr lang="es-ES" smtClean="0"/>
               <a:t>Cuarto nivel</a:t>
             </a:r>
           </a:p>
           <a:p>
             <a:pPr lvl="4"/>
             <a:r>
-              <a:rPr lang="es-ES"/>
+              <a:rPr lang="es-ES" smtClean="0"/>
               <a:t>Quinto nivel</a:t>
             </a:r>
             <a:endParaRPr lang="en-US" dirty="0"/>
@@ -1177,8 +1179,8 @@
         </p:nvSpPr>
         <p:spPr>
           <a:xfrm>
-            <a:off x="3244423" y="2395710"/>
-            <a:ext cx="2723714" cy="5710124"/>
+            <a:off x="3244423" y="1092417"/>
+            <a:ext cx="2723714" cy="2603752"/>
           </a:xfrm>
         </p:spPr>
         <p:txBody>
@@ -1187,35 +1189,35 @@
           <a:p>
             <a:pPr lvl="0"/>
             <a:r>
-              <a:rPr lang="es-ES"/>
-              <a:t>Haga clic para modificar los estilos de texto del patrón</a:t>
+              <a:rPr lang="es-ES" smtClean="0"/>
+              <a:t>Editar el estilo de texto del patrón</a:t>
             </a:r>
           </a:p>
           <a:p>
             <a:pPr lvl="1"/>
             <a:r>
-              <a:rPr lang="es-ES"/>
+              <a:rPr lang="es-ES" smtClean="0"/>
               <a:t>Segundo nivel</a:t>
             </a:r>
           </a:p>
           <a:p>
             <a:pPr lvl="2"/>
             <a:r>
-              <a:rPr lang="es-ES"/>
+              <a:rPr lang="es-ES" smtClean="0"/>
               <a:t>Tercer nivel</a:t>
             </a:r>
           </a:p>
           <a:p>
             <a:pPr lvl="3"/>
             <a:r>
-              <a:rPr lang="es-ES"/>
+              <a:rPr lang="es-ES" smtClean="0"/>
               <a:t>Cuarto nivel</a:t>
             </a:r>
           </a:p>
           <a:p>
             <a:pPr lvl="4"/>
             <a:r>
-              <a:rPr lang="es-ES"/>
+              <a:rPr lang="es-ES" smtClean="0"/>
               <a:t>Quinto nivel</a:t>
             </a:r>
             <a:endParaRPr lang="en-US" dirty="0"/>
@@ -1239,7 +1241,7 @@
           <a:p>
             <a:fld id="{A1626F8F-BADC-42B5-8999-017B7F317904}" type="datetimeFigureOut">
               <a:rPr lang="en-US" smtClean="0"/>
-              <a:t>5/24/2023</a:t>
+              <a:t>6/26/2022</a:t>
             </a:fld>
             <a:endParaRPr lang="en-US"/>
           </a:p>
@@ -1290,7 +1292,7 @@
     </p:spTree>
     <p:extLst>
       <p:ext uri="{BB962C8B-B14F-4D97-AF65-F5344CB8AC3E}">
-        <p14:creationId xmlns:p14="http://schemas.microsoft.com/office/powerpoint/2010/main" val="1581252807"/>
+        <p14:creationId xmlns:p14="http://schemas.microsoft.com/office/powerpoint/2010/main" val="3146088577"/>
       </p:ext>
     </p:extLst>
   </p:cSld>
@@ -1329,8 +1331,8 @@
         </p:nvSpPr>
         <p:spPr>
           <a:xfrm>
-            <a:off x="441435" y="479144"/>
-            <a:ext cx="5527537" cy="1739495"/>
+            <a:off x="441435" y="218484"/>
+            <a:ext cx="5527537" cy="793190"/>
           </a:xfrm>
         </p:spPr>
         <p:txBody>
@@ -1338,7 +1340,7 @@
           <a:lstStyle/>
           <a:p>
             <a:r>
-              <a:rPr lang="es-ES"/>
+              <a:rPr lang="es-ES" smtClean="0"/>
               <a:t>Haga clic para modificar el estilo de título del patrón</a:t>
             </a:r>
             <a:endParaRPr lang="en-US" dirty="0"/>
@@ -1357,8 +1359,8 @@
         </p:nvSpPr>
         <p:spPr>
           <a:xfrm>
-            <a:off x="441436" y="2206137"/>
-            <a:ext cx="2711196" cy="1081194"/>
+            <a:off x="441436" y="1005974"/>
+            <a:ext cx="2711196" cy="493012"/>
           </a:xfrm>
         </p:spPr>
         <p:txBody>
@@ -1366,46 +1368,46 @@
           <a:lstStyle>
             <a:lvl1pPr marL="0" indent="0">
               <a:buNone/>
-              <a:defRPr sz="1682" b="1"/>
+              <a:defRPr sz="1262" b="1"/>
             </a:lvl1pPr>
-            <a:lvl2pPr marL="320451" indent="0">
-              <a:buNone/>
-              <a:defRPr sz="1402" b="1"/>
+            <a:lvl2pPr marL="240350" indent="0">
+              <a:buNone/>
+              <a:defRPr sz="1051" b="1"/>
             </a:lvl2pPr>
-            <a:lvl3pPr marL="640903" indent="0">
-              <a:buNone/>
-              <a:defRPr sz="1262" b="1"/>
+            <a:lvl3pPr marL="480700" indent="0">
+              <a:buNone/>
+              <a:defRPr sz="946" b="1"/>
             </a:lvl3pPr>
-            <a:lvl4pPr marL="961354" indent="0">
-              <a:buNone/>
-              <a:defRPr sz="1121" b="1"/>
+            <a:lvl4pPr marL="721050" indent="0">
+              <a:buNone/>
+              <a:defRPr sz="841" b="1"/>
             </a:lvl4pPr>
-            <a:lvl5pPr marL="1281806" indent="0">
-              <a:buNone/>
-              <a:defRPr sz="1121" b="1"/>
+            <a:lvl5pPr marL="961400" indent="0">
+              <a:buNone/>
+              <a:defRPr sz="841" b="1"/>
             </a:lvl5pPr>
-            <a:lvl6pPr marL="1602257" indent="0">
-              <a:buNone/>
-              <a:defRPr sz="1121" b="1"/>
+            <a:lvl6pPr marL="1201750" indent="0">
+              <a:buNone/>
+              <a:defRPr sz="841" b="1"/>
             </a:lvl6pPr>
-            <a:lvl7pPr marL="1922709" indent="0">
-              <a:buNone/>
-              <a:defRPr sz="1121" b="1"/>
+            <a:lvl7pPr marL="1442100" indent="0">
+              <a:buNone/>
+              <a:defRPr sz="841" b="1"/>
             </a:lvl7pPr>
-            <a:lvl8pPr marL="2243160" indent="0">
-              <a:buNone/>
-              <a:defRPr sz="1121" b="1"/>
+            <a:lvl8pPr marL="1682450" indent="0">
+              <a:buNone/>
+              <a:defRPr sz="841" b="1"/>
             </a:lvl8pPr>
-            <a:lvl9pPr marL="2563612" indent="0">
-              <a:buNone/>
-              <a:defRPr sz="1121" b="1"/>
+            <a:lvl9pPr marL="1922800" indent="0">
+              <a:buNone/>
+              <a:defRPr sz="841" b="1"/>
             </a:lvl9pPr>
           </a:lstStyle>
           <a:p>
             <a:pPr lvl="0"/>
             <a:r>
-              <a:rPr lang="es-ES"/>
-              <a:t>Haga clic para modificar los estilos de texto del patrón</a:t>
+              <a:rPr lang="es-ES" smtClean="0"/>
+              <a:t>Editar el estilo de texto del patrón</a:t>
             </a:r>
           </a:p>
         </p:txBody>
@@ -1422,8 +1424,8 @@
         </p:nvSpPr>
         <p:spPr>
           <a:xfrm>
-            <a:off x="441436" y="3287331"/>
-            <a:ext cx="2711196" cy="4835169"/>
+            <a:off x="441436" y="1498986"/>
+            <a:ext cx="2711196" cy="2204783"/>
           </a:xfrm>
         </p:spPr>
         <p:txBody>
@@ -1432,35 +1434,35 @@
           <a:p>
             <a:pPr lvl="0"/>
             <a:r>
-              <a:rPr lang="es-ES"/>
-              <a:t>Haga clic para modificar los estilos de texto del patrón</a:t>
+              <a:rPr lang="es-ES" smtClean="0"/>
+              <a:t>Editar el estilo de texto del patrón</a:t>
             </a:r>
           </a:p>
           <a:p>
             <a:pPr lvl="1"/>
             <a:r>
-              <a:rPr lang="es-ES"/>
+              <a:rPr lang="es-ES" smtClean="0"/>
               <a:t>Segundo nivel</a:t>
             </a:r>
           </a:p>
           <a:p>
             <a:pPr lvl="2"/>
             <a:r>
-              <a:rPr lang="es-ES"/>
+              <a:rPr lang="es-ES" smtClean="0"/>
               <a:t>Tercer nivel</a:t>
             </a:r>
           </a:p>
           <a:p>
             <a:pPr lvl="3"/>
             <a:r>
-              <a:rPr lang="es-ES"/>
+              <a:rPr lang="es-ES" smtClean="0"/>
               <a:t>Cuarto nivel</a:t>
             </a:r>
           </a:p>
           <a:p>
             <a:pPr lvl="4"/>
             <a:r>
-              <a:rPr lang="es-ES"/>
+              <a:rPr lang="es-ES" smtClean="0"/>
               <a:t>Quinto nivel</a:t>
             </a:r>
             <a:endParaRPr lang="en-US" dirty="0"/>
@@ -1479,8 +1481,8 @@
         </p:nvSpPr>
         <p:spPr>
           <a:xfrm>
-            <a:off x="3244424" y="2206137"/>
-            <a:ext cx="2724548" cy="1081194"/>
+            <a:off x="3244424" y="1005974"/>
+            <a:ext cx="2724548" cy="493012"/>
           </a:xfrm>
         </p:spPr>
         <p:txBody>
@@ -1488,46 +1490,46 @@
           <a:lstStyle>
             <a:lvl1pPr marL="0" indent="0">
               <a:buNone/>
-              <a:defRPr sz="1682" b="1"/>
+              <a:defRPr sz="1262" b="1"/>
             </a:lvl1pPr>
-            <a:lvl2pPr marL="320451" indent="0">
-              <a:buNone/>
-              <a:defRPr sz="1402" b="1"/>
+            <a:lvl2pPr marL="240350" indent="0">
+              <a:buNone/>
+              <a:defRPr sz="1051" b="1"/>
             </a:lvl2pPr>
-            <a:lvl3pPr marL="640903" indent="0">
-              <a:buNone/>
-              <a:defRPr sz="1262" b="1"/>
+            <a:lvl3pPr marL="480700" indent="0">
+              <a:buNone/>
+              <a:defRPr sz="946" b="1"/>
             </a:lvl3pPr>
-            <a:lvl4pPr marL="961354" indent="0">
-              <a:buNone/>
-              <a:defRPr sz="1121" b="1"/>
+            <a:lvl4pPr marL="721050" indent="0">
+              <a:buNone/>
+              <a:defRPr sz="841" b="1"/>
             </a:lvl4pPr>
-            <a:lvl5pPr marL="1281806" indent="0">
-              <a:buNone/>
-              <a:defRPr sz="1121" b="1"/>
+            <a:lvl5pPr marL="961400" indent="0">
+              <a:buNone/>
+              <a:defRPr sz="841" b="1"/>
             </a:lvl5pPr>
-            <a:lvl6pPr marL="1602257" indent="0">
-              <a:buNone/>
-              <a:defRPr sz="1121" b="1"/>
+            <a:lvl6pPr marL="1201750" indent="0">
+              <a:buNone/>
+              <a:defRPr sz="841" b="1"/>
             </a:lvl6pPr>
-            <a:lvl7pPr marL="1922709" indent="0">
-              <a:buNone/>
-              <a:defRPr sz="1121" b="1"/>
+            <a:lvl7pPr marL="1442100" indent="0">
+              <a:buNone/>
+              <a:defRPr sz="841" b="1"/>
             </a:lvl7pPr>
-            <a:lvl8pPr marL="2243160" indent="0">
-              <a:buNone/>
-              <a:defRPr sz="1121" b="1"/>
+            <a:lvl8pPr marL="1682450" indent="0">
+              <a:buNone/>
+              <a:defRPr sz="841" b="1"/>
             </a:lvl8pPr>
-            <a:lvl9pPr marL="2563612" indent="0">
-              <a:buNone/>
-              <a:defRPr sz="1121" b="1"/>
+            <a:lvl9pPr marL="1922800" indent="0">
+              <a:buNone/>
+              <a:defRPr sz="841" b="1"/>
             </a:lvl9pPr>
           </a:lstStyle>
           <a:p>
             <a:pPr lvl="0"/>
             <a:r>
-              <a:rPr lang="es-ES"/>
-              <a:t>Haga clic para modificar los estilos de texto del patrón</a:t>
+              <a:rPr lang="es-ES" smtClean="0"/>
+              <a:t>Editar el estilo de texto del patrón</a:t>
             </a:r>
           </a:p>
         </p:txBody>
@@ -1544,8 +1546,8 @@
         </p:nvSpPr>
         <p:spPr>
           <a:xfrm>
-            <a:off x="3244424" y="3287331"/>
-            <a:ext cx="2724548" cy="4835169"/>
+            <a:off x="3244424" y="1498986"/>
+            <a:ext cx="2724548" cy="2204783"/>
           </a:xfrm>
         </p:spPr>
         <p:txBody>
@@ -1554,35 +1556,35 @@
           <a:p>
             <a:pPr lvl="0"/>
             <a:r>
-              <a:rPr lang="es-ES"/>
-              <a:t>Haga clic para modificar los estilos de texto del patrón</a:t>
+              <a:rPr lang="es-ES" smtClean="0"/>
+              <a:t>Editar el estilo de texto del patrón</a:t>
             </a:r>
           </a:p>
           <a:p>
             <a:pPr lvl="1"/>
             <a:r>
-              <a:rPr lang="es-ES"/>
+              <a:rPr lang="es-ES" smtClean="0"/>
               <a:t>Segundo nivel</a:t>
             </a:r>
           </a:p>
           <a:p>
             <a:pPr lvl="2"/>
             <a:r>
-              <a:rPr lang="es-ES"/>
+              <a:rPr lang="es-ES" smtClean="0"/>
               <a:t>Tercer nivel</a:t>
             </a:r>
           </a:p>
           <a:p>
             <a:pPr lvl="3"/>
             <a:r>
-              <a:rPr lang="es-ES"/>
+              <a:rPr lang="es-ES" smtClean="0"/>
               <a:t>Cuarto nivel</a:t>
             </a:r>
           </a:p>
           <a:p>
             <a:pPr lvl="4"/>
             <a:r>
-              <a:rPr lang="es-ES"/>
+              <a:rPr lang="es-ES" smtClean="0"/>
               <a:t>Quinto nivel</a:t>
             </a:r>
             <a:endParaRPr lang="en-US" dirty="0"/>
@@ -1606,7 +1608,7 @@
           <a:p>
             <a:fld id="{A1626F8F-BADC-42B5-8999-017B7F317904}" type="datetimeFigureOut">
               <a:rPr lang="en-US" smtClean="0"/>
-              <a:t>5/24/2023</a:t>
+              <a:t>6/26/2022</a:t>
             </a:fld>
             <a:endParaRPr lang="en-US"/>
           </a:p>
@@ -1657,7 +1659,7 @@
     </p:spTree>
     <p:extLst>
       <p:ext uri="{BB962C8B-B14F-4D97-AF65-F5344CB8AC3E}">
-        <p14:creationId xmlns:p14="http://schemas.microsoft.com/office/powerpoint/2010/main" val="864616951"/>
+        <p14:creationId xmlns:p14="http://schemas.microsoft.com/office/powerpoint/2010/main" val="526542639"/>
       </p:ext>
     </p:extLst>
   </p:cSld>
@@ -1700,7 +1702,7 @@
           <a:lstStyle/>
           <a:p>
             <a:r>
-              <a:rPr lang="es-ES"/>
+              <a:rPr lang="es-ES" smtClean="0"/>
               <a:t>Haga clic para modificar el estilo de título del patrón</a:t>
             </a:r>
             <a:endParaRPr lang="en-US" dirty="0"/>
@@ -1724,7 +1726,7 @@
           <a:p>
             <a:fld id="{A1626F8F-BADC-42B5-8999-017B7F317904}" type="datetimeFigureOut">
               <a:rPr lang="en-US" smtClean="0"/>
-              <a:t>5/24/2023</a:t>
+              <a:t>6/26/2022</a:t>
             </a:fld>
             <a:endParaRPr lang="en-US"/>
           </a:p>
@@ -1775,7 +1777,7 @@
     </p:spTree>
     <p:extLst>
       <p:ext uri="{BB962C8B-B14F-4D97-AF65-F5344CB8AC3E}">
-        <p14:creationId xmlns:p14="http://schemas.microsoft.com/office/powerpoint/2010/main" val="471927585"/>
+        <p14:creationId xmlns:p14="http://schemas.microsoft.com/office/powerpoint/2010/main" val="1193585261"/>
       </p:ext>
     </p:extLst>
   </p:cSld>
@@ -1819,7 +1821,7 @@
           <a:p>
             <a:fld id="{A1626F8F-BADC-42B5-8999-017B7F317904}" type="datetimeFigureOut">
               <a:rPr lang="en-US" smtClean="0"/>
-              <a:t>5/24/2023</a:t>
+              <a:t>6/26/2022</a:t>
             </a:fld>
             <a:endParaRPr lang="en-US"/>
           </a:p>
@@ -1870,7 +1872,7 @@
     </p:spTree>
     <p:extLst>
       <p:ext uri="{BB962C8B-B14F-4D97-AF65-F5344CB8AC3E}">
-        <p14:creationId xmlns:p14="http://schemas.microsoft.com/office/powerpoint/2010/main" val="712919019"/>
+        <p14:creationId xmlns:p14="http://schemas.microsoft.com/office/powerpoint/2010/main" val="1881233403"/>
       </p:ext>
     </p:extLst>
   </p:cSld>
@@ -1909,20 +1911,20 @@
         </p:nvSpPr>
         <p:spPr>
           <a:xfrm>
-            <a:off x="441435" y="599969"/>
-            <a:ext cx="2066985" cy="2099892"/>
+            <a:off x="441436" y="273579"/>
+            <a:ext cx="2066985" cy="957527"/>
           </a:xfrm>
         </p:spPr>
         <p:txBody>
           <a:bodyPr anchor="b"/>
           <a:lstStyle>
             <a:lvl1pPr>
-              <a:defRPr sz="2243"/>
+              <a:defRPr sz="1682"/>
             </a:lvl1pPr>
           </a:lstStyle>
           <a:p>
             <a:r>
-              <a:rPr lang="es-ES"/>
+              <a:rPr lang="es-ES" smtClean="0"/>
               <a:t>Haga clic para modificar el estilo de título del patrón</a:t>
             </a:r>
             <a:endParaRPr lang="en-US" dirty="0"/>
@@ -1941,73 +1943,73 @@
         </p:nvSpPr>
         <p:spPr>
           <a:xfrm>
-            <a:off x="2724548" y="1295769"/>
-            <a:ext cx="3244424" cy="6395505"/>
+            <a:off x="2724548" y="590856"/>
+            <a:ext cx="3244424" cy="2916278"/>
           </a:xfrm>
         </p:spPr>
         <p:txBody>
           <a:bodyPr/>
           <a:lstStyle>
             <a:lvl1pPr>
-              <a:defRPr sz="2243"/>
+              <a:defRPr sz="1682"/>
             </a:lvl1pPr>
             <a:lvl2pPr>
-              <a:defRPr sz="1963"/>
+              <a:defRPr sz="1472"/>
             </a:lvl2pPr>
             <a:lvl3pPr>
-              <a:defRPr sz="1682"/>
+              <a:defRPr sz="1262"/>
             </a:lvl3pPr>
             <a:lvl4pPr>
-              <a:defRPr sz="1402"/>
+              <a:defRPr sz="1051"/>
             </a:lvl4pPr>
             <a:lvl5pPr>
-              <a:defRPr sz="1402"/>
+              <a:defRPr sz="1051"/>
             </a:lvl5pPr>
             <a:lvl6pPr>
-              <a:defRPr sz="1402"/>
+              <a:defRPr sz="1051"/>
             </a:lvl6pPr>
             <a:lvl7pPr>
-              <a:defRPr sz="1402"/>
+              <a:defRPr sz="1051"/>
             </a:lvl7pPr>
             <a:lvl8pPr>
-              <a:defRPr sz="1402"/>
+              <a:defRPr sz="1051"/>
             </a:lvl8pPr>
             <a:lvl9pPr>
-              <a:defRPr sz="1402"/>
+              <a:defRPr sz="1051"/>
             </a:lvl9pPr>
           </a:lstStyle>
           <a:p>
             <a:pPr lvl="0"/>
             <a:r>
-              <a:rPr lang="es-ES"/>
-              <a:t>Haga clic para modificar los estilos de texto del patrón</a:t>
+              <a:rPr lang="es-ES" smtClean="0"/>
+              <a:t>Editar el estilo de texto del patrón</a:t>
             </a:r>
           </a:p>
           <a:p>
             <a:pPr lvl="1"/>
             <a:r>
-              <a:rPr lang="es-ES"/>
+              <a:rPr lang="es-ES" smtClean="0"/>
               <a:t>Segundo nivel</a:t>
             </a:r>
           </a:p>
           <a:p>
             <a:pPr lvl="2"/>
             <a:r>
-              <a:rPr lang="es-ES"/>
+              <a:rPr lang="es-ES" smtClean="0"/>
               <a:t>Tercer nivel</a:t>
             </a:r>
           </a:p>
           <a:p>
             <a:pPr lvl="3"/>
             <a:r>
-              <a:rPr lang="es-ES"/>
+              <a:rPr lang="es-ES" smtClean="0"/>
               <a:t>Cuarto nivel</a:t>
             </a:r>
           </a:p>
           <a:p>
             <a:pPr lvl="4"/>
             <a:r>
-              <a:rPr lang="es-ES"/>
+              <a:rPr lang="es-ES" smtClean="0"/>
               <a:t>Quinto nivel</a:t>
             </a:r>
             <a:endParaRPr lang="en-US" dirty="0"/>
@@ -2026,8 +2028,8 @@
         </p:nvSpPr>
         <p:spPr>
           <a:xfrm>
-            <a:off x="441435" y="2699862"/>
-            <a:ext cx="2066985" cy="5001827"/>
+            <a:off x="441436" y="1231106"/>
+            <a:ext cx="2066985" cy="2280777"/>
           </a:xfrm>
         </p:spPr>
         <p:txBody>
@@ -2035,46 +2037,46 @@
           <a:lstStyle>
             <a:lvl1pPr marL="0" indent="0">
               <a:buNone/>
-              <a:defRPr sz="1121"/>
+              <a:defRPr sz="841"/>
             </a:lvl1pPr>
-            <a:lvl2pPr marL="320451" indent="0">
-              <a:buNone/>
-              <a:defRPr sz="981"/>
+            <a:lvl2pPr marL="240350" indent="0">
+              <a:buNone/>
+              <a:defRPr sz="736"/>
             </a:lvl2pPr>
-            <a:lvl3pPr marL="640903" indent="0">
-              <a:buNone/>
-              <a:defRPr sz="841"/>
+            <a:lvl3pPr marL="480700" indent="0">
+              <a:buNone/>
+              <a:defRPr sz="631"/>
             </a:lvl3pPr>
-            <a:lvl4pPr marL="961354" indent="0">
-              <a:buNone/>
-              <a:defRPr sz="701"/>
+            <a:lvl4pPr marL="721050" indent="0">
+              <a:buNone/>
+              <a:defRPr sz="526"/>
             </a:lvl4pPr>
-            <a:lvl5pPr marL="1281806" indent="0">
-              <a:buNone/>
-              <a:defRPr sz="701"/>
+            <a:lvl5pPr marL="961400" indent="0">
+              <a:buNone/>
+              <a:defRPr sz="526"/>
             </a:lvl5pPr>
-            <a:lvl6pPr marL="1602257" indent="0">
-              <a:buNone/>
-              <a:defRPr sz="701"/>
+            <a:lvl6pPr marL="1201750" indent="0">
+              <a:buNone/>
+              <a:defRPr sz="526"/>
             </a:lvl6pPr>
-            <a:lvl7pPr marL="1922709" indent="0">
-              <a:buNone/>
-              <a:defRPr sz="701"/>
+            <a:lvl7pPr marL="1442100" indent="0">
+              <a:buNone/>
+              <a:defRPr sz="526"/>
             </a:lvl7pPr>
-            <a:lvl8pPr marL="2243160" indent="0">
-              <a:buNone/>
-              <a:defRPr sz="701"/>
+            <a:lvl8pPr marL="1682450" indent="0">
+              <a:buNone/>
+              <a:defRPr sz="526"/>
             </a:lvl8pPr>
-            <a:lvl9pPr marL="2563612" indent="0">
-              <a:buNone/>
-              <a:defRPr sz="701"/>
+            <a:lvl9pPr marL="1922800" indent="0">
+              <a:buNone/>
+              <a:defRPr sz="526"/>
             </a:lvl9pPr>
           </a:lstStyle>
           <a:p>
             <a:pPr lvl="0"/>
             <a:r>
-              <a:rPr lang="es-ES"/>
-              <a:t>Haga clic para modificar los estilos de texto del patrón</a:t>
+              <a:rPr lang="es-ES" smtClean="0"/>
+              <a:t>Editar el estilo de texto del patrón</a:t>
             </a:r>
           </a:p>
         </p:txBody>
@@ -2096,7 +2098,7 @@
           <a:p>
             <a:fld id="{A1626F8F-BADC-42B5-8999-017B7F317904}" type="datetimeFigureOut">
               <a:rPr lang="en-US" smtClean="0"/>
-              <a:t>5/24/2023</a:t>
+              <a:t>6/26/2022</a:t>
             </a:fld>
             <a:endParaRPr lang="en-US"/>
           </a:p>
@@ -2147,7 +2149,7 @@
     </p:spTree>
     <p:extLst>
       <p:ext uri="{BB962C8B-B14F-4D97-AF65-F5344CB8AC3E}">
-        <p14:creationId xmlns:p14="http://schemas.microsoft.com/office/powerpoint/2010/main" val="976423292"/>
+        <p14:creationId xmlns:p14="http://schemas.microsoft.com/office/powerpoint/2010/main" val="312306723"/>
       </p:ext>
     </p:extLst>
   </p:cSld>
@@ -2186,20 +2188,20 @@
         </p:nvSpPr>
         <p:spPr>
           <a:xfrm>
-            <a:off x="441435" y="599969"/>
-            <a:ext cx="2066985" cy="2099892"/>
+            <a:off x="441436" y="273579"/>
+            <a:ext cx="2066985" cy="957527"/>
           </a:xfrm>
         </p:spPr>
         <p:txBody>
           <a:bodyPr anchor="b"/>
           <a:lstStyle>
             <a:lvl1pPr>
-              <a:defRPr sz="2243"/>
+              <a:defRPr sz="1682"/>
             </a:lvl1pPr>
           </a:lstStyle>
           <a:p>
             <a:r>
-              <a:rPr lang="es-ES"/>
+              <a:rPr lang="es-ES" smtClean="0"/>
               <a:t>Haga clic para modificar el estilo de título del patrón</a:t>
             </a:r>
             <a:endParaRPr lang="en-US" dirty="0"/>
@@ -2218,8 +2220,8 @@
         </p:nvSpPr>
         <p:spPr>
           <a:xfrm>
-            <a:off x="2724548" y="1295769"/>
-            <a:ext cx="3244424" cy="6395505"/>
+            <a:off x="2724548" y="590856"/>
+            <a:ext cx="3244424" cy="2916278"/>
           </a:xfrm>
         </p:spPr>
         <p:txBody>
@@ -2227,44 +2229,44 @@
           <a:lstStyle>
             <a:lvl1pPr marL="0" indent="0">
               <a:buNone/>
-              <a:defRPr sz="2243"/>
+              <a:defRPr sz="1682"/>
             </a:lvl1pPr>
-            <a:lvl2pPr marL="320451" indent="0">
-              <a:buNone/>
-              <a:defRPr sz="1963"/>
+            <a:lvl2pPr marL="240350" indent="0">
+              <a:buNone/>
+              <a:defRPr sz="1472"/>
             </a:lvl2pPr>
-            <a:lvl3pPr marL="640903" indent="0">
-              <a:buNone/>
-              <a:defRPr sz="1682"/>
+            <a:lvl3pPr marL="480700" indent="0">
+              <a:buNone/>
+              <a:defRPr sz="1262"/>
             </a:lvl3pPr>
-            <a:lvl4pPr marL="961354" indent="0">
-              <a:buNone/>
-              <a:defRPr sz="1402"/>
+            <a:lvl4pPr marL="721050" indent="0">
+              <a:buNone/>
+              <a:defRPr sz="1051"/>
             </a:lvl4pPr>
-            <a:lvl5pPr marL="1281806" indent="0">
-              <a:buNone/>
-              <a:defRPr sz="1402"/>
+            <a:lvl5pPr marL="961400" indent="0">
+              <a:buNone/>
+              <a:defRPr sz="1051"/>
             </a:lvl5pPr>
-            <a:lvl6pPr marL="1602257" indent="0">
-              <a:buNone/>
-              <a:defRPr sz="1402"/>
+            <a:lvl6pPr marL="1201750" indent="0">
+              <a:buNone/>
+              <a:defRPr sz="1051"/>
             </a:lvl6pPr>
-            <a:lvl7pPr marL="1922709" indent="0">
-              <a:buNone/>
-              <a:defRPr sz="1402"/>
+            <a:lvl7pPr marL="1442100" indent="0">
+              <a:buNone/>
+              <a:defRPr sz="1051"/>
             </a:lvl7pPr>
-            <a:lvl8pPr marL="2243160" indent="0">
-              <a:buNone/>
-              <a:defRPr sz="1402"/>
+            <a:lvl8pPr marL="1682450" indent="0">
+              <a:buNone/>
+              <a:defRPr sz="1051"/>
             </a:lvl8pPr>
-            <a:lvl9pPr marL="2563612" indent="0">
-              <a:buNone/>
-              <a:defRPr sz="1402"/>
+            <a:lvl9pPr marL="1922800" indent="0">
+              <a:buNone/>
+              <a:defRPr sz="1051"/>
             </a:lvl9pPr>
           </a:lstStyle>
           <a:p>
             <a:r>
-              <a:rPr lang="es-ES"/>
+              <a:rPr lang="es-ES" smtClean="0"/>
               <a:t>Haga clic en el icono para agregar una imagen</a:t>
             </a:r>
             <a:endParaRPr lang="en-US" dirty="0"/>
@@ -2283,8 +2285,8 @@
         </p:nvSpPr>
         <p:spPr>
           <a:xfrm>
-            <a:off x="441435" y="2699862"/>
-            <a:ext cx="2066985" cy="5001827"/>
+            <a:off x="441436" y="1231106"/>
+            <a:ext cx="2066985" cy="2280777"/>
           </a:xfrm>
         </p:spPr>
         <p:txBody>
@@ -2292,46 +2294,46 @@
           <a:lstStyle>
             <a:lvl1pPr marL="0" indent="0">
               <a:buNone/>
-              <a:defRPr sz="1121"/>
+              <a:defRPr sz="841"/>
             </a:lvl1pPr>
-            <a:lvl2pPr marL="320451" indent="0">
-              <a:buNone/>
-              <a:defRPr sz="981"/>
+            <a:lvl2pPr marL="240350" indent="0">
+              <a:buNone/>
+              <a:defRPr sz="736"/>
             </a:lvl2pPr>
-            <a:lvl3pPr marL="640903" indent="0">
-              <a:buNone/>
-              <a:defRPr sz="841"/>
+            <a:lvl3pPr marL="480700" indent="0">
+              <a:buNone/>
+              <a:defRPr sz="631"/>
             </a:lvl3pPr>
-            <a:lvl4pPr marL="961354" indent="0">
-              <a:buNone/>
-              <a:defRPr sz="701"/>
+            <a:lvl4pPr marL="721050" indent="0">
+              <a:buNone/>
+              <a:defRPr sz="526"/>
             </a:lvl4pPr>
-            <a:lvl5pPr marL="1281806" indent="0">
-              <a:buNone/>
-              <a:defRPr sz="701"/>
+            <a:lvl5pPr marL="961400" indent="0">
+              <a:buNone/>
+              <a:defRPr sz="526"/>
             </a:lvl5pPr>
-            <a:lvl6pPr marL="1602257" indent="0">
-              <a:buNone/>
-              <a:defRPr sz="701"/>
+            <a:lvl6pPr marL="1201750" indent="0">
+              <a:buNone/>
+              <a:defRPr sz="526"/>
             </a:lvl6pPr>
-            <a:lvl7pPr marL="1922709" indent="0">
-              <a:buNone/>
-              <a:defRPr sz="701"/>
+            <a:lvl7pPr marL="1442100" indent="0">
+              <a:buNone/>
+              <a:defRPr sz="526"/>
             </a:lvl7pPr>
-            <a:lvl8pPr marL="2243160" indent="0">
-              <a:buNone/>
-              <a:defRPr sz="701"/>
+            <a:lvl8pPr marL="1682450" indent="0">
+              <a:buNone/>
+              <a:defRPr sz="526"/>
             </a:lvl8pPr>
-            <a:lvl9pPr marL="2563612" indent="0">
-              <a:buNone/>
-              <a:defRPr sz="701"/>
+            <a:lvl9pPr marL="1922800" indent="0">
+              <a:buNone/>
+              <a:defRPr sz="526"/>
             </a:lvl9pPr>
           </a:lstStyle>
           <a:p>
             <a:pPr lvl="0"/>
             <a:r>
-              <a:rPr lang="es-ES"/>
-              <a:t>Haga clic para modificar los estilos de texto del patrón</a:t>
+              <a:rPr lang="es-ES" smtClean="0"/>
+              <a:t>Editar el estilo de texto del patrón</a:t>
             </a:r>
           </a:p>
         </p:txBody>
@@ -2353,7 +2355,7 @@
           <a:p>
             <a:fld id="{A1626F8F-BADC-42B5-8999-017B7F317904}" type="datetimeFigureOut">
               <a:rPr lang="en-US" smtClean="0"/>
-              <a:t>5/24/2023</a:t>
+              <a:t>6/26/2022</a:t>
             </a:fld>
             <a:endParaRPr lang="en-US"/>
           </a:p>
@@ -2404,7 +2406,7 @@
     </p:spTree>
     <p:extLst>
       <p:ext uri="{BB962C8B-B14F-4D97-AF65-F5344CB8AC3E}">
-        <p14:creationId xmlns:p14="http://schemas.microsoft.com/office/powerpoint/2010/main" val="1504319676"/>
+        <p14:creationId xmlns:p14="http://schemas.microsoft.com/office/powerpoint/2010/main" val="2735738534"/>
       </p:ext>
     </p:extLst>
   </p:cSld>
@@ -2448,8 +2450,8 @@
         </p:nvSpPr>
         <p:spPr>
           <a:xfrm>
-            <a:off x="440601" y="479144"/>
-            <a:ext cx="5527537" cy="1739495"/>
+            <a:off x="440601" y="218484"/>
+            <a:ext cx="5527537" cy="793190"/>
           </a:xfrm>
           <a:prstGeom prst="rect">
             <a:avLst/>
@@ -2462,7 +2464,7 @@
           <a:lstStyle/>
           <a:p>
             <a:r>
-              <a:rPr lang="es-ES"/>
+              <a:rPr lang="es-ES" smtClean="0"/>
               <a:t>Haga clic para modificar el estilo de título del patrón</a:t>
             </a:r>
             <a:endParaRPr lang="en-US" dirty="0"/>
@@ -2481,8 +2483,8 @@
         </p:nvSpPr>
         <p:spPr>
           <a:xfrm>
-            <a:off x="440601" y="2395710"/>
-            <a:ext cx="5527537" cy="5710124"/>
+            <a:off x="440601" y="1092417"/>
+            <a:ext cx="5527537" cy="2603752"/>
           </a:xfrm>
           <a:prstGeom prst="rect">
             <a:avLst/>
@@ -2496,35 +2498,35 @@
           <a:p>
             <a:pPr lvl="0"/>
             <a:r>
-              <a:rPr lang="es-ES"/>
-              <a:t>Haga clic para modificar los estilos de texto del patrón</a:t>
+              <a:rPr lang="es-ES" smtClean="0"/>
+              <a:t>Editar el estilo de texto del patrón</a:t>
             </a:r>
           </a:p>
           <a:p>
             <a:pPr lvl="1"/>
             <a:r>
-              <a:rPr lang="es-ES"/>
+              <a:rPr lang="es-ES" smtClean="0"/>
               <a:t>Segundo nivel</a:t>
             </a:r>
           </a:p>
           <a:p>
             <a:pPr lvl="2"/>
             <a:r>
-              <a:rPr lang="es-ES"/>
+              <a:rPr lang="es-ES" smtClean="0"/>
               <a:t>Tercer nivel</a:t>
             </a:r>
           </a:p>
           <a:p>
             <a:pPr lvl="3"/>
             <a:r>
-              <a:rPr lang="es-ES"/>
+              <a:rPr lang="es-ES" smtClean="0"/>
               <a:t>Cuarto nivel</a:t>
             </a:r>
           </a:p>
           <a:p>
             <a:pPr lvl="4"/>
             <a:r>
-              <a:rPr lang="es-ES"/>
+              <a:rPr lang="es-ES" smtClean="0"/>
               <a:t>Quinto nivel</a:t>
             </a:r>
             <a:endParaRPr lang="en-US" dirty="0"/>
@@ -2543,8 +2545,8 @@
         </p:nvSpPr>
         <p:spPr>
           <a:xfrm>
-            <a:off x="440601" y="8341240"/>
-            <a:ext cx="1441966" cy="479142"/>
+            <a:off x="440601" y="3803511"/>
+            <a:ext cx="1441966" cy="218483"/>
           </a:xfrm>
           <a:prstGeom prst="rect">
             <a:avLst/>
@@ -2554,7 +2556,7 @@
           <a:bodyPr vert="horz" lIns="91440" tIns="45720" rIns="91440" bIns="45720" rtlCol="0" anchor="ctr"/>
           <a:lstStyle>
             <a:lvl1pPr algn="l">
-              <a:defRPr sz="841">
+              <a:defRPr sz="631">
                 <a:solidFill>
                   <a:schemeClr val="tx1">
                     <a:tint val="75000"/>
@@ -2566,7 +2568,7 @@
           <a:p>
             <a:fld id="{A1626F8F-BADC-42B5-8999-017B7F317904}" type="datetimeFigureOut">
               <a:rPr lang="en-US" smtClean="0"/>
-              <a:t>5/24/2023</a:t>
+              <a:t>6/26/2022</a:t>
             </a:fld>
             <a:endParaRPr lang="en-US"/>
           </a:p>
@@ -2584,8 +2586,8 @@
         </p:nvSpPr>
         <p:spPr>
           <a:xfrm>
-            <a:off x="2122895" y="8341240"/>
-            <a:ext cx="2162949" cy="479142"/>
+            <a:off x="2122895" y="3803511"/>
+            <a:ext cx="2162949" cy="218483"/>
           </a:xfrm>
           <a:prstGeom prst="rect">
             <a:avLst/>
@@ -2595,7 +2597,7 @@
           <a:bodyPr vert="horz" lIns="91440" tIns="45720" rIns="91440" bIns="45720" rtlCol="0" anchor="ctr"/>
           <a:lstStyle>
             <a:lvl1pPr algn="ctr">
-              <a:defRPr sz="841">
+              <a:defRPr sz="631">
                 <a:solidFill>
                   <a:schemeClr val="tx1">
                     <a:tint val="75000"/>
@@ -2621,8 +2623,8 @@
         </p:nvSpPr>
         <p:spPr>
           <a:xfrm>
-            <a:off x="4526171" y="8341240"/>
-            <a:ext cx="1441966" cy="479142"/>
+            <a:off x="4526171" y="3803511"/>
+            <a:ext cx="1441966" cy="218483"/>
           </a:xfrm>
           <a:prstGeom prst="rect">
             <a:avLst/>
@@ -2632,7 +2634,7 @@
           <a:bodyPr vert="horz" lIns="91440" tIns="45720" rIns="91440" bIns="45720" rtlCol="0" anchor="ctr"/>
           <a:lstStyle>
             <a:lvl1pPr algn="r">
-              <a:defRPr sz="841">
+              <a:defRPr sz="631">
                 <a:solidFill>
                   <a:schemeClr val="tx1">
                     <a:tint val="75000"/>
@@ -2653,27 +2655,27 @@
     </p:spTree>
     <p:extLst>
       <p:ext uri="{BB962C8B-B14F-4D97-AF65-F5344CB8AC3E}">
-        <p14:creationId xmlns:p14="http://schemas.microsoft.com/office/powerpoint/2010/main" val="2350061715"/>
+        <p14:creationId xmlns:p14="http://schemas.microsoft.com/office/powerpoint/2010/main" val="89541601"/>
       </p:ext>
     </p:extLst>
   </p:cSld>
   <p:clrMap bg1="lt1" tx1="dk1" bg2="lt2" tx2="dk2" accent1="accent1" accent2="accent2" accent3="accent3" accent4="accent4" accent5="accent5" accent6="accent6" hlink="hlink" folHlink="folHlink"/>
   <p:sldLayoutIdLst>
-    <p:sldLayoutId id="2147483721" r:id="rId1"/>
-    <p:sldLayoutId id="2147483722" r:id="rId2"/>
-    <p:sldLayoutId id="2147483723" r:id="rId3"/>
-    <p:sldLayoutId id="2147483724" r:id="rId4"/>
-    <p:sldLayoutId id="2147483725" r:id="rId5"/>
-    <p:sldLayoutId id="2147483726" r:id="rId6"/>
-    <p:sldLayoutId id="2147483727" r:id="rId7"/>
-    <p:sldLayoutId id="2147483728" r:id="rId8"/>
-    <p:sldLayoutId id="2147483729" r:id="rId9"/>
-    <p:sldLayoutId id="2147483730" r:id="rId10"/>
-    <p:sldLayoutId id="2147483731" r:id="rId11"/>
+    <p:sldLayoutId id="2147483685" r:id="rId1"/>
+    <p:sldLayoutId id="2147483686" r:id="rId2"/>
+    <p:sldLayoutId id="2147483687" r:id="rId3"/>
+    <p:sldLayoutId id="2147483688" r:id="rId4"/>
+    <p:sldLayoutId id="2147483689" r:id="rId5"/>
+    <p:sldLayoutId id="2147483690" r:id="rId6"/>
+    <p:sldLayoutId id="2147483691" r:id="rId7"/>
+    <p:sldLayoutId id="2147483692" r:id="rId8"/>
+    <p:sldLayoutId id="2147483693" r:id="rId9"/>
+    <p:sldLayoutId id="2147483694" r:id="rId10"/>
+    <p:sldLayoutId id="2147483695" r:id="rId11"/>
   </p:sldLayoutIdLst>
   <p:txStyles>
     <p:titleStyle>
-      <a:lvl1pPr algn="l" defTabSz="640903" rtl="0" eaLnBrk="1" latinLnBrk="0" hangingPunct="1">
+      <a:lvl1pPr algn="l" defTabSz="480700" rtl="0" eaLnBrk="1" latinLnBrk="0" hangingPunct="1">
         <a:lnSpc>
           <a:spcPct val="90000"/>
         </a:lnSpc>
@@ -2681,7 +2683,7 @@
           <a:spcPct val="0"/>
         </a:spcBef>
         <a:buNone/>
-        <a:defRPr sz="3084" kern="1200">
+        <a:defRPr sz="2313" kern="1200">
           <a:solidFill>
             <a:schemeClr val="tx1"/>
           </a:solidFill>
@@ -2692,16 +2694,16 @@
       </a:lvl1pPr>
     </p:titleStyle>
     <p:bodyStyle>
-      <a:lvl1pPr marL="160226" indent="-160226" algn="l" defTabSz="640903" rtl="0" eaLnBrk="1" latinLnBrk="0" hangingPunct="1">
+      <a:lvl1pPr marL="120175" indent="-120175" algn="l" defTabSz="480700" rtl="0" eaLnBrk="1" latinLnBrk="0" hangingPunct="1">
         <a:lnSpc>
           <a:spcPct val="90000"/>
         </a:lnSpc>
         <a:spcBef>
-          <a:spcPts val="701"/>
+          <a:spcPts val="526"/>
         </a:spcBef>
         <a:buFont typeface="Arial" panose="020B0604020202020204" pitchFamily="34" charset="0"/>
         <a:buChar char="•"/>
-        <a:defRPr sz="1963" kern="1200">
+        <a:defRPr sz="1472" kern="1200">
           <a:solidFill>
             <a:schemeClr val="tx1"/>
           </a:solidFill>
@@ -2710,48 +2712,12 @@
           <a:cs typeface="+mn-cs"/>
         </a:defRPr>
       </a:lvl1pPr>
-      <a:lvl2pPr marL="480677" indent="-160226" algn="l" defTabSz="640903" rtl="0" eaLnBrk="1" latinLnBrk="0" hangingPunct="1">
+      <a:lvl2pPr marL="360525" indent="-120175" algn="l" defTabSz="480700" rtl="0" eaLnBrk="1" latinLnBrk="0" hangingPunct="1">
         <a:lnSpc>
           <a:spcPct val="90000"/>
         </a:lnSpc>
         <a:spcBef>
-          <a:spcPts val="350"/>
-        </a:spcBef>
-        <a:buFont typeface="Arial" panose="020B0604020202020204" pitchFamily="34" charset="0"/>
-        <a:buChar char="•"/>
-        <a:defRPr sz="1682" kern="1200">
-          <a:solidFill>
-            <a:schemeClr val="tx1"/>
-          </a:solidFill>
-          <a:latin typeface="+mn-lt"/>
-          <a:ea typeface="+mn-ea"/>
-          <a:cs typeface="+mn-cs"/>
-        </a:defRPr>
-      </a:lvl2pPr>
-      <a:lvl3pPr marL="801129" indent="-160226" algn="l" defTabSz="640903" rtl="0" eaLnBrk="1" latinLnBrk="0" hangingPunct="1">
-        <a:lnSpc>
-          <a:spcPct val="90000"/>
-        </a:lnSpc>
-        <a:spcBef>
-          <a:spcPts val="350"/>
-        </a:spcBef>
-        <a:buFont typeface="Arial" panose="020B0604020202020204" pitchFamily="34" charset="0"/>
-        <a:buChar char="•"/>
-        <a:defRPr sz="1402" kern="1200">
-          <a:solidFill>
-            <a:schemeClr val="tx1"/>
-          </a:solidFill>
-          <a:latin typeface="+mn-lt"/>
-          <a:ea typeface="+mn-ea"/>
-          <a:cs typeface="+mn-cs"/>
-        </a:defRPr>
-      </a:lvl3pPr>
-      <a:lvl4pPr marL="1121580" indent="-160226" algn="l" defTabSz="640903" rtl="0" eaLnBrk="1" latinLnBrk="0" hangingPunct="1">
-        <a:lnSpc>
-          <a:spcPct val="90000"/>
-        </a:lnSpc>
-        <a:spcBef>
-          <a:spcPts val="350"/>
+          <a:spcPts val="263"/>
         </a:spcBef>
         <a:buFont typeface="Arial" panose="020B0604020202020204" pitchFamily="34" charset="0"/>
         <a:buChar char="•"/>
@@ -2763,17 +2729,53 @@
           <a:ea typeface="+mn-ea"/>
           <a:cs typeface="+mn-cs"/>
         </a:defRPr>
-      </a:lvl4pPr>
-      <a:lvl5pPr marL="1442032" indent="-160226" algn="l" defTabSz="640903" rtl="0" eaLnBrk="1" latinLnBrk="0" hangingPunct="1">
+      </a:lvl2pPr>
+      <a:lvl3pPr marL="600875" indent="-120175" algn="l" defTabSz="480700" rtl="0" eaLnBrk="1" latinLnBrk="0" hangingPunct="1">
         <a:lnSpc>
           <a:spcPct val="90000"/>
         </a:lnSpc>
         <a:spcBef>
-          <a:spcPts val="350"/>
+          <a:spcPts val="263"/>
         </a:spcBef>
         <a:buFont typeface="Arial" panose="020B0604020202020204" pitchFamily="34" charset="0"/>
         <a:buChar char="•"/>
-        <a:defRPr sz="1262" kern="1200">
+        <a:defRPr sz="1051" kern="1200">
+          <a:solidFill>
+            <a:schemeClr val="tx1"/>
+          </a:solidFill>
+          <a:latin typeface="+mn-lt"/>
+          <a:ea typeface="+mn-ea"/>
+          <a:cs typeface="+mn-cs"/>
+        </a:defRPr>
+      </a:lvl3pPr>
+      <a:lvl4pPr marL="841225" indent="-120175" algn="l" defTabSz="480700" rtl="0" eaLnBrk="1" latinLnBrk="0" hangingPunct="1">
+        <a:lnSpc>
+          <a:spcPct val="90000"/>
+        </a:lnSpc>
+        <a:spcBef>
+          <a:spcPts val="263"/>
+        </a:spcBef>
+        <a:buFont typeface="Arial" panose="020B0604020202020204" pitchFamily="34" charset="0"/>
+        <a:buChar char="•"/>
+        <a:defRPr sz="946" kern="1200">
+          <a:solidFill>
+            <a:schemeClr val="tx1"/>
+          </a:solidFill>
+          <a:latin typeface="+mn-lt"/>
+          <a:ea typeface="+mn-ea"/>
+          <a:cs typeface="+mn-cs"/>
+        </a:defRPr>
+      </a:lvl4pPr>
+      <a:lvl5pPr marL="1081575" indent="-120175" algn="l" defTabSz="480700" rtl="0" eaLnBrk="1" latinLnBrk="0" hangingPunct="1">
+        <a:lnSpc>
+          <a:spcPct val="90000"/>
+        </a:lnSpc>
+        <a:spcBef>
+          <a:spcPts val="263"/>
+        </a:spcBef>
+        <a:buFont typeface="Arial" panose="020B0604020202020204" pitchFamily="34" charset="0"/>
+        <a:buChar char="•"/>
+        <a:defRPr sz="946" kern="1200">
           <a:solidFill>
             <a:schemeClr val="tx1"/>
           </a:solidFill>
@@ -2782,16 +2784,16 @@
           <a:cs typeface="+mn-cs"/>
         </a:defRPr>
       </a:lvl5pPr>
-      <a:lvl6pPr marL="1762483" indent="-160226" algn="l" defTabSz="640903" rtl="0" eaLnBrk="1" latinLnBrk="0" hangingPunct="1">
+      <a:lvl6pPr marL="1321925" indent="-120175" algn="l" defTabSz="480700" rtl="0" eaLnBrk="1" latinLnBrk="0" hangingPunct="1">
         <a:lnSpc>
           <a:spcPct val="90000"/>
         </a:lnSpc>
         <a:spcBef>
-          <a:spcPts val="350"/>
+          <a:spcPts val="263"/>
         </a:spcBef>
         <a:buFont typeface="Arial" panose="020B0604020202020204" pitchFamily="34" charset="0"/>
         <a:buChar char="•"/>
-        <a:defRPr sz="1262" kern="1200">
+        <a:defRPr sz="946" kern="1200">
           <a:solidFill>
             <a:schemeClr val="tx1"/>
           </a:solidFill>
@@ -2800,16 +2802,16 @@
           <a:cs typeface="+mn-cs"/>
         </a:defRPr>
       </a:lvl6pPr>
-      <a:lvl7pPr marL="2082935" indent="-160226" algn="l" defTabSz="640903" rtl="0" eaLnBrk="1" latinLnBrk="0" hangingPunct="1">
+      <a:lvl7pPr marL="1562275" indent="-120175" algn="l" defTabSz="480700" rtl="0" eaLnBrk="1" latinLnBrk="0" hangingPunct="1">
         <a:lnSpc>
           <a:spcPct val="90000"/>
         </a:lnSpc>
         <a:spcBef>
-          <a:spcPts val="350"/>
+          <a:spcPts val="263"/>
         </a:spcBef>
         <a:buFont typeface="Arial" panose="020B0604020202020204" pitchFamily="34" charset="0"/>
         <a:buChar char="•"/>
-        <a:defRPr sz="1262" kern="1200">
+        <a:defRPr sz="946" kern="1200">
           <a:solidFill>
             <a:schemeClr val="tx1"/>
           </a:solidFill>
@@ -2818,16 +2820,16 @@
           <a:cs typeface="+mn-cs"/>
         </a:defRPr>
       </a:lvl7pPr>
-      <a:lvl8pPr marL="2403386" indent="-160226" algn="l" defTabSz="640903" rtl="0" eaLnBrk="1" latinLnBrk="0" hangingPunct="1">
+      <a:lvl8pPr marL="1802625" indent="-120175" algn="l" defTabSz="480700" rtl="0" eaLnBrk="1" latinLnBrk="0" hangingPunct="1">
         <a:lnSpc>
           <a:spcPct val="90000"/>
         </a:lnSpc>
         <a:spcBef>
-          <a:spcPts val="350"/>
+          <a:spcPts val="263"/>
         </a:spcBef>
         <a:buFont typeface="Arial" panose="020B0604020202020204" pitchFamily="34" charset="0"/>
         <a:buChar char="•"/>
-        <a:defRPr sz="1262" kern="1200">
+        <a:defRPr sz="946" kern="1200">
           <a:solidFill>
             <a:schemeClr val="tx1"/>
           </a:solidFill>
@@ -2836,16 +2838,16 @@
           <a:cs typeface="+mn-cs"/>
         </a:defRPr>
       </a:lvl8pPr>
-      <a:lvl9pPr marL="2723838" indent="-160226" algn="l" defTabSz="640903" rtl="0" eaLnBrk="1" latinLnBrk="0" hangingPunct="1">
+      <a:lvl9pPr marL="2042975" indent="-120175" algn="l" defTabSz="480700" rtl="0" eaLnBrk="1" latinLnBrk="0" hangingPunct="1">
         <a:lnSpc>
           <a:spcPct val="90000"/>
         </a:lnSpc>
         <a:spcBef>
-          <a:spcPts val="350"/>
+          <a:spcPts val="263"/>
         </a:spcBef>
         <a:buFont typeface="Arial" panose="020B0604020202020204" pitchFamily="34" charset="0"/>
         <a:buChar char="•"/>
-        <a:defRPr sz="1262" kern="1200">
+        <a:defRPr sz="946" kern="1200">
           <a:solidFill>
             <a:schemeClr val="tx1"/>
           </a:solidFill>
@@ -2859,8 +2861,8 @@
       <a:defPPr>
         <a:defRPr lang="en-US"/>
       </a:defPPr>
-      <a:lvl1pPr marL="0" algn="l" defTabSz="640903" rtl="0" eaLnBrk="1" latinLnBrk="0" hangingPunct="1">
-        <a:defRPr sz="1262" kern="1200">
+      <a:lvl1pPr marL="0" algn="l" defTabSz="480700" rtl="0" eaLnBrk="1" latinLnBrk="0" hangingPunct="1">
+        <a:defRPr sz="946" kern="1200">
           <a:solidFill>
             <a:schemeClr val="tx1"/>
           </a:solidFill>
@@ -2869,8 +2871,8 @@
           <a:cs typeface="+mn-cs"/>
         </a:defRPr>
       </a:lvl1pPr>
-      <a:lvl2pPr marL="320451" algn="l" defTabSz="640903" rtl="0" eaLnBrk="1" latinLnBrk="0" hangingPunct="1">
-        <a:defRPr sz="1262" kern="1200">
+      <a:lvl2pPr marL="240350" algn="l" defTabSz="480700" rtl="0" eaLnBrk="1" latinLnBrk="0" hangingPunct="1">
+        <a:defRPr sz="946" kern="1200">
           <a:solidFill>
             <a:schemeClr val="tx1"/>
           </a:solidFill>
@@ -2879,8 +2881,8 @@
           <a:cs typeface="+mn-cs"/>
         </a:defRPr>
       </a:lvl2pPr>
-      <a:lvl3pPr marL="640903" algn="l" defTabSz="640903" rtl="0" eaLnBrk="1" latinLnBrk="0" hangingPunct="1">
-        <a:defRPr sz="1262" kern="1200">
+      <a:lvl3pPr marL="480700" algn="l" defTabSz="480700" rtl="0" eaLnBrk="1" latinLnBrk="0" hangingPunct="1">
+        <a:defRPr sz="946" kern="1200">
           <a:solidFill>
             <a:schemeClr val="tx1"/>
           </a:solidFill>
@@ -2889,8 +2891,8 @@
           <a:cs typeface="+mn-cs"/>
         </a:defRPr>
       </a:lvl3pPr>
-      <a:lvl4pPr marL="961354" algn="l" defTabSz="640903" rtl="0" eaLnBrk="1" latinLnBrk="0" hangingPunct="1">
-        <a:defRPr sz="1262" kern="1200">
+      <a:lvl4pPr marL="721050" algn="l" defTabSz="480700" rtl="0" eaLnBrk="1" latinLnBrk="0" hangingPunct="1">
+        <a:defRPr sz="946" kern="1200">
           <a:solidFill>
             <a:schemeClr val="tx1"/>
           </a:solidFill>
@@ -2899,8 +2901,8 @@
           <a:cs typeface="+mn-cs"/>
         </a:defRPr>
       </a:lvl4pPr>
-      <a:lvl5pPr marL="1281806" algn="l" defTabSz="640903" rtl="0" eaLnBrk="1" latinLnBrk="0" hangingPunct="1">
-        <a:defRPr sz="1262" kern="1200">
+      <a:lvl5pPr marL="961400" algn="l" defTabSz="480700" rtl="0" eaLnBrk="1" latinLnBrk="0" hangingPunct="1">
+        <a:defRPr sz="946" kern="1200">
           <a:solidFill>
             <a:schemeClr val="tx1"/>
           </a:solidFill>
@@ -2909,8 +2911,8 @@
           <a:cs typeface="+mn-cs"/>
         </a:defRPr>
       </a:lvl5pPr>
-      <a:lvl6pPr marL="1602257" algn="l" defTabSz="640903" rtl="0" eaLnBrk="1" latinLnBrk="0" hangingPunct="1">
-        <a:defRPr sz="1262" kern="1200">
+      <a:lvl6pPr marL="1201750" algn="l" defTabSz="480700" rtl="0" eaLnBrk="1" latinLnBrk="0" hangingPunct="1">
+        <a:defRPr sz="946" kern="1200">
           <a:solidFill>
             <a:schemeClr val="tx1"/>
           </a:solidFill>
@@ -2919,8 +2921,8 @@
           <a:cs typeface="+mn-cs"/>
         </a:defRPr>
       </a:lvl6pPr>
-      <a:lvl7pPr marL="1922709" algn="l" defTabSz="640903" rtl="0" eaLnBrk="1" latinLnBrk="0" hangingPunct="1">
-        <a:defRPr sz="1262" kern="1200">
+      <a:lvl7pPr marL="1442100" algn="l" defTabSz="480700" rtl="0" eaLnBrk="1" latinLnBrk="0" hangingPunct="1">
+        <a:defRPr sz="946" kern="1200">
           <a:solidFill>
             <a:schemeClr val="tx1"/>
           </a:solidFill>
@@ -2929,8 +2931,8 @@
           <a:cs typeface="+mn-cs"/>
         </a:defRPr>
       </a:lvl7pPr>
-      <a:lvl8pPr marL="2243160" algn="l" defTabSz="640903" rtl="0" eaLnBrk="1" latinLnBrk="0" hangingPunct="1">
-        <a:defRPr sz="1262" kern="1200">
+      <a:lvl8pPr marL="1682450" algn="l" defTabSz="480700" rtl="0" eaLnBrk="1" latinLnBrk="0" hangingPunct="1">
+        <a:defRPr sz="946" kern="1200">
           <a:solidFill>
             <a:schemeClr val="tx1"/>
           </a:solidFill>
@@ -2939,8 +2941,8 @@
           <a:cs typeface="+mn-cs"/>
         </a:defRPr>
       </a:lvl8pPr>
-      <a:lvl9pPr marL="2563612" algn="l" defTabSz="640903" rtl="0" eaLnBrk="1" latinLnBrk="0" hangingPunct="1">
-        <a:defRPr sz="1262" kern="1200">
+      <a:lvl9pPr marL="1922800" algn="l" defTabSz="480700" rtl="0" eaLnBrk="1" latinLnBrk="0" hangingPunct="1">
+        <a:defRPr sz="946" kern="1200">
           <a:solidFill>
             <a:schemeClr val="tx1"/>
           </a:solidFill>
@@ -2980,9 +2982,9 @@
         <p:grpSpPr>
           <a:xfrm rot="0">
             <a:off x="0" y="0"/>
-            <a:ext cx="6408738" cy="8999538"/>
+            <a:ext cx="6408738" cy="4103688"/>
             <a:chOff x="0" y="0"/>
-            <a:chExt cx="6408738" cy="8999538"/>
+            <a:chExt cx="6408738" cy="4103688"/>
           </a:xfrm>
         </p:grpSpPr>
         <p:sp>
@@ -2994,7 +2996,7 @@
           <p:spPr>
             <a:xfrm>
               <a:off x="0" y="0"/>
-              <a:ext cx="6408738" cy="8999537"/>
+              <a:ext cx="6408738" cy="4103688"/>
             </a:xfrm>
             <a:prstGeom prst="rect">
               <a:avLst/>
@@ -3029,7 +3031,7 @@
           <p:spPr>
             <a:xfrm>
               <a:off x="0" y="0"/>
-              <a:ext cx="6408737" cy="8999537"/>
+              <a:ext cx="6408737" cy="4103687"/>
             </a:xfrm>
             <a:prstGeom prst="rect">
               <a:avLst/>
@@ -3064,7 +3066,7 @@
           <p:spPr>
             <a:xfrm>
               <a:off x="1595485" y="323647"/>
-              <a:ext cx="4743663" cy="1094921"/>
+              <a:ext cx="4743663" cy="1484133"/>
             </a:xfrm>
             <a:prstGeom prst="rect">
               <a:avLst/>
@@ -3089,7 +3091,7 @@
           </p:nvSpPr>
           <p:spPr>
             <a:xfrm>
-              <a:off x="1595485" y="1292231"/>
+              <a:off x="1595485" y="1636535"/>
               <a:ext cx="4743663" cy="0"/>
             </a:xfrm>
             <a:custGeom>
@@ -3132,7 +3134,7 @@
           </p:nvSpPr>
           <p:spPr>
             <a:xfrm>
-              <a:off x="1595485" y="1081670"/>
+              <a:off x="1595485" y="1351124"/>
               <a:ext cx="4743663" cy="0"/>
             </a:xfrm>
             <a:custGeom>
@@ -3175,7 +3177,7 @@
           </p:nvSpPr>
           <p:spPr>
             <a:xfrm>
-              <a:off x="1595485" y="871108"/>
+              <a:off x="1595485" y="1065714"/>
               <a:ext cx="4743663" cy="0"/>
             </a:xfrm>
             <a:custGeom>
@@ -3218,7 +3220,7 @@
           </p:nvSpPr>
           <p:spPr>
             <a:xfrm>
-              <a:off x="1595485" y="660546"/>
+              <a:off x="1595485" y="780304"/>
               <a:ext cx="4743663" cy="0"/>
             </a:xfrm>
             <a:custGeom>
@@ -3261,7 +3263,7 @@
           </p:nvSpPr>
           <p:spPr>
             <a:xfrm>
-              <a:off x="1595485" y="449984"/>
+              <a:off x="1595485" y="494893"/>
               <a:ext cx="4743663" cy="0"/>
             </a:xfrm>
             <a:custGeom>
@@ -3304,8 +3306,8 @@
           </p:nvSpPr>
           <p:spPr>
             <a:xfrm>
-              <a:off x="3809914" y="355232"/>
-              <a:ext cx="157403" cy="189505"/>
+              <a:off x="3957516" y="366459"/>
+              <a:ext cx="9800" cy="256869"/>
             </a:xfrm>
             <a:prstGeom prst="rect">
               <a:avLst/>
@@ -3330,8 +3332,8 @@
           </p:nvSpPr>
           <p:spPr>
             <a:xfrm>
-              <a:off x="3748462" y="565793"/>
-              <a:ext cx="218855" cy="189505"/>
+              <a:off x="3739935" y="651869"/>
+              <a:ext cx="227382" cy="256869"/>
             </a:xfrm>
             <a:prstGeom prst="rect">
               <a:avLst/>
@@ -3356,8 +3358,8 @@
           </p:nvSpPr>
           <p:spPr>
             <a:xfrm>
-              <a:off x="2957671" y="776355"/>
-              <a:ext cx="1009645" cy="189505"/>
+              <a:off x="3204802" y="937279"/>
+              <a:ext cx="762514" cy="256869"/>
             </a:xfrm>
             <a:prstGeom prst="rect">
               <a:avLst/>
@@ -3382,8 +3384,8 @@
           </p:nvSpPr>
           <p:spPr>
             <a:xfrm>
-              <a:off x="2495703" y="986917"/>
-              <a:ext cx="1471613" cy="189505"/>
+              <a:off x="1850310" y="1222690"/>
+              <a:ext cx="2117006" cy="256869"/>
             </a:xfrm>
             <a:prstGeom prst="rect">
               <a:avLst/>
@@ -3408,8 +3410,8 @@
           </p:nvSpPr>
           <p:spPr>
             <a:xfrm>
-              <a:off x="2956054" y="1197478"/>
-              <a:ext cx="1011262" cy="189505"/>
+              <a:off x="1969882" y="1508100"/>
+              <a:ext cx="1997434" cy="256869"/>
             </a:xfrm>
             <a:prstGeom prst="rect">
               <a:avLst/>
@@ -3435,14 +3437,14 @@
           <p:spPr>
             <a:xfrm>
               <a:off x="3967317" y="323647"/>
-              <a:ext cx="0" cy="1094921"/>
+              <a:ext cx="0" cy="1484133"/>
             </a:xfrm>
             <a:custGeom>
               <a:avLst/>
               <a:pathLst>
-                <a:path w="0" h="1094921">
+                <a:path w="0" h="1484133">
                   <a:moveTo>
-                    <a:pt x="0" y="1094921"/>
+                    <a:pt x="0" y="1484133"/>
                   </a:moveTo>
                   <a:lnTo>
                     <a:pt x="0" y="0"/>
@@ -3477,8 +3479,8 @@
           </p:nvSpPr>
           <p:spPr>
             <a:xfrm>
-              <a:off x="1595485" y="1742216"/>
-              <a:ext cx="4743663" cy="1094921"/>
+              <a:off x="1595485" y="2131429"/>
+              <a:ext cx="4743663" cy="1484133"/>
             </a:xfrm>
             <a:prstGeom prst="rect">
               <a:avLst/>
@@ -3503,7 +3505,7 @@
           </p:nvSpPr>
           <p:spPr>
             <a:xfrm>
-              <a:off x="1595485" y="2710800"/>
+              <a:off x="1595485" y="3444316"/>
               <a:ext cx="4743663" cy="0"/>
             </a:xfrm>
             <a:custGeom>
@@ -3546,7 +3548,7 @@
           </p:nvSpPr>
           <p:spPr>
             <a:xfrm>
-              <a:off x="1595485" y="2500238"/>
+              <a:off x="1595485" y="3158906"/>
               <a:ext cx="4743663" cy="0"/>
             </a:xfrm>
             <a:custGeom>
@@ -3589,7 +3591,7 @@
           </p:nvSpPr>
           <p:spPr>
             <a:xfrm>
-              <a:off x="1595485" y="2289677"/>
+              <a:off x="1595485" y="2873495"/>
               <a:ext cx="4743663" cy="0"/>
             </a:xfrm>
             <a:custGeom>
@@ -3632,7 +3634,7 @@
           </p:nvSpPr>
           <p:spPr>
             <a:xfrm>
-              <a:off x="1595485" y="2079115"/>
+              <a:off x="1595485" y="2588085"/>
               <a:ext cx="4743663" cy="0"/>
             </a:xfrm>
             <a:custGeom>
@@ -3675,7 +3677,7 @@
           </p:nvSpPr>
           <p:spPr>
             <a:xfrm>
-              <a:off x="1595485" y="1868553"/>
+              <a:off x="1595485" y="2302675"/>
               <a:ext cx="4743663" cy="0"/>
             </a:xfrm>
             <a:custGeom>
@@ -3718,8 +3720,8 @@
           </p:nvSpPr>
           <p:spPr>
             <a:xfrm>
-              <a:off x="3967317" y="1773800"/>
-              <a:ext cx="1257609" cy="189505"/>
+              <a:off x="3967317" y="2174240"/>
+              <a:ext cx="1350571" cy="256869"/>
             </a:xfrm>
             <a:prstGeom prst="rect">
               <a:avLst/>
@@ -3744,8 +3746,8 @@
           </p:nvSpPr>
           <p:spPr>
             <a:xfrm>
-              <a:off x="3967317" y="1984362"/>
-              <a:ext cx="665190" cy="189505"/>
+              <a:off x="3967317" y="2459650"/>
+              <a:ext cx="223461" cy="256869"/>
             </a:xfrm>
             <a:prstGeom prst="rect">
               <a:avLst/>
@@ -3770,8 +3772,8 @@
           </p:nvSpPr>
           <p:spPr>
             <a:xfrm>
-              <a:off x="3681403" y="2194924"/>
-              <a:ext cx="285913" cy="189505"/>
+              <a:off x="3743855" y="2745061"/>
+              <a:ext cx="223461" cy="256869"/>
             </a:xfrm>
             <a:prstGeom prst="rect">
               <a:avLst/>
@@ -3796,8 +3798,8 @@
           </p:nvSpPr>
           <p:spPr>
             <a:xfrm>
-              <a:off x="3765927" y="2405486"/>
-              <a:ext cx="201390" cy="189505"/>
+              <a:off x="3526274" y="3030471"/>
+              <a:ext cx="441043" cy="256869"/>
             </a:xfrm>
             <a:prstGeom prst="rect">
               <a:avLst/>
@@ -3822,8 +3824,8 @@
           </p:nvSpPr>
           <p:spPr>
             <a:xfrm>
-              <a:off x="3635261" y="2616047"/>
-              <a:ext cx="332056" cy="189505"/>
+              <a:off x="3500791" y="3315881"/>
+              <a:ext cx="466525" cy="256869"/>
             </a:xfrm>
             <a:prstGeom prst="rect">
               <a:avLst/>
@@ -3848,15 +3850,15 @@
           </p:nvSpPr>
           <p:spPr>
             <a:xfrm>
-              <a:off x="3967317" y="1742216"/>
-              <a:ext cx="0" cy="1094921"/>
+              <a:off x="3967317" y="2131429"/>
+              <a:ext cx="0" cy="1484133"/>
             </a:xfrm>
             <a:custGeom>
               <a:avLst/>
               <a:pathLst>
-                <a:path w="0" h="1094921">
+                <a:path w="0" h="1484133">
                   <a:moveTo>
-                    <a:pt x="0" y="1094921"/>
+                    <a:pt x="0" y="1484133"/>
                   </a:moveTo>
                   <a:lnTo>
                     <a:pt x="0" y="0"/>
@@ -3885,1514 +3887,14 @@
         </p:sp>
         <p:sp>
           <p:nvSpPr>
-            <p:cNvPr id="29" name="rc29"/>
-            <p:cNvSpPr/>
-            <p:nvPr/>
-          </p:nvSpPr>
-          <p:spPr>
-            <a:xfrm>
-              <a:off x="1595485" y="3160785"/>
-              <a:ext cx="4743663" cy="1094921"/>
-            </a:xfrm>
-            <a:prstGeom prst="rect">
-              <a:avLst/>
-            </a:prstGeom>
-            <a:solidFill>
-              <a:srgbClr val="FFFFFF">
-                <a:alpha val="100000"/>
-              </a:srgbClr>
-            </a:solidFill>
-          </p:spPr>
-          <p:txBody>
-            <a:bodyPr/>
-            <a:lstStyle/>
-            <a:p/>
-          </p:txBody>
-        </p:sp>
-        <p:sp>
-          <p:nvSpPr>
-            <p:cNvPr id="30" name="pl30"/>
-            <p:cNvSpPr/>
-            <p:nvPr/>
-          </p:nvSpPr>
-          <p:spPr>
-            <a:xfrm>
-              <a:off x="1595485" y="4129369"/>
-              <a:ext cx="4743663" cy="0"/>
-            </a:xfrm>
-            <a:custGeom>
-              <a:avLst/>
-              <a:pathLst>
-                <a:path w="4743663" h="0">
-                  <a:moveTo>
-                    <a:pt x="0" y="0"/>
-                  </a:moveTo>
-                  <a:lnTo>
-                    <a:pt x="4743663" y="0"/>
-                  </a:lnTo>
-                  <a:lnTo>
-                    <a:pt x="4743663" y="0"/>
-                  </a:lnTo>
-                </a:path>
-              </a:pathLst>
-            </a:custGeom>
-            <a:ln w="13550" cap="flat">
-              <a:solidFill>
-                <a:srgbClr val="BEBEBE">
-                  <a:alpha val="100000"/>
-                </a:srgbClr>
-              </a:solidFill>
-              <a:prstDash val="solid"/>
-              <a:round/>
-            </a:ln>
-          </p:spPr>
-          <p:txBody>
-            <a:bodyPr/>
-            <a:lstStyle/>
-            <a:p/>
-          </p:txBody>
-        </p:sp>
-        <p:sp>
-          <p:nvSpPr>
-            <p:cNvPr id="31" name="pl31"/>
-            <p:cNvSpPr/>
-            <p:nvPr/>
-          </p:nvSpPr>
-          <p:spPr>
-            <a:xfrm>
-              <a:off x="1595485" y="3918807"/>
-              <a:ext cx="4743663" cy="0"/>
-            </a:xfrm>
-            <a:custGeom>
-              <a:avLst/>
-              <a:pathLst>
-                <a:path w="4743663" h="0">
-                  <a:moveTo>
-                    <a:pt x="0" y="0"/>
-                  </a:moveTo>
-                  <a:lnTo>
-                    <a:pt x="4743663" y="0"/>
-                  </a:lnTo>
-                  <a:lnTo>
-                    <a:pt x="4743663" y="0"/>
-                  </a:lnTo>
-                </a:path>
-              </a:pathLst>
-            </a:custGeom>
-            <a:ln w="13550" cap="flat">
-              <a:solidFill>
-                <a:srgbClr val="BEBEBE">
-                  <a:alpha val="100000"/>
-                </a:srgbClr>
-              </a:solidFill>
-              <a:prstDash val="solid"/>
-              <a:round/>
-            </a:ln>
-          </p:spPr>
-          <p:txBody>
-            <a:bodyPr/>
-            <a:lstStyle/>
-            <a:p/>
-          </p:txBody>
-        </p:sp>
-        <p:sp>
-          <p:nvSpPr>
-            <p:cNvPr id="32" name="pl32"/>
-            <p:cNvSpPr/>
-            <p:nvPr/>
-          </p:nvSpPr>
-          <p:spPr>
-            <a:xfrm>
-              <a:off x="1595485" y="3708245"/>
-              <a:ext cx="4743663" cy="0"/>
-            </a:xfrm>
-            <a:custGeom>
-              <a:avLst/>
-              <a:pathLst>
-                <a:path w="4743663" h="0">
-                  <a:moveTo>
-                    <a:pt x="0" y="0"/>
-                  </a:moveTo>
-                  <a:lnTo>
-                    <a:pt x="4743663" y="0"/>
-                  </a:lnTo>
-                  <a:lnTo>
-                    <a:pt x="4743663" y="0"/>
-                  </a:lnTo>
-                </a:path>
-              </a:pathLst>
-            </a:custGeom>
-            <a:ln w="13550" cap="flat">
-              <a:solidFill>
-                <a:srgbClr val="BEBEBE">
-                  <a:alpha val="100000"/>
-                </a:srgbClr>
-              </a:solidFill>
-              <a:prstDash val="solid"/>
-              <a:round/>
-            </a:ln>
-          </p:spPr>
-          <p:txBody>
-            <a:bodyPr/>
-            <a:lstStyle/>
-            <a:p/>
-          </p:txBody>
-        </p:sp>
-        <p:sp>
-          <p:nvSpPr>
-            <p:cNvPr id="33" name="pl33"/>
-            <p:cNvSpPr/>
-            <p:nvPr/>
-          </p:nvSpPr>
-          <p:spPr>
-            <a:xfrm>
-              <a:off x="1595485" y="3497684"/>
-              <a:ext cx="4743663" cy="0"/>
-            </a:xfrm>
-            <a:custGeom>
-              <a:avLst/>
-              <a:pathLst>
-                <a:path w="4743663" h="0">
-                  <a:moveTo>
-                    <a:pt x="0" y="0"/>
-                  </a:moveTo>
-                  <a:lnTo>
-                    <a:pt x="4743663" y="0"/>
-                  </a:lnTo>
-                  <a:lnTo>
-                    <a:pt x="4743663" y="0"/>
-                  </a:lnTo>
-                </a:path>
-              </a:pathLst>
-            </a:custGeom>
-            <a:ln w="13550" cap="flat">
-              <a:solidFill>
-                <a:srgbClr val="BEBEBE">
-                  <a:alpha val="100000"/>
-                </a:srgbClr>
-              </a:solidFill>
-              <a:prstDash val="solid"/>
-              <a:round/>
-            </a:ln>
-          </p:spPr>
-          <p:txBody>
-            <a:bodyPr/>
-            <a:lstStyle/>
-            <a:p/>
-          </p:txBody>
-        </p:sp>
-        <p:sp>
-          <p:nvSpPr>
-            <p:cNvPr id="34" name="pl34"/>
-            <p:cNvSpPr/>
-            <p:nvPr/>
-          </p:nvSpPr>
-          <p:spPr>
-            <a:xfrm>
-              <a:off x="1595485" y="3287122"/>
-              <a:ext cx="4743663" cy="0"/>
-            </a:xfrm>
-            <a:custGeom>
-              <a:avLst/>
-              <a:pathLst>
-                <a:path w="4743663" h="0">
-                  <a:moveTo>
-                    <a:pt x="0" y="0"/>
-                  </a:moveTo>
-                  <a:lnTo>
-                    <a:pt x="4743663" y="0"/>
-                  </a:lnTo>
-                  <a:lnTo>
-                    <a:pt x="4743663" y="0"/>
-                  </a:lnTo>
-                </a:path>
-              </a:pathLst>
-            </a:custGeom>
-            <a:ln w="13550" cap="flat">
-              <a:solidFill>
-                <a:srgbClr val="BEBEBE">
-                  <a:alpha val="100000"/>
-                </a:srgbClr>
-              </a:solidFill>
-              <a:prstDash val="solid"/>
-              <a:round/>
-            </a:ln>
-          </p:spPr>
-          <p:txBody>
-            <a:bodyPr/>
-            <a:lstStyle/>
-            <a:p/>
-          </p:txBody>
-        </p:sp>
-        <p:sp>
-          <p:nvSpPr>
-            <p:cNvPr id="35" name="rc35"/>
-            <p:cNvSpPr/>
-            <p:nvPr/>
-          </p:nvSpPr>
-          <p:spPr>
-            <a:xfrm>
-              <a:off x="3950067" y="3192369"/>
-              <a:ext cx="17249" cy="189505"/>
-            </a:xfrm>
-            <a:prstGeom prst="rect">
-              <a:avLst/>
-            </a:prstGeom>
-            <a:solidFill>
-              <a:srgbClr val="984EA3">
-                <a:alpha val="100000"/>
-              </a:srgbClr>
-            </a:solidFill>
-          </p:spPr>
-          <p:txBody>
-            <a:bodyPr/>
-            <a:lstStyle/>
-            <a:p/>
-          </p:txBody>
-        </p:sp>
-        <p:sp>
-          <p:nvSpPr>
-            <p:cNvPr id="36" name="rc36"/>
-            <p:cNvSpPr/>
-            <p:nvPr/>
-          </p:nvSpPr>
-          <p:spPr>
-            <a:xfrm>
-              <a:off x="3635261" y="3402931"/>
-              <a:ext cx="332056" cy="189505"/>
-            </a:xfrm>
-            <a:prstGeom prst="rect">
-              <a:avLst/>
-            </a:prstGeom>
-            <a:solidFill>
-              <a:srgbClr val="984EA3">
-                <a:alpha val="100000"/>
-              </a:srgbClr>
-            </a:solidFill>
-          </p:spPr>
-          <p:txBody>
-            <a:bodyPr/>
-            <a:lstStyle/>
-            <a:p/>
-          </p:txBody>
-        </p:sp>
-        <p:sp>
-          <p:nvSpPr>
-            <p:cNvPr id="37" name="rc37"/>
-            <p:cNvSpPr/>
-            <p:nvPr/>
-          </p:nvSpPr>
-          <p:spPr>
-            <a:xfrm>
-              <a:off x="3378671" y="3613493"/>
-              <a:ext cx="588645" cy="189505"/>
-            </a:xfrm>
-            <a:prstGeom prst="rect">
-              <a:avLst/>
-            </a:prstGeom>
-            <a:solidFill>
-              <a:srgbClr val="984EA3">
-                <a:alpha val="100000"/>
-              </a:srgbClr>
-            </a:solidFill>
-          </p:spPr>
-          <p:txBody>
-            <a:bodyPr/>
-            <a:lstStyle/>
-            <a:p/>
-          </p:txBody>
-        </p:sp>
-        <p:sp>
-          <p:nvSpPr>
-            <p:cNvPr id="38" name="rc38"/>
-            <p:cNvSpPr/>
-            <p:nvPr/>
-          </p:nvSpPr>
-          <p:spPr>
-            <a:xfrm>
-              <a:off x="2201381" y="3824054"/>
-              <a:ext cx="1765936" cy="189505"/>
-            </a:xfrm>
-            <a:prstGeom prst="rect">
-              <a:avLst/>
-            </a:prstGeom>
-            <a:solidFill>
-              <a:srgbClr val="984EA3">
-                <a:alpha val="100000"/>
-              </a:srgbClr>
-            </a:solidFill>
-          </p:spPr>
-          <p:txBody>
-            <a:bodyPr/>
-            <a:lstStyle/>
-            <a:p/>
-          </p:txBody>
-        </p:sp>
-        <p:sp>
-          <p:nvSpPr>
-            <p:cNvPr id="39" name="rc39"/>
-            <p:cNvSpPr/>
-            <p:nvPr/>
-          </p:nvSpPr>
-          <p:spPr>
-            <a:xfrm>
-              <a:off x="2203537" y="4034616"/>
-              <a:ext cx="1763780" cy="189505"/>
-            </a:xfrm>
-            <a:prstGeom prst="rect">
-              <a:avLst/>
-            </a:prstGeom>
-            <a:solidFill>
-              <a:srgbClr val="984EA3">
-                <a:alpha val="100000"/>
-              </a:srgbClr>
-            </a:solidFill>
-          </p:spPr>
-          <p:txBody>
-            <a:bodyPr/>
-            <a:lstStyle/>
-            <a:p/>
-          </p:txBody>
-        </p:sp>
-        <p:sp>
-          <p:nvSpPr>
-            <p:cNvPr id="40" name="pl40"/>
-            <p:cNvSpPr/>
-            <p:nvPr/>
-          </p:nvSpPr>
-          <p:spPr>
-            <a:xfrm>
-              <a:off x="3967317" y="3160785"/>
-              <a:ext cx="0" cy="1094921"/>
-            </a:xfrm>
-            <a:custGeom>
-              <a:avLst/>
-              <a:pathLst>
-                <a:path w="0" h="1094921">
-                  <a:moveTo>
-                    <a:pt x="0" y="1094921"/>
-                  </a:moveTo>
-                  <a:lnTo>
-                    <a:pt x="0" y="0"/>
-                  </a:lnTo>
-                  <a:lnTo>
-                    <a:pt x="0" y="0"/>
-                  </a:lnTo>
-                </a:path>
-              </a:pathLst>
-            </a:custGeom>
-            <a:ln w="13550" cap="flat">
-              <a:solidFill>
-                <a:srgbClr val="000000">
-                  <a:alpha val="100000"/>
-                </a:srgbClr>
-              </a:solidFill>
-              <a:prstDash val="solid"/>
-              <a:round/>
-            </a:ln>
-          </p:spPr>
-          <p:txBody>
-            <a:bodyPr/>
-            <a:lstStyle/>
-            <a:p/>
-          </p:txBody>
-        </p:sp>
-        <p:sp>
-          <p:nvSpPr>
-            <p:cNvPr id="41" name="rc41"/>
-            <p:cNvSpPr/>
-            <p:nvPr/>
-          </p:nvSpPr>
-          <p:spPr>
-            <a:xfrm>
-              <a:off x="1595485" y="4579354"/>
-              <a:ext cx="4743663" cy="1094921"/>
-            </a:xfrm>
-            <a:prstGeom prst="rect">
-              <a:avLst/>
-            </a:prstGeom>
-            <a:solidFill>
-              <a:srgbClr val="FFFFFF">
-                <a:alpha val="100000"/>
-              </a:srgbClr>
-            </a:solidFill>
-          </p:spPr>
-          <p:txBody>
-            <a:bodyPr/>
-            <a:lstStyle/>
-            <a:p/>
-          </p:txBody>
-        </p:sp>
-        <p:sp>
-          <p:nvSpPr>
-            <p:cNvPr id="42" name="pl42"/>
-            <p:cNvSpPr/>
-            <p:nvPr/>
-          </p:nvSpPr>
-          <p:spPr>
-            <a:xfrm>
-              <a:off x="1595485" y="5547938"/>
-              <a:ext cx="4743663" cy="0"/>
-            </a:xfrm>
-            <a:custGeom>
-              <a:avLst/>
-              <a:pathLst>
-                <a:path w="4743663" h="0">
-                  <a:moveTo>
-                    <a:pt x="0" y="0"/>
-                  </a:moveTo>
-                  <a:lnTo>
-                    <a:pt x="4743663" y="0"/>
-                  </a:lnTo>
-                  <a:lnTo>
-                    <a:pt x="4743663" y="0"/>
-                  </a:lnTo>
-                </a:path>
-              </a:pathLst>
-            </a:custGeom>
-            <a:ln w="13550" cap="flat">
-              <a:solidFill>
-                <a:srgbClr val="BEBEBE">
-                  <a:alpha val="100000"/>
-                </a:srgbClr>
-              </a:solidFill>
-              <a:prstDash val="solid"/>
-              <a:round/>
-            </a:ln>
-          </p:spPr>
-          <p:txBody>
-            <a:bodyPr/>
-            <a:lstStyle/>
-            <a:p/>
-          </p:txBody>
-        </p:sp>
-        <p:sp>
-          <p:nvSpPr>
-            <p:cNvPr id="43" name="pl43"/>
-            <p:cNvSpPr/>
-            <p:nvPr/>
-          </p:nvSpPr>
-          <p:spPr>
-            <a:xfrm>
-              <a:off x="1595485" y="5337376"/>
-              <a:ext cx="4743663" cy="0"/>
-            </a:xfrm>
-            <a:custGeom>
-              <a:avLst/>
-              <a:pathLst>
-                <a:path w="4743663" h="0">
-                  <a:moveTo>
-                    <a:pt x="0" y="0"/>
-                  </a:moveTo>
-                  <a:lnTo>
-                    <a:pt x="4743663" y="0"/>
-                  </a:lnTo>
-                  <a:lnTo>
-                    <a:pt x="4743663" y="0"/>
-                  </a:lnTo>
-                </a:path>
-              </a:pathLst>
-            </a:custGeom>
-            <a:ln w="13550" cap="flat">
-              <a:solidFill>
-                <a:srgbClr val="BEBEBE">
-                  <a:alpha val="100000"/>
-                </a:srgbClr>
-              </a:solidFill>
-              <a:prstDash val="solid"/>
-              <a:round/>
-            </a:ln>
-          </p:spPr>
-          <p:txBody>
-            <a:bodyPr/>
-            <a:lstStyle/>
-            <a:p/>
-          </p:txBody>
-        </p:sp>
-        <p:sp>
-          <p:nvSpPr>
-            <p:cNvPr id="44" name="pl44"/>
-            <p:cNvSpPr/>
-            <p:nvPr/>
-          </p:nvSpPr>
-          <p:spPr>
-            <a:xfrm>
-              <a:off x="1595485" y="5126814"/>
-              <a:ext cx="4743663" cy="0"/>
-            </a:xfrm>
-            <a:custGeom>
-              <a:avLst/>
-              <a:pathLst>
-                <a:path w="4743663" h="0">
-                  <a:moveTo>
-                    <a:pt x="0" y="0"/>
-                  </a:moveTo>
-                  <a:lnTo>
-                    <a:pt x="4743663" y="0"/>
-                  </a:lnTo>
-                  <a:lnTo>
-                    <a:pt x="4743663" y="0"/>
-                  </a:lnTo>
-                </a:path>
-              </a:pathLst>
-            </a:custGeom>
-            <a:ln w="13550" cap="flat">
-              <a:solidFill>
-                <a:srgbClr val="BEBEBE">
-                  <a:alpha val="100000"/>
-                </a:srgbClr>
-              </a:solidFill>
-              <a:prstDash val="solid"/>
-              <a:round/>
-            </a:ln>
-          </p:spPr>
-          <p:txBody>
-            <a:bodyPr/>
-            <a:lstStyle/>
-            <a:p/>
-          </p:txBody>
-        </p:sp>
-        <p:sp>
-          <p:nvSpPr>
-            <p:cNvPr id="45" name="pl45"/>
-            <p:cNvSpPr/>
-            <p:nvPr/>
-          </p:nvSpPr>
-          <p:spPr>
-            <a:xfrm>
-              <a:off x="1595485" y="4916252"/>
-              <a:ext cx="4743663" cy="0"/>
-            </a:xfrm>
-            <a:custGeom>
-              <a:avLst/>
-              <a:pathLst>
-                <a:path w="4743663" h="0">
-                  <a:moveTo>
-                    <a:pt x="0" y="0"/>
-                  </a:moveTo>
-                  <a:lnTo>
-                    <a:pt x="4743663" y="0"/>
-                  </a:lnTo>
-                  <a:lnTo>
-                    <a:pt x="4743663" y="0"/>
-                  </a:lnTo>
-                </a:path>
-              </a:pathLst>
-            </a:custGeom>
-            <a:ln w="13550" cap="flat">
-              <a:solidFill>
-                <a:srgbClr val="BEBEBE">
-                  <a:alpha val="100000"/>
-                </a:srgbClr>
-              </a:solidFill>
-              <a:prstDash val="solid"/>
-              <a:round/>
-            </a:ln>
-          </p:spPr>
-          <p:txBody>
-            <a:bodyPr/>
-            <a:lstStyle/>
-            <a:p/>
-          </p:txBody>
-        </p:sp>
-        <p:sp>
-          <p:nvSpPr>
-            <p:cNvPr id="46" name="pl46"/>
-            <p:cNvSpPr/>
-            <p:nvPr/>
-          </p:nvSpPr>
-          <p:spPr>
-            <a:xfrm>
-              <a:off x="1595485" y="4705691"/>
-              <a:ext cx="4743663" cy="0"/>
-            </a:xfrm>
-            <a:custGeom>
-              <a:avLst/>
-              <a:pathLst>
-                <a:path w="4743663" h="0">
-                  <a:moveTo>
-                    <a:pt x="0" y="0"/>
-                  </a:moveTo>
-                  <a:lnTo>
-                    <a:pt x="4743663" y="0"/>
-                  </a:lnTo>
-                  <a:lnTo>
-                    <a:pt x="4743663" y="0"/>
-                  </a:lnTo>
-                </a:path>
-              </a:pathLst>
-            </a:custGeom>
-            <a:ln w="13550" cap="flat">
-              <a:solidFill>
-                <a:srgbClr val="BEBEBE">
-                  <a:alpha val="100000"/>
-                </a:srgbClr>
-              </a:solidFill>
-              <a:prstDash val="solid"/>
-              <a:round/>
-            </a:ln>
-          </p:spPr>
-          <p:txBody>
-            <a:bodyPr/>
-            <a:lstStyle/>
-            <a:p/>
-          </p:txBody>
-        </p:sp>
-        <p:sp>
-          <p:nvSpPr>
-            <p:cNvPr id="47" name="rc47"/>
-            <p:cNvSpPr/>
-            <p:nvPr/>
-          </p:nvSpPr>
-          <p:spPr>
-            <a:xfrm>
-              <a:off x="3967317" y="4610938"/>
-              <a:ext cx="539052" cy="189505"/>
-            </a:xfrm>
-            <a:prstGeom prst="rect">
-              <a:avLst/>
-            </a:prstGeom>
-            <a:solidFill>
-              <a:srgbClr val="A65628">
-                <a:alpha val="100000"/>
-              </a:srgbClr>
-            </a:solidFill>
-          </p:spPr>
-          <p:txBody>
-            <a:bodyPr/>
-            <a:lstStyle/>
-            <a:p/>
-          </p:txBody>
-        </p:sp>
-        <p:sp>
-          <p:nvSpPr>
-            <p:cNvPr id="48" name="rc48"/>
-            <p:cNvSpPr/>
-            <p:nvPr/>
-          </p:nvSpPr>
-          <p:spPr>
-            <a:xfrm>
-              <a:off x="3967317" y="4821500"/>
-              <a:ext cx="0" cy="189505"/>
-            </a:xfrm>
-            <a:prstGeom prst="rect">
-              <a:avLst/>
-            </a:prstGeom>
-            <a:solidFill>
-              <a:srgbClr val="984EA3">
-                <a:alpha val="100000"/>
-              </a:srgbClr>
-            </a:solidFill>
-          </p:spPr>
-          <p:txBody>
-            <a:bodyPr/>
-            <a:lstStyle/>
-            <a:p/>
-          </p:txBody>
-        </p:sp>
-        <p:sp>
-          <p:nvSpPr>
-            <p:cNvPr id="49" name="rc49"/>
-            <p:cNvSpPr/>
-            <p:nvPr/>
-          </p:nvSpPr>
-          <p:spPr>
-            <a:xfrm>
-              <a:off x="3967317" y="5032061"/>
-              <a:ext cx="0" cy="189505"/>
-            </a:xfrm>
-            <a:prstGeom prst="rect">
-              <a:avLst/>
-            </a:prstGeom>
-            <a:solidFill>
-              <a:srgbClr val="984EA3">
-                <a:alpha val="100000"/>
-              </a:srgbClr>
-            </a:solidFill>
-          </p:spPr>
-          <p:txBody>
-            <a:bodyPr/>
-            <a:lstStyle/>
-            <a:p/>
-          </p:txBody>
-        </p:sp>
-        <p:sp>
-          <p:nvSpPr>
-            <p:cNvPr id="50" name="rc50"/>
-            <p:cNvSpPr/>
-            <p:nvPr/>
-          </p:nvSpPr>
-          <p:spPr>
-            <a:xfrm>
-              <a:off x="3589980" y="5242623"/>
-              <a:ext cx="377336" cy="189505"/>
-            </a:xfrm>
-            <a:prstGeom prst="rect">
-              <a:avLst/>
-            </a:prstGeom>
-            <a:solidFill>
-              <a:srgbClr val="984EA3">
-                <a:alpha val="100000"/>
-              </a:srgbClr>
-            </a:solidFill>
-          </p:spPr>
-          <p:txBody>
-            <a:bodyPr/>
-            <a:lstStyle/>
-            <a:p/>
-          </p:txBody>
-        </p:sp>
-        <p:sp>
-          <p:nvSpPr>
-            <p:cNvPr id="51" name="rc51"/>
-            <p:cNvSpPr/>
-            <p:nvPr/>
-          </p:nvSpPr>
-          <p:spPr>
-            <a:xfrm>
-              <a:off x="3225581" y="5453185"/>
-              <a:ext cx="741736" cy="189505"/>
-            </a:xfrm>
-            <a:prstGeom prst="rect">
-              <a:avLst/>
-            </a:prstGeom>
-            <a:solidFill>
-              <a:srgbClr val="984EA3">
-                <a:alpha val="100000"/>
-              </a:srgbClr>
-            </a:solidFill>
-          </p:spPr>
-          <p:txBody>
-            <a:bodyPr/>
-            <a:lstStyle/>
-            <a:p/>
-          </p:txBody>
-        </p:sp>
-        <p:sp>
-          <p:nvSpPr>
-            <p:cNvPr id="52" name="pl52"/>
-            <p:cNvSpPr/>
-            <p:nvPr/>
-          </p:nvSpPr>
-          <p:spPr>
-            <a:xfrm>
-              <a:off x="3967317" y="4579354"/>
-              <a:ext cx="0" cy="1094921"/>
-            </a:xfrm>
-            <a:custGeom>
-              <a:avLst/>
-              <a:pathLst>
-                <a:path w="0" h="1094921">
-                  <a:moveTo>
-                    <a:pt x="0" y="1094921"/>
-                  </a:moveTo>
-                  <a:lnTo>
-                    <a:pt x="0" y="0"/>
-                  </a:lnTo>
-                  <a:lnTo>
-                    <a:pt x="0" y="0"/>
-                  </a:lnTo>
-                </a:path>
-              </a:pathLst>
-            </a:custGeom>
-            <a:ln w="13550" cap="flat">
-              <a:solidFill>
-                <a:srgbClr val="000000">
-                  <a:alpha val="100000"/>
-                </a:srgbClr>
-              </a:solidFill>
-              <a:prstDash val="solid"/>
-              <a:round/>
-            </a:ln>
-          </p:spPr>
-          <p:txBody>
-            <a:bodyPr/>
-            <a:lstStyle/>
-            <a:p/>
-          </p:txBody>
-        </p:sp>
-        <p:sp>
-          <p:nvSpPr>
-            <p:cNvPr id="53" name="rc53"/>
-            <p:cNvSpPr/>
-            <p:nvPr/>
-          </p:nvSpPr>
-          <p:spPr>
-            <a:xfrm>
-              <a:off x="1595485" y="5997922"/>
-              <a:ext cx="4743663" cy="1094921"/>
-            </a:xfrm>
-            <a:prstGeom prst="rect">
-              <a:avLst/>
-            </a:prstGeom>
-            <a:solidFill>
-              <a:srgbClr val="FFFFFF">
-                <a:alpha val="100000"/>
-              </a:srgbClr>
-            </a:solidFill>
-          </p:spPr>
-          <p:txBody>
-            <a:bodyPr/>
-            <a:lstStyle/>
-            <a:p/>
-          </p:txBody>
-        </p:sp>
-        <p:sp>
-          <p:nvSpPr>
-            <p:cNvPr id="54" name="pl54"/>
-            <p:cNvSpPr/>
-            <p:nvPr/>
-          </p:nvSpPr>
-          <p:spPr>
-            <a:xfrm>
-              <a:off x="1595485" y="6966506"/>
-              <a:ext cx="4743663" cy="0"/>
-            </a:xfrm>
-            <a:custGeom>
-              <a:avLst/>
-              <a:pathLst>
-                <a:path w="4743663" h="0">
-                  <a:moveTo>
-                    <a:pt x="0" y="0"/>
-                  </a:moveTo>
-                  <a:lnTo>
-                    <a:pt x="4743663" y="0"/>
-                  </a:lnTo>
-                  <a:lnTo>
-                    <a:pt x="4743663" y="0"/>
-                  </a:lnTo>
-                </a:path>
-              </a:pathLst>
-            </a:custGeom>
-            <a:ln w="13550" cap="flat">
-              <a:solidFill>
-                <a:srgbClr val="BEBEBE">
-                  <a:alpha val="100000"/>
-                </a:srgbClr>
-              </a:solidFill>
-              <a:prstDash val="solid"/>
-              <a:round/>
-            </a:ln>
-          </p:spPr>
-          <p:txBody>
-            <a:bodyPr/>
-            <a:lstStyle/>
-            <a:p/>
-          </p:txBody>
-        </p:sp>
-        <p:sp>
-          <p:nvSpPr>
-            <p:cNvPr id="55" name="pl55"/>
-            <p:cNvSpPr/>
-            <p:nvPr/>
-          </p:nvSpPr>
-          <p:spPr>
-            <a:xfrm>
-              <a:off x="1595485" y="6755945"/>
-              <a:ext cx="4743663" cy="0"/>
-            </a:xfrm>
-            <a:custGeom>
-              <a:avLst/>
-              <a:pathLst>
-                <a:path w="4743663" h="0">
-                  <a:moveTo>
-                    <a:pt x="0" y="0"/>
-                  </a:moveTo>
-                  <a:lnTo>
-                    <a:pt x="4743663" y="0"/>
-                  </a:lnTo>
-                  <a:lnTo>
-                    <a:pt x="4743663" y="0"/>
-                  </a:lnTo>
-                </a:path>
-              </a:pathLst>
-            </a:custGeom>
-            <a:ln w="13550" cap="flat">
-              <a:solidFill>
-                <a:srgbClr val="BEBEBE">
-                  <a:alpha val="100000"/>
-                </a:srgbClr>
-              </a:solidFill>
-              <a:prstDash val="solid"/>
-              <a:round/>
-            </a:ln>
-          </p:spPr>
-          <p:txBody>
-            <a:bodyPr/>
-            <a:lstStyle/>
-            <a:p/>
-          </p:txBody>
-        </p:sp>
-        <p:sp>
-          <p:nvSpPr>
-            <p:cNvPr id="56" name="pl56"/>
-            <p:cNvSpPr/>
-            <p:nvPr/>
-          </p:nvSpPr>
-          <p:spPr>
-            <a:xfrm>
-              <a:off x="1595485" y="6545383"/>
-              <a:ext cx="4743663" cy="0"/>
-            </a:xfrm>
-            <a:custGeom>
-              <a:avLst/>
-              <a:pathLst>
-                <a:path w="4743663" h="0">
-                  <a:moveTo>
-                    <a:pt x="0" y="0"/>
-                  </a:moveTo>
-                  <a:lnTo>
-                    <a:pt x="4743663" y="0"/>
-                  </a:lnTo>
-                  <a:lnTo>
-                    <a:pt x="4743663" y="0"/>
-                  </a:lnTo>
-                </a:path>
-              </a:pathLst>
-            </a:custGeom>
-            <a:ln w="13550" cap="flat">
-              <a:solidFill>
-                <a:srgbClr val="BEBEBE">
-                  <a:alpha val="100000"/>
-                </a:srgbClr>
-              </a:solidFill>
-              <a:prstDash val="solid"/>
-              <a:round/>
-            </a:ln>
-          </p:spPr>
-          <p:txBody>
-            <a:bodyPr/>
-            <a:lstStyle/>
-            <a:p/>
-          </p:txBody>
-        </p:sp>
-        <p:sp>
-          <p:nvSpPr>
-            <p:cNvPr id="57" name="pl57"/>
-            <p:cNvSpPr/>
-            <p:nvPr/>
-          </p:nvSpPr>
-          <p:spPr>
-            <a:xfrm>
-              <a:off x="1595485" y="6334821"/>
-              <a:ext cx="4743663" cy="0"/>
-            </a:xfrm>
-            <a:custGeom>
-              <a:avLst/>
-              <a:pathLst>
-                <a:path w="4743663" h="0">
-                  <a:moveTo>
-                    <a:pt x="0" y="0"/>
-                  </a:moveTo>
-                  <a:lnTo>
-                    <a:pt x="4743663" y="0"/>
-                  </a:lnTo>
-                  <a:lnTo>
-                    <a:pt x="4743663" y="0"/>
-                  </a:lnTo>
-                </a:path>
-              </a:pathLst>
-            </a:custGeom>
-            <a:ln w="13550" cap="flat">
-              <a:solidFill>
-                <a:srgbClr val="BEBEBE">
-                  <a:alpha val="100000"/>
-                </a:srgbClr>
-              </a:solidFill>
-              <a:prstDash val="solid"/>
-              <a:round/>
-            </a:ln>
-          </p:spPr>
-          <p:txBody>
-            <a:bodyPr/>
-            <a:lstStyle/>
-            <a:p/>
-          </p:txBody>
-        </p:sp>
-        <p:sp>
-          <p:nvSpPr>
-            <p:cNvPr id="58" name="pl58"/>
-            <p:cNvSpPr/>
-            <p:nvPr/>
-          </p:nvSpPr>
-          <p:spPr>
-            <a:xfrm>
-              <a:off x="1595485" y="6124259"/>
-              <a:ext cx="4743663" cy="0"/>
-            </a:xfrm>
-            <a:custGeom>
-              <a:avLst/>
-              <a:pathLst>
-                <a:path w="4743663" h="0">
-                  <a:moveTo>
-                    <a:pt x="0" y="0"/>
-                  </a:moveTo>
-                  <a:lnTo>
-                    <a:pt x="4743663" y="0"/>
-                  </a:lnTo>
-                  <a:lnTo>
-                    <a:pt x="4743663" y="0"/>
-                  </a:lnTo>
-                </a:path>
-              </a:pathLst>
-            </a:custGeom>
-            <a:ln w="13550" cap="flat">
-              <a:solidFill>
-                <a:srgbClr val="BEBEBE">
-                  <a:alpha val="100000"/>
-                </a:srgbClr>
-              </a:solidFill>
-              <a:prstDash val="solid"/>
-              <a:round/>
-            </a:ln>
-          </p:spPr>
-          <p:txBody>
-            <a:bodyPr/>
-            <a:lstStyle/>
-            <a:p/>
-          </p:txBody>
-        </p:sp>
-        <p:sp>
-          <p:nvSpPr>
-            <p:cNvPr id="59" name="rc59"/>
-            <p:cNvSpPr/>
-            <p:nvPr/>
-          </p:nvSpPr>
-          <p:spPr>
-            <a:xfrm>
-              <a:off x="3967317" y="6029507"/>
-              <a:ext cx="2065649" cy="189505"/>
-            </a:xfrm>
-            <a:prstGeom prst="rect">
-              <a:avLst/>
-            </a:prstGeom>
-            <a:solidFill>
-              <a:srgbClr val="A65628">
-                <a:alpha val="100000"/>
-              </a:srgbClr>
-            </a:solidFill>
-          </p:spPr>
-          <p:txBody>
-            <a:bodyPr/>
-            <a:lstStyle/>
-            <a:p/>
-          </p:txBody>
-        </p:sp>
-        <p:sp>
-          <p:nvSpPr>
-            <p:cNvPr id="60" name="rc60"/>
-            <p:cNvSpPr/>
-            <p:nvPr/>
-          </p:nvSpPr>
-          <p:spPr>
-            <a:xfrm>
-              <a:off x="3967317" y="6240068"/>
-              <a:ext cx="1539534" cy="189505"/>
-            </a:xfrm>
-            <a:prstGeom prst="rect">
-              <a:avLst/>
-            </a:prstGeom>
-            <a:solidFill>
-              <a:srgbClr val="A65628">
-                <a:alpha val="100000"/>
-              </a:srgbClr>
-            </a:solidFill>
-          </p:spPr>
-          <p:txBody>
-            <a:bodyPr/>
-            <a:lstStyle/>
-            <a:p/>
-          </p:txBody>
-        </p:sp>
-        <p:sp>
-          <p:nvSpPr>
-            <p:cNvPr id="61" name="pl61"/>
-            <p:cNvSpPr/>
-            <p:nvPr/>
-          </p:nvSpPr>
-          <p:spPr>
-            <a:xfrm>
-              <a:off x="3967317" y="5997922"/>
-              <a:ext cx="0" cy="1094921"/>
-            </a:xfrm>
-            <a:custGeom>
-              <a:avLst/>
-              <a:pathLst>
-                <a:path w="0" h="1094921">
-                  <a:moveTo>
-                    <a:pt x="0" y="1094921"/>
-                  </a:moveTo>
-                  <a:lnTo>
-                    <a:pt x="0" y="0"/>
-                  </a:lnTo>
-                  <a:lnTo>
-                    <a:pt x="0" y="0"/>
-                  </a:lnTo>
-                </a:path>
-              </a:pathLst>
-            </a:custGeom>
-            <a:ln w="13550" cap="flat">
-              <a:solidFill>
-                <a:srgbClr val="000000">
-                  <a:alpha val="100000"/>
-                </a:srgbClr>
-              </a:solidFill>
-              <a:prstDash val="solid"/>
-              <a:round/>
-            </a:ln>
-          </p:spPr>
-          <p:txBody>
-            <a:bodyPr/>
-            <a:lstStyle/>
-            <a:p/>
-          </p:txBody>
-        </p:sp>
-        <p:sp>
-          <p:nvSpPr>
-            <p:cNvPr id="62" name="rc62"/>
-            <p:cNvSpPr/>
-            <p:nvPr/>
-          </p:nvSpPr>
-          <p:spPr>
-            <a:xfrm>
-              <a:off x="1595485" y="7416491"/>
-              <a:ext cx="4743663" cy="1094921"/>
-            </a:xfrm>
-            <a:prstGeom prst="rect">
-              <a:avLst/>
-            </a:prstGeom>
-            <a:solidFill>
-              <a:srgbClr val="FFFFFF">
-                <a:alpha val="100000"/>
-              </a:srgbClr>
-            </a:solidFill>
-          </p:spPr>
-          <p:txBody>
-            <a:bodyPr/>
-            <a:lstStyle/>
-            <a:p/>
-          </p:txBody>
-        </p:sp>
-        <p:sp>
-          <p:nvSpPr>
-            <p:cNvPr id="63" name="pl63"/>
-            <p:cNvSpPr/>
-            <p:nvPr/>
-          </p:nvSpPr>
-          <p:spPr>
-            <a:xfrm>
-              <a:off x="1595485" y="8385075"/>
-              <a:ext cx="4743663" cy="0"/>
-            </a:xfrm>
-            <a:custGeom>
-              <a:avLst/>
-              <a:pathLst>
-                <a:path w="4743663" h="0">
-                  <a:moveTo>
-                    <a:pt x="0" y="0"/>
-                  </a:moveTo>
-                  <a:lnTo>
-                    <a:pt x="4743663" y="0"/>
-                  </a:lnTo>
-                  <a:lnTo>
-                    <a:pt x="4743663" y="0"/>
-                  </a:lnTo>
-                </a:path>
-              </a:pathLst>
-            </a:custGeom>
-            <a:ln w="13550" cap="flat">
-              <a:solidFill>
-                <a:srgbClr val="BEBEBE">
-                  <a:alpha val="100000"/>
-                </a:srgbClr>
-              </a:solidFill>
-              <a:prstDash val="solid"/>
-              <a:round/>
-            </a:ln>
-          </p:spPr>
-          <p:txBody>
-            <a:bodyPr/>
-            <a:lstStyle/>
-            <a:p/>
-          </p:txBody>
-        </p:sp>
-        <p:sp>
-          <p:nvSpPr>
-            <p:cNvPr id="64" name="pl64"/>
-            <p:cNvSpPr/>
-            <p:nvPr/>
-          </p:nvSpPr>
-          <p:spPr>
-            <a:xfrm>
-              <a:off x="1595485" y="8174513"/>
-              <a:ext cx="4743663" cy="0"/>
-            </a:xfrm>
-            <a:custGeom>
-              <a:avLst/>
-              <a:pathLst>
-                <a:path w="4743663" h="0">
-                  <a:moveTo>
-                    <a:pt x="0" y="0"/>
-                  </a:moveTo>
-                  <a:lnTo>
-                    <a:pt x="4743663" y="0"/>
-                  </a:lnTo>
-                  <a:lnTo>
-                    <a:pt x="4743663" y="0"/>
-                  </a:lnTo>
-                </a:path>
-              </a:pathLst>
-            </a:custGeom>
-            <a:ln w="13550" cap="flat">
-              <a:solidFill>
-                <a:srgbClr val="BEBEBE">
-                  <a:alpha val="100000"/>
-                </a:srgbClr>
-              </a:solidFill>
-              <a:prstDash val="solid"/>
-              <a:round/>
-            </a:ln>
-          </p:spPr>
-          <p:txBody>
-            <a:bodyPr/>
-            <a:lstStyle/>
-            <a:p/>
-          </p:txBody>
-        </p:sp>
-        <p:sp>
-          <p:nvSpPr>
-            <p:cNvPr id="65" name="pl65"/>
-            <p:cNvSpPr/>
-            <p:nvPr/>
-          </p:nvSpPr>
-          <p:spPr>
-            <a:xfrm>
-              <a:off x="1595485" y="7963952"/>
-              <a:ext cx="4743663" cy="0"/>
-            </a:xfrm>
-            <a:custGeom>
-              <a:avLst/>
-              <a:pathLst>
-                <a:path w="4743663" h="0">
-                  <a:moveTo>
-                    <a:pt x="0" y="0"/>
-                  </a:moveTo>
-                  <a:lnTo>
-                    <a:pt x="4743663" y="0"/>
-                  </a:lnTo>
-                  <a:lnTo>
-                    <a:pt x="4743663" y="0"/>
-                  </a:lnTo>
-                </a:path>
-              </a:pathLst>
-            </a:custGeom>
-            <a:ln w="13550" cap="flat">
-              <a:solidFill>
-                <a:srgbClr val="BEBEBE">
-                  <a:alpha val="100000"/>
-                </a:srgbClr>
-              </a:solidFill>
-              <a:prstDash val="solid"/>
-              <a:round/>
-            </a:ln>
-          </p:spPr>
-          <p:txBody>
-            <a:bodyPr/>
-            <a:lstStyle/>
-            <a:p/>
-          </p:txBody>
-        </p:sp>
-        <p:sp>
-          <p:nvSpPr>
-            <p:cNvPr id="66" name="pl66"/>
-            <p:cNvSpPr/>
-            <p:nvPr/>
-          </p:nvSpPr>
-          <p:spPr>
-            <a:xfrm>
-              <a:off x="1595485" y="7753390"/>
-              <a:ext cx="4743663" cy="0"/>
-            </a:xfrm>
-            <a:custGeom>
-              <a:avLst/>
-              <a:pathLst>
-                <a:path w="4743663" h="0">
-                  <a:moveTo>
-                    <a:pt x="0" y="0"/>
-                  </a:moveTo>
-                  <a:lnTo>
-                    <a:pt x="4743663" y="0"/>
-                  </a:lnTo>
-                  <a:lnTo>
-                    <a:pt x="4743663" y="0"/>
-                  </a:lnTo>
-                </a:path>
-              </a:pathLst>
-            </a:custGeom>
-            <a:ln w="13550" cap="flat">
-              <a:solidFill>
-                <a:srgbClr val="BEBEBE">
-                  <a:alpha val="100000"/>
-                </a:srgbClr>
-              </a:solidFill>
-              <a:prstDash val="solid"/>
-              <a:round/>
-            </a:ln>
-          </p:spPr>
-          <p:txBody>
-            <a:bodyPr/>
-            <a:lstStyle/>
-            <a:p/>
-          </p:txBody>
-        </p:sp>
-        <p:sp>
-          <p:nvSpPr>
-            <p:cNvPr id="67" name="pl67"/>
-            <p:cNvSpPr/>
-            <p:nvPr/>
-          </p:nvSpPr>
-          <p:spPr>
-            <a:xfrm>
-              <a:off x="1595485" y="7542828"/>
-              <a:ext cx="4743663" cy="0"/>
-            </a:xfrm>
-            <a:custGeom>
-              <a:avLst/>
-              <a:pathLst>
-                <a:path w="4743663" h="0">
-                  <a:moveTo>
-                    <a:pt x="0" y="0"/>
-                  </a:moveTo>
-                  <a:lnTo>
-                    <a:pt x="4743663" y="0"/>
-                  </a:lnTo>
-                  <a:lnTo>
-                    <a:pt x="4743663" y="0"/>
-                  </a:lnTo>
-                </a:path>
-              </a:pathLst>
-            </a:custGeom>
-            <a:ln w="13550" cap="flat">
-              <a:solidFill>
-                <a:srgbClr val="BEBEBE">
-                  <a:alpha val="100000"/>
-                </a:srgbClr>
-              </a:solidFill>
-              <a:prstDash val="solid"/>
-              <a:round/>
-            </a:ln>
-          </p:spPr>
-          <p:txBody>
-            <a:bodyPr/>
-            <a:lstStyle/>
-            <a:p/>
-          </p:txBody>
-        </p:sp>
-        <p:sp>
-          <p:nvSpPr>
-            <p:cNvPr id="68" name="rc68"/>
-            <p:cNvSpPr/>
-            <p:nvPr/>
-          </p:nvSpPr>
-          <p:spPr>
-            <a:xfrm>
-              <a:off x="3967317" y="7448075"/>
-              <a:ext cx="1485629" cy="189505"/>
-            </a:xfrm>
-            <a:prstGeom prst="rect">
-              <a:avLst/>
-            </a:prstGeom>
-            <a:solidFill>
-              <a:srgbClr val="A65628">
-                <a:alpha val="100000"/>
-              </a:srgbClr>
-            </a:solidFill>
-          </p:spPr>
-          <p:txBody>
-            <a:bodyPr/>
-            <a:lstStyle/>
-            <a:p/>
-          </p:txBody>
-        </p:sp>
-        <p:sp>
-          <p:nvSpPr>
-            <p:cNvPr id="69" name="rc69"/>
-            <p:cNvSpPr/>
-            <p:nvPr/>
-          </p:nvSpPr>
-          <p:spPr>
-            <a:xfrm>
-              <a:off x="3967317" y="7658637"/>
-              <a:ext cx="646863" cy="189505"/>
-            </a:xfrm>
-            <a:prstGeom prst="rect">
-              <a:avLst/>
-            </a:prstGeom>
-            <a:solidFill>
-              <a:srgbClr val="A65628">
-                <a:alpha val="100000"/>
-              </a:srgbClr>
-            </a:solidFill>
-          </p:spPr>
-          <p:txBody>
-            <a:bodyPr/>
-            <a:lstStyle/>
-            <a:p/>
-          </p:txBody>
-        </p:sp>
-        <p:sp>
-          <p:nvSpPr>
-            <p:cNvPr id="70" name="pl70"/>
-            <p:cNvSpPr/>
-            <p:nvPr/>
-          </p:nvSpPr>
-          <p:spPr>
-            <a:xfrm>
-              <a:off x="3967317" y="7416491"/>
-              <a:ext cx="0" cy="1094921"/>
-            </a:xfrm>
-            <a:custGeom>
-              <a:avLst/>
-              <a:pathLst>
-                <a:path w="0" h="1094921">
-                  <a:moveTo>
-                    <a:pt x="0" y="1094921"/>
-                  </a:moveTo>
-                  <a:lnTo>
-                    <a:pt x="0" y="0"/>
-                  </a:lnTo>
-                  <a:lnTo>
-                    <a:pt x="0" y="0"/>
-                  </a:lnTo>
-                </a:path>
-              </a:pathLst>
-            </a:custGeom>
-            <a:ln w="13550" cap="flat">
-              <a:solidFill>
-                <a:srgbClr val="000000">
-                  <a:alpha val="100000"/>
-                </a:srgbClr>
-              </a:solidFill>
-              <a:prstDash val="solid"/>
-              <a:round/>
-            </a:ln>
-          </p:spPr>
-          <p:txBody>
-            <a:bodyPr/>
-            <a:lstStyle/>
-            <a:p/>
-          </p:txBody>
-        </p:sp>
-        <p:sp>
-          <p:nvSpPr>
-            <p:cNvPr id="71" name="tx71"/>
-            <p:cNvSpPr/>
-            <p:nvPr/>
-          </p:nvSpPr>
-          <p:spPr>
-            <a:xfrm>
-              <a:off x="1651157" y="7195323"/>
-              <a:ext cx="2983626" cy="147955"/>
+            <p:cNvPr id="29" name="tx29"/>
+            <p:cNvSpPr/>
+            <p:nvPr/>
+          </p:nvSpPr>
+          <p:spPr>
+            <a:xfrm>
+              <a:off x="1651157" y="1926532"/>
+              <a:ext cx="604996" cy="131683"/>
             </a:xfrm>
             <a:prstGeom prst="rect">
               <a:avLst/>
@@ -5424,21 +3926,21 @@
                   <a:latin typeface="Times New Roman"/>
                   <a:cs typeface="Times New Roman"/>
                 </a:rPr>
-                <a:t>Sympatry: CachadasXLaxe - LaxeXCachadas</a:t>
+                <a:t>sympatry</a:t>
               </a:r>
             </a:p>
           </p:txBody>
         </p:sp>
         <p:sp>
           <p:nvSpPr>
-            <p:cNvPr id="72" name="tx72"/>
-            <p:cNvSpPr/>
-            <p:nvPr/>
-          </p:nvSpPr>
-          <p:spPr>
-            <a:xfrm>
-              <a:off x="1651157" y="5776754"/>
-              <a:ext cx="2983626" cy="147955"/>
+            <p:cNvPr id="30" name="tx30"/>
+            <p:cNvSpPr/>
+            <p:nvPr/>
+          </p:nvSpPr>
+          <p:spPr>
+            <a:xfrm>
+              <a:off x="1651157" y="102479"/>
+              <a:ext cx="577770" cy="147955"/>
             </a:xfrm>
             <a:prstGeom prst="rect">
               <a:avLst/>
@@ -5470,204 +3972,20 @@
                   <a:latin typeface="Times New Roman"/>
                   <a:cs typeface="Times New Roman"/>
                 </a:rPr>
-                <a:t>Sympatry: LanzadaXLouro - LouroXLanzada</a:t>
+                <a:t>allopatry</a:t>
               </a:r>
             </a:p>
           </p:txBody>
         </p:sp>
         <p:sp>
           <p:nvSpPr>
-            <p:cNvPr id="73" name="tx73"/>
-            <p:cNvSpPr/>
-            <p:nvPr/>
-          </p:nvSpPr>
-          <p:spPr>
-            <a:xfrm>
-              <a:off x="1651157" y="4358186"/>
-              <a:ext cx="3273186" cy="147955"/>
-            </a:xfrm>
-            <a:prstGeom prst="rect">
-              <a:avLst/>
-            </a:prstGeom>
-            <a:noFill/>
-          </p:spPr>
-          <p:txBody>
-            <a:bodyPr lIns="0" rIns="0" tIns="0" bIns="0" anchorCtr="1" anchor="ctr" wrap="none"/>
-            <a:lstStyle/>
-            <a:p>
-              <a:pPr algn="l" marL="0" marR="0" indent="0">
-                <a:lnSpc>
-                  <a:spcPts val="1280"/>
-                </a:lnSpc>
-                <a:spcBef>
-                  <a:spcPts val="0"/>
-                </a:spcBef>
-                <a:spcAft>
-                  <a:spcPts val="0"/>
-                </a:spcAft>
-              </a:pPr>
-              <a:r>
-                <a:rPr sz="1280">
-                  <a:solidFill>
-                    <a:srgbClr val="1A1A1A">
-                      <a:alpha val="100000"/>
-                    </a:srgbClr>
-                  </a:solidFill>
-                  <a:latin typeface="Times New Roman"/>
-                  <a:cs typeface="Times New Roman"/>
-                </a:rPr>
-                <a:t>Sympatry: CorrubedoXLouro - LouroXCorrubedo</a:t>
-              </a:r>
-            </a:p>
-          </p:txBody>
-        </p:sp>
-        <p:sp>
-          <p:nvSpPr>
-            <p:cNvPr id="74" name="tx74"/>
-            <p:cNvSpPr/>
-            <p:nvPr/>
-          </p:nvSpPr>
-          <p:spPr>
-            <a:xfrm>
-              <a:off x="1651157" y="2939617"/>
-              <a:ext cx="3444557" cy="147955"/>
-            </a:xfrm>
-            <a:prstGeom prst="rect">
-              <a:avLst/>
-            </a:prstGeom>
-            <a:noFill/>
-          </p:spPr>
-          <p:txBody>
-            <a:bodyPr lIns="0" rIns="0" tIns="0" bIns="0" anchorCtr="1" anchor="ctr" wrap="none"/>
-            <a:lstStyle/>
-            <a:p>
-              <a:pPr algn="l" marL="0" marR="0" indent="0">
-                <a:lnSpc>
-                  <a:spcPts val="1280"/>
-                </a:lnSpc>
-                <a:spcBef>
-                  <a:spcPts val="0"/>
-                </a:spcBef>
-                <a:spcAft>
-                  <a:spcPts val="0"/>
-                </a:spcAft>
-              </a:pPr>
-              <a:r>
-                <a:rPr sz="1280">
-                  <a:solidFill>
-                    <a:srgbClr val="1A1A1A">
-                      <a:alpha val="100000"/>
-                    </a:srgbClr>
-                  </a:solidFill>
-                  <a:latin typeface="Times New Roman"/>
-                  <a:cs typeface="Times New Roman"/>
-                </a:rPr>
-                <a:t>Allopatry: CachadasXBelgium - BelgiumXCachadas</a:t>
-              </a:r>
-            </a:p>
-          </p:txBody>
-        </p:sp>
-        <p:sp>
-          <p:nvSpPr>
-            <p:cNvPr id="75" name="tx75"/>
-            <p:cNvSpPr/>
-            <p:nvPr/>
-          </p:nvSpPr>
-          <p:spPr>
-            <a:xfrm>
-              <a:off x="1651157" y="1523826"/>
-              <a:ext cx="1223327" cy="145176"/>
-            </a:xfrm>
-            <a:prstGeom prst="rect">
-              <a:avLst/>
-            </a:prstGeom>
-            <a:noFill/>
-          </p:spPr>
-          <p:txBody>
-            <a:bodyPr lIns="0" rIns="0" tIns="0" bIns="0" anchorCtr="1" anchor="ctr" wrap="none"/>
-            <a:lstStyle/>
-            <a:p>
-              <a:pPr algn="l" marL="0" marR="0" indent="0">
-                <a:lnSpc>
-                  <a:spcPts val="1280"/>
-                </a:lnSpc>
-                <a:spcBef>
-                  <a:spcPts val="0"/>
-                </a:spcBef>
-                <a:spcAft>
-                  <a:spcPts val="0"/>
-                </a:spcAft>
-              </a:pPr>
-              <a:r>
-                <a:rPr sz="1280">
-                  <a:solidFill>
-                    <a:srgbClr val="1A1A1A">
-                      <a:alpha val="100000"/>
-                    </a:srgbClr>
-                  </a:solidFill>
-                  <a:latin typeface="Times New Roman"/>
-                  <a:cs typeface="Times New Roman"/>
-                </a:rPr>
-                <a:t>Average Sympatry</a:t>
-              </a:r>
-            </a:p>
-          </p:txBody>
-        </p:sp>
-        <p:sp>
-          <p:nvSpPr>
-            <p:cNvPr id="76" name="tx76"/>
-            <p:cNvSpPr/>
-            <p:nvPr/>
-          </p:nvSpPr>
-          <p:spPr>
-            <a:xfrm>
-              <a:off x="1651157" y="102479"/>
-              <a:ext cx="1214199" cy="147955"/>
-            </a:xfrm>
-            <a:prstGeom prst="rect">
-              <a:avLst/>
-            </a:prstGeom>
-            <a:noFill/>
-          </p:spPr>
-          <p:txBody>
-            <a:bodyPr lIns="0" rIns="0" tIns="0" bIns="0" anchorCtr="1" anchor="ctr" wrap="none"/>
-            <a:lstStyle/>
-            <a:p>
-              <a:pPr algn="l" marL="0" marR="0" indent="0">
-                <a:lnSpc>
-                  <a:spcPts val="1280"/>
-                </a:lnSpc>
-                <a:spcBef>
-                  <a:spcPts val="0"/>
-                </a:spcBef>
-                <a:spcAft>
-                  <a:spcPts val="0"/>
-                </a:spcAft>
-              </a:pPr>
-              <a:r>
-                <a:rPr sz="1280">
-                  <a:solidFill>
-                    <a:srgbClr val="1A1A1A">
-                      <a:alpha val="100000"/>
-                    </a:srgbClr>
-                  </a:solidFill>
-                  <a:latin typeface="Times New Roman"/>
-                  <a:cs typeface="Times New Roman"/>
-                </a:rPr>
-                <a:t>Average Allopatry</a:t>
-              </a:r>
-            </a:p>
-          </p:txBody>
-        </p:sp>
-        <p:sp>
-          <p:nvSpPr>
-            <p:cNvPr id="77" name="pl77"/>
-            <p:cNvSpPr/>
-            <p:nvPr/>
-          </p:nvSpPr>
-          <p:spPr>
-            <a:xfrm>
-              <a:off x="1595485" y="8511412"/>
+            <p:cNvPr id="31" name="pl31"/>
+            <p:cNvSpPr/>
+            <p:nvPr/>
+          </p:nvSpPr>
+          <p:spPr>
+            <a:xfrm>
+              <a:off x="1595485" y="3615562"/>
               <a:ext cx="4743663" cy="0"/>
             </a:xfrm>
             <a:custGeom>
@@ -5701,13 +4019,13 @@
         </p:sp>
         <p:sp>
           <p:nvSpPr>
-            <p:cNvPr id="78" name="pl78"/>
-            <p:cNvSpPr/>
-            <p:nvPr/>
-          </p:nvSpPr>
-          <p:spPr>
-            <a:xfrm>
-              <a:off x="1811106" y="8511412"/>
+            <p:cNvPr id="32" name="pl32"/>
+            <p:cNvSpPr/>
+            <p:nvPr/>
+          </p:nvSpPr>
+          <p:spPr>
+            <a:xfrm>
+              <a:off x="2007126" y="3615562"/>
               <a:ext cx="0" cy="34794"/>
             </a:xfrm>
             <a:custGeom>
@@ -5741,13 +4059,13 @@
         </p:sp>
         <p:sp>
           <p:nvSpPr>
-            <p:cNvPr id="79" name="pl79"/>
-            <p:cNvSpPr/>
-            <p:nvPr/>
-          </p:nvSpPr>
-          <p:spPr>
-            <a:xfrm>
-              <a:off x="2889212" y="8511412"/>
+            <p:cNvPr id="33" name="pl33"/>
+            <p:cNvSpPr/>
+            <p:nvPr/>
+          </p:nvSpPr>
+          <p:spPr>
+            <a:xfrm>
+              <a:off x="2497173" y="3615562"/>
               <a:ext cx="0" cy="34794"/>
             </a:xfrm>
             <a:custGeom>
@@ -5781,13 +4099,13 @@
         </p:sp>
         <p:sp>
           <p:nvSpPr>
-            <p:cNvPr id="80" name="pl80"/>
-            <p:cNvSpPr/>
-            <p:nvPr/>
-          </p:nvSpPr>
-          <p:spPr>
-            <a:xfrm>
-              <a:off x="3967317" y="8511412"/>
+            <p:cNvPr id="34" name="pl34"/>
+            <p:cNvSpPr/>
+            <p:nvPr/>
+          </p:nvSpPr>
+          <p:spPr>
+            <a:xfrm>
+              <a:off x="2987221" y="3615562"/>
               <a:ext cx="0" cy="34794"/>
             </a:xfrm>
             <a:custGeom>
@@ -5821,13 +4139,13 @@
         </p:sp>
         <p:sp>
           <p:nvSpPr>
-            <p:cNvPr id="81" name="pl81"/>
-            <p:cNvSpPr/>
-            <p:nvPr/>
-          </p:nvSpPr>
-          <p:spPr>
-            <a:xfrm>
-              <a:off x="5045422" y="8511412"/>
+            <p:cNvPr id="35" name="pl35"/>
+            <p:cNvSpPr/>
+            <p:nvPr/>
+          </p:nvSpPr>
+          <p:spPr>
+            <a:xfrm>
+              <a:off x="3477269" y="3615562"/>
               <a:ext cx="0" cy="34794"/>
             </a:xfrm>
             <a:custGeom>
@@ -5861,13 +4179,13 @@
         </p:sp>
         <p:sp>
           <p:nvSpPr>
-            <p:cNvPr id="82" name="pl82"/>
-            <p:cNvSpPr/>
-            <p:nvPr/>
-          </p:nvSpPr>
-          <p:spPr>
-            <a:xfrm>
-              <a:off x="6123527" y="8511412"/>
+            <p:cNvPr id="36" name="pl36"/>
+            <p:cNvSpPr/>
+            <p:nvPr/>
+          </p:nvSpPr>
+          <p:spPr>
+            <a:xfrm>
+              <a:off x="3967317" y="3615562"/>
               <a:ext cx="0" cy="34794"/>
             </a:xfrm>
             <a:custGeom>
@@ -5901,14 +4219,174 @@
         </p:sp>
         <p:sp>
           <p:nvSpPr>
-            <p:cNvPr id="83" name="tx83"/>
-            <p:cNvSpPr/>
-            <p:nvPr/>
-          </p:nvSpPr>
-          <p:spPr>
-            <a:xfrm>
-              <a:off x="1682440" y="8569597"/>
-              <a:ext cx="257333" cy="112077"/>
+            <p:cNvPr id="37" name="pl37"/>
+            <p:cNvSpPr/>
+            <p:nvPr/>
+          </p:nvSpPr>
+          <p:spPr>
+            <a:xfrm>
+              <a:off x="4457365" y="3615562"/>
+              <a:ext cx="0" cy="34794"/>
+            </a:xfrm>
+            <a:custGeom>
+              <a:avLst/>
+              <a:pathLst>
+                <a:path w="0" h="34794">
+                  <a:moveTo>
+                    <a:pt x="0" y="34794"/>
+                  </a:moveTo>
+                  <a:lnTo>
+                    <a:pt x="0" y="0"/>
+                  </a:lnTo>
+                </a:path>
+              </a:pathLst>
+            </a:custGeom>
+            <a:ln w="13550" cap="flat">
+              <a:solidFill>
+                <a:srgbClr val="333333">
+                  <a:alpha val="100000"/>
+                </a:srgbClr>
+              </a:solidFill>
+              <a:prstDash val="solid"/>
+              <a:round/>
+            </a:ln>
+          </p:spPr>
+          <p:txBody>
+            <a:bodyPr/>
+            <a:lstStyle/>
+            <a:p/>
+          </p:txBody>
+        </p:sp>
+        <p:sp>
+          <p:nvSpPr>
+            <p:cNvPr id="38" name="pl38"/>
+            <p:cNvSpPr/>
+            <p:nvPr/>
+          </p:nvSpPr>
+          <p:spPr>
+            <a:xfrm>
+              <a:off x="4947413" y="3615562"/>
+              <a:ext cx="0" cy="34794"/>
+            </a:xfrm>
+            <a:custGeom>
+              <a:avLst/>
+              <a:pathLst>
+                <a:path w="0" h="34794">
+                  <a:moveTo>
+                    <a:pt x="0" y="34794"/>
+                  </a:moveTo>
+                  <a:lnTo>
+                    <a:pt x="0" y="0"/>
+                  </a:lnTo>
+                </a:path>
+              </a:pathLst>
+            </a:custGeom>
+            <a:ln w="13550" cap="flat">
+              <a:solidFill>
+                <a:srgbClr val="333333">
+                  <a:alpha val="100000"/>
+                </a:srgbClr>
+              </a:solidFill>
+              <a:prstDash val="solid"/>
+              <a:round/>
+            </a:ln>
+          </p:spPr>
+          <p:txBody>
+            <a:bodyPr/>
+            <a:lstStyle/>
+            <a:p/>
+          </p:txBody>
+        </p:sp>
+        <p:sp>
+          <p:nvSpPr>
+            <p:cNvPr id="39" name="pl39"/>
+            <p:cNvSpPr/>
+            <p:nvPr/>
+          </p:nvSpPr>
+          <p:spPr>
+            <a:xfrm>
+              <a:off x="5437460" y="3615562"/>
+              <a:ext cx="0" cy="34794"/>
+            </a:xfrm>
+            <a:custGeom>
+              <a:avLst/>
+              <a:pathLst>
+                <a:path w="0" h="34794">
+                  <a:moveTo>
+                    <a:pt x="0" y="34794"/>
+                  </a:moveTo>
+                  <a:lnTo>
+                    <a:pt x="0" y="0"/>
+                  </a:lnTo>
+                </a:path>
+              </a:pathLst>
+            </a:custGeom>
+            <a:ln w="13550" cap="flat">
+              <a:solidFill>
+                <a:srgbClr val="333333">
+                  <a:alpha val="100000"/>
+                </a:srgbClr>
+              </a:solidFill>
+              <a:prstDash val="solid"/>
+              <a:round/>
+            </a:ln>
+          </p:spPr>
+          <p:txBody>
+            <a:bodyPr/>
+            <a:lstStyle/>
+            <a:p/>
+          </p:txBody>
+        </p:sp>
+        <p:sp>
+          <p:nvSpPr>
+            <p:cNvPr id="40" name="pl40"/>
+            <p:cNvSpPr/>
+            <p:nvPr/>
+          </p:nvSpPr>
+          <p:spPr>
+            <a:xfrm>
+              <a:off x="5927508" y="3615562"/>
+              <a:ext cx="0" cy="34794"/>
+            </a:xfrm>
+            <a:custGeom>
+              <a:avLst/>
+              <a:pathLst>
+                <a:path w="0" h="34794">
+                  <a:moveTo>
+                    <a:pt x="0" y="34794"/>
+                  </a:moveTo>
+                  <a:lnTo>
+                    <a:pt x="0" y="0"/>
+                  </a:lnTo>
+                </a:path>
+              </a:pathLst>
+            </a:custGeom>
+            <a:ln w="13550" cap="flat">
+              <a:solidFill>
+                <a:srgbClr val="333333">
+                  <a:alpha val="100000"/>
+                </a:srgbClr>
+              </a:solidFill>
+              <a:prstDash val="solid"/>
+              <a:round/>
+            </a:ln>
+          </p:spPr>
+          <p:txBody>
+            <a:bodyPr/>
+            <a:lstStyle/>
+            <a:p/>
+          </p:txBody>
+        </p:sp>
+        <p:sp>
+          <p:nvSpPr>
+            <p:cNvPr id="41" name="tx41"/>
+            <p:cNvSpPr/>
+            <p:nvPr/>
+          </p:nvSpPr>
+          <p:spPr>
+            <a:xfrm>
+              <a:off x="1837819" y="3673747"/>
+              <a:ext cx="338613" cy="112077"/>
             </a:xfrm>
             <a:prstGeom prst="rect">
               <a:avLst/>
@@ -5940,21 +4418,21 @@
                   <a:latin typeface="Times New Roman"/>
                   <a:cs typeface="Times New Roman"/>
                 </a:rPr>
-                <a:t>-1.0</a:t>
+                <a:t>-1.00</a:t>
               </a:r>
             </a:p>
           </p:txBody>
         </p:sp>
         <p:sp>
           <p:nvSpPr>
-            <p:cNvPr id="84" name="tx84"/>
-            <p:cNvSpPr/>
-            <p:nvPr/>
-          </p:nvSpPr>
-          <p:spPr>
-            <a:xfrm>
-              <a:off x="2760545" y="8569597"/>
-              <a:ext cx="257333" cy="112077"/>
+            <p:cNvPr id="42" name="tx42"/>
+            <p:cNvSpPr/>
+            <p:nvPr/>
+          </p:nvSpPr>
+          <p:spPr>
+            <a:xfrm>
+              <a:off x="2327867" y="3673747"/>
+              <a:ext cx="338613" cy="112077"/>
             </a:xfrm>
             <a:prstGeom prst="rect">
               <a:avLst/>
@@ -5986,21 +4464,21 @@
                   <a:latin typeface="Times New Roman"/>
                   <a:cs typeface="Times New Roman"/>
                 </a:rPr>
-                <a:t>-0.5</a:t>
+                <a:t>-0.75</a:t>
               </a:r>
             </a:p>
           </p:txBody>
         </p:sp>
         <p:sp>
           <p:nvSpPr>
-            <p:cNvPr id="85" name="tx85"/>
-            <p:cNvSpPr/>
-            <p:nvPr/>
-          </p:nvSpPr>
-          <p:spPr>
-            <a:xfrm>
-              <a:off x="3865717" y="8569597"/>
-              <a:ext cx="203200" cy="112077"/>
+            <p:cNvPr id="43" name="tx43"/>
+            <p:cNvSpPr/>
+            <p:nvPr/>
+          </p:nvSpPr>
+          <p:spPr>
+            <a:xfrm>
+              <a:off x="2817914" y="3673747"/>
+              <a:ext cx="338613" cy="112077"/>
             </a:xfrm>
             <a:prstGeom prst="rect">
               <a:avLst/>
@@ -6032,21 +4510,21 @@
                   <a:latin typeface="Times New Roman"/>
                   <a:cs typeface="Times New Roman"/>
                 </a:rPr>
-                <a:t>0.0</a:t>
+                <a:t>-0.50</a:t>
               </a:r>
             </a:p>
           </p:txBody>
         </p:sp>
         <p:sp>
           <p:nvSpPr>
-            <p:cNvPr id="86" name="tx86"/>
-            <p:cNvSpPr/>
-            <p:nvPr/>
-          </p:nvSpPr>
-          <p:spPr>
-            <a:xfrm>
-              <a:off x="4943822" y="8569597"/>
-              <a:ext cx="203200" cy="112077"/>
+            <p:cNvPr id="44" name="tx44"/>
+            <p:cNvSpPr/>
+            <p:nvPr/>
+          </p:nvSpPr>
+          <p:spPr>
+            <a:xfrm>
+              <a:off x="3307962" y="3673747"/>
+              <a:ext cx="338613" cy="112077"/>
             </a:xfrm>
             <a:prstGeom prst="rect">
               <a:avLst/>
@@ -6078,21 +4556,21 @@
                   <a:latin typeface="Times New Roman"/>
                   <a:cs typeface="Times New Roman"/>
                 </a:rPr>
-                <a:t>0.5</a:t>
+                <a:t>-0.25</a:t>
               </a:r>
             </a:p>
           </p:txBody>
         </p:sp>
         <p:sp>
           <p:nvSpPr>
-            <p:cNvPr id="87" name="tx87"/>
-            <p:cNvSpPr/>
-            <p:nvPr/>
-          </p:nvSpPr>
-          <p:spPr>
-            <a:xfrm>
-              <a:off x="6021927" y="8569597"/>
-              <a:ext cx="203200" cy="112077"/>
+            <p:cNvPr id="45" name="tx45"/>
+            <p:cNvSpPr/>
+            <p:nvPr/>
+          </p:nvSpPr>
+          <p:spPr>
+            <a:xfrm>
+              <a:off x="3825077" y="3673747"/>
+              <a:ext cx="284480" cy="112077"/>
             </a:xfrm>
             <a:prstGeom prst="rect">
               <a:avLst/>
@@ -6124,28 +4602,212 @@
                   <a:latin typeface="Times New Roman"/>
                   <a:cs typeface="Times New Roman"/>
                 </a:rPr>
-                <a:t>1.0</a:t>
+                <a:t>0.00</a:t>
               </a:r>
             </a:p>
           </p:txBody>
         </p:sp>
         <p:sp>
           <p:nvSpPr>
-            <p:cNvPr id="88" name="pl88"/>
+            <p:cNvPr id="46" name="tx46"/>
+            <p:cNvSpPr/>
+            <p:nvPr/>
+          </p:nvSpPr>
+          <p:spPr>
+            <a:xfrm>
+              <a:off x="4315125" y="3673747"/>
+              <a:ext cx="284480" cy="112077"/>
+            </a:xfrm>
+            <a:prstGeom prst="rect">
+              <a:avLst/>
+            </a:prstGeom>
+            <a:noFill/>
+          </p:spPr>
+          <p:txBody>
+            <a:bodyPr lIns="0" rIns="0" tIns="0" bIns="0" anchorCtr="1" anchor="ctr" wrap="none"/>
+            <a:lstStyle/>
+            <a:p>
+              <a:pPr algn="l" marL="0" marR="0" indent="0">
+                <a:lnSpc>
+                  <a:spcPts val="1280"/>
+                </a:lnSpc>
+                <a:spcBef>
+                  <a:spcPts val="0"/>
+                </a:spcBef>
+                <a:spcAft>
+                  <a:spcPts val="0"/>
+                </a:spcAft>
+              </a:pPr>
+              <a:r>
+                <a:rPr sz="1280">
+                  <a:solidFill>
+                    <a:srgbClr val="4D4D4D">
+                      <a:alpha val="100000"/>
+                    </a:srgbClr>
+                  </a:solidFill>
+                  <a:latin typeface="Times New Roman"/>
+                  <a:cs typeface="Times New Roman"/>
+                </a:rPr>
+                <a:t>0.25</a:t>
+              </a:r>
+            </a:p>
+          </p:txBody>
+        </p:sp>
+        <p:sp>
+          <p:nvSpPr>
+            <p:cNvPr id="47" name="tx47"/>
+            <p:cNvSpPr/>
+            <p:nvPr/>
+          </p:nvSpPr>
+          <p:spPr>
+            <a:xfrm>
+              <a:off x="4805173" y="3673747"/>
+              <a:ext cx="284480" cy="112077"/>
+            </a:xfrm>
+            <a:prstGeom prst="rect">
+              <a:avLst/>
+            </a:prstGeom>
+            <a:noFill/>
+          </p:spPr>
+          <p:txBody>
+            <a:bodyPr lIns="0" rIns="0" tIns="0" bIns="0" anchorCtr="1" anchor="ctr" wrap="none"/>
+            <a:lstStyle/>
+            <a:p>
+              <a:pPr algn="l" marL="0" marR="0" indent="0">
+                <a:lnSpc>
+                  <a:spcPts val="1280"/>
+                </a:lnSpc>
+                <a:spcBef>
+                  <a:spcPts val="0"/>
+                </a:spcBef>
+                <a:spcAft>
+                  <a:spcPts val="0"/>
+                </a:spcAft>
+              </a:pPr>
+              <a:r>
+                <a:rPr sz="1280">
+                  <a:solidFill>
+                    <a:srgbClr val="4D4D4D">
+                      <a:alpha val="100000"/>
+                    </a:srgbClr>
+                  </a:solidFill>
+                  <a:latin typeface="Times New Roman"/>
+                  <a:cs typeface="Times New Roman"/>
+                </a:rPr>
+                <a:t>0.50</a:t>
+              </a:r>
+            </a:p>
+          </p:txBody>
+        </p:sp>
+        <p:sp>
+          <p:nvSpPr>
+            <p:cNvPr id="48" name="tx48"/>
+            <p:cNvSpPr/>
+            <p:nvPr/>
+          </p:nvSpPr>
+          <p:spPr>
+            <a:xfrm>
+              <a:off x="5295220" y="3673747"/>
+              <a:ext cx="284480" cy="112077"/>
+            </a:xfrm>
+            <a:prstGeom prst="rect">
+              <a:avLst/>
+            </a:prstGeom>
+            <a:noFill/>
+          </p:spPr>
+          <p:txBody>
+            <a:bodyPr lIns="0" rIns="0" tIns="0" bIns="0" anchorCtr="1" anchor="ctr" wrap="none"/>
+            <a:lstStyle/>
+            <a:p>
+              <a:pPr algn="l" marL="0" marR="0" indent="0">
+                <a:lnSpc>
+                  <a:spcPts val="1280"/>
+                </a:lnSpc>
+                <a:spcBef>
+                  <a:spcPts val="0"/>
+                </a:spcBef>
+                <a:spcAft>
+                  <a:spcPts val="0"/>
+                </a:spcAft>
+              </a:pPr>
+              <a:r>
+                <a:rPr sz="1280">
+                  <a:solidFill>
+                    <a:srgbClr val="4D4D4D">
+                      <a:alpha val="100000"/>
+                    </a:srgbClr>
+                  </a:solidFill>
+                  <a:latin typeface="Times New Roman"/>
+                  <a:cs typeface="Times New Roman"/>
+                </a:rPr>
+                <a:t>0.75</a:t>
+              </a:r>
+            </a:p>
+          </p:txBody>
+        </p:sp>
+        <p:sp>
+          <p:nvSpPr>
+            <p:cNvPr id="49" name="tx49"/>
+            <p:cNvSpPr/>
+            <p:nvPr/>
+          </p:nvSpPr>
+          <p:spPr>
+            <a:xfrm>
+              <a:off x="5785268" y="3673747"/>
+              <a:ext cx="284480" cy="112077"/>
+            </a:xfrm>
+            <a:prstGeom prst="rect">
+              <a:avLst/>
+            </a:prstGeom>
+            <a:noFill/>
+          </p:spPr>
+          <p:txBody>
+            <a:bodyPr lIns="0" rIns="0" tIns="0" bIns="0" anchorCtr="1" anchor="ctr" wrap="none"/>
+            <a:lstStyle/>
+            <a:p>
+              <a:pPr algn="l" marL="0" marR="0" indent="0">
+                <a:lnSpc>
+                  <a:spcPts val="1280"/>
+                </a:lnSpc>
+                <a:spcBef>
+                  <a:spcPts val="0"/>
+                </a:spcBef>
+                <a:spcAft>
+                  <a:spcPts val="0"/>
+                </a:spcAft>
+              </a:pPr>
+              <a:r>
+                <a:rPr sz="1280">
+                  <a:solidFill>
+                    <a:srgbClr val="4D4D4D">
+                      <a:alpha val="100000"/>
+                    </a:srgbClr>
+                  </a:solidFill>
+                  <a:latin typeface="Times New Roman"/>
+                  <a:cs typeface="Times New Roman"/>
+                </a:rPr>
+                <a:t>1.00</a:t>
+              </a:r>
+            </a:p>
+          </p:txBody>
+        </p:sp>
+        <p:sp>
+          <p:nvSpPr>
+            <p:cNvPr id="50" name="pl50"/>
             <p:cNvSpPr/>
             <p:nvPr/>
           </p:nvSpPr>
           <p:spPr>
             <a:xfrm>
               <a:off x="1595485" y="323647"/>
-              <a:ext cx="0" cy="1094921"/>
+              <a:ext cx="0" cy="1484133"/>
             </a:xfrm>
             <a:custGeom>
               <a:avLst/>
               <a:pathLst>
-                <a:path w="0" h="1094921">
+                <a:path w="0" h="1484133">
                   <a:moveTo>
-                    <a:pt x="0" y="1094921"/>
+                    <a:pt x="0" y="1484133"/>
                   </a:moveTo>
                   <a:lnTo>
                     <a:pt x="0" y="0"/>
@@ -6171,13 +4833,13 @@
         </p:sp>
         <p:sp>
           <p:nvSpPr>
-            <p:cNvPr id="89" name="tx89"/>
-            <p:cNvSpPr/>
-            <p:nvPr/>
-          </p:nvSpPr>
-          <p:spPr>
-            <a:xfrm>
-              <a:off x="1009060" y="1198092"/>
+            <p:cNvPr id="51" name="tx51"/>
+            <p:cNvSpPr/>
+            <p:nvPr/>
+          </p:nvSpPr>
+          <p:spPr>
+            <a:xfrm>
+              <a:off x="1009060" y="1542396"/>
               <a:ext cx="523795" cy="147955"/>
             </a:xfrm>
             <a:prstGeom prst="rect">
@@ -6217,13 +4879,13 @@
         </p:sp>
         <p:sp>
           <p:nvSpPr>
-            <p:cNvPr id="90" name="tx90"/>
-            <p:cNvSpPr/>
-            <p:nvPr/>
-          </p:nvSpPr>
-          <p:spPr>
-            <a:xfrm>
-              <a:off x="882695" y="987531"/>
+            <p:cNvPr id="52" name="tx52"/>
+            <p:cNvSpPr/>
+            <p:nvPr/>
+          </p:nvSpPr>
+          <p:spPr>
+            <a:xfrm>
+              <a:off x="882695" y="1256986"/>
               <a:ext cx="650160" cy="147955"/>
             </a:xfrm>
             <a:prstGeom prst="rect">
@@ -6263,13 +4925,13 @@
         </p:sp>
         <p:sp>
           <p:nvSpPr>
-            <p:cNvPr id="91" name="tx91"/>
-            <p:cNvSpPr/>
-            <p:nvPr/>
-          </p:nvSpPr>
-          <p:spPr>
-            <a:xfrm>
-              <a:off x="765140" y="777287"/>
+            <p:cNvPr id="53" name="tx53"/>
+            <p:cNvSpPr/>
+            <p:nvPr/>
+          </p:nvSpPr>
+          <p:spPr>
+            <a:xfrm>
+              <a:off x="765140" y="971893"/>
               <a:ext cx="767715" cy="147637"/>
             </a:xfrm>
             <a:prstGeom prst="rect">
@@ -6309,13 +4971,13 @@
         </p:sp>
         <p:sp>
           <p:nvSpPr>
-            <p:cNvPr id="92" name="tx92"/>
-            <p:cNvSpPr/>
-            <p:nvPr/>
-          </p:nvSpPr>
-          <p:spPr>
-            <a:xfrm>
-              <a:off x="282778" y="599269"/>
+            <p:cNvPr id="54" name="tx54"/>
+            <p:cNvSpPr/>
+            <p:nvPr/>
+          </p:nvSpPr>
+          <p:spPr>
+            <a:xfrm>
+              <a:off x="282778" y="719026"/>
               <a:ext cx="1250076" cy="115093"/>
             </a:xfrm>
             <a:prstGeom prst="rect">
@@ -6355,13 +5017,13 @@
         </p:sp>
         <p:sp>
           <p:nvSpPr>
-            <p:cNvPr id="93" name="tx93"/>
-            <p:cNvSpPr/>
-            <p:nvPr/>
-          </p:nvSpPr>
-          <p:spPr>
-            <a:xfrm>
-              <a:off x="774665" y="388707"/>
+            <p:cNvPr id="55" name="tx55"/>
+            <p:cNvSpPr/>
+            <p:nvPr/>
+          </p:nvSpPr>
+          <p:spPr>
+            <a:xfrm>
+              <a:off x="774665" y="433616"/>
               <a:ext cx="758189" cy="115093"/>
             </a:xfrm>
             <a:prstGeom prst="rect">
@@ -6401,13 +5063,13 @@
         </p:sp>
         <p:sp>
           <p:nvSpPr>
-            <p:cNvPr id="94" name="pl94"/>
-            <p:cNvSpPr/>
-            <p:nvPr/>
-          </p:nvSpPr>
-          <p:spPr>
-            <a:xfrm>
-              <a:off x="1560691" y="1292231"/>
+            <p:cNvPr id="56" name="pl56"/>
+            <p:cNvSpPr/>
+            <p:nvPr/>
+          </p:nvSpPr>
+          <p:spPr>
+            <a:xfrm>
+              <a:off x="1560691" y="1636535"/>
               <a:ext cx="34794" cy="0"/>
             </a:xfrm>
             <a:custGeom>
@@ -6441,13 +5103,13 @@
         </p:sp>
         <p:sp>
           <p:nvSpPr>
-            <p:cNvPr id="95" name="pl95"/>
-            <p:cNvSpPr/>
-            <p:nvPr/>
-          </p:nvSpPr>
-          <p:spPr>
-            <a:xfrm>
-              <a:off x="1560691" y="1081670"/>
+            <p:cNvPr id="57" name="pl57"/>
+            <p:cNvSpPr/>
+            <p:nvPr/>
+          </p:nvSpPr>
+          <p:spPr>
+            <a:xfrm>
+              <a:off x="1560691" y="1351124"/>
               <a:ext cx="34794" cy="0"/>
             </a:xfrm>
             <a:custGeom>
@@ -6481,13 +5143,13 @@
         </p:sp>
         <p:sp>
           <p:nvSpPr>
-            <p:cNvPr id="96" name="pl96"/>
-            <p:cNvSpPr/>
-            <p:nvPr/>
-          </p:nvSpPr>
-          <p:spPr>
-            <a:xfrm>
-              <a:off x="1560691" y="871108"/>
+            <p:cNvPr id="58" name="pl58"/>
+            <p:cNvSpPr/>
+            <p:nvPr/>
+          </p:nvSpPr>
+          <p:spPr>
+            <a:xfrm>
+              <a:off x="1560691" y="1065714"/>
               <a:ext cx="34794" cy="0"/>
             </a:xfrm>
             <a:custGeom>
@@ -6521,13 +5183,13 @@
         </p:sp>
         <p:sp>
           <p:nvSpPr>
-            <p:cNvPr id="97" name="pl97"/>
-            <p:cNvSpPr/>
-            <p:nvPr/>
-          </p:nvSpPr>
-          <p:spPr>
-            <a:xfrm>
-              <a:off x="1560691" y="660546"/>
+            <p:cNvPr id="59" name="pl59"/>
+            <p:cNvSpPr/>
+            <p:nvPr/>
+          </p:nvSpPr>
+          <p:spPr>
+            <a:xfrm>
+              <a:off x="1560691" y="780304"/>
               <a:ext cx="34794" cy="0"/>
             </a:xfrm>
             <a:custGeom>
@@ -6561,13 +5223,13 @@
         </p:sp>
         <p:sp>
           <p:nvSpPr>
-            <p:cNvPr id="98" name="pl98"/>
-            <p:cNvSpPr/>
-            <p:nvPr/>
-          </p:nvSpPr>
-          <p:spPr>
-            <a:xfrm>
-              <a:off x="1560691" y="449984"/>
+            <p:cNvPr id="60" name="pl60"/>
+            <p:cNvSpPr/>
+            <p:nvPr/>
+          </p:nvSpPr>
+          <p:spPr>
+            <a:xfrm>
+              <a:off x="1560691" y="494893"/>
               <a:ext cx="34794" cy="0"/>
             </a:xfrm>
             <a:custGeom>
@@ -6601,21 +5263,21 @@
         </p:sp>
         <p:sp>
           <p:nvSpPr>
-            <p:cNvPr id="99" name="pl99"/>
-            <p:cNvSpPr/>
-            <p:nvPr/>
-          </p:nvSpPr>
-          <p:spPr>
-            <a:xfrm>
-              <a:off x="1595485" y="1742216"/>
-              <a:ext cx="0" cy="1094921"/>
+            <p:cNvPr id="61" name="pl61"/>
+            <p:cNvSpPr/>
+            <p:nvPr/>
+          </p:nvSpPr>
+          <p:spPr>
+            <a:xfrm>
+              <a:off x="1595485" y="2131429"/>
+              <a:ext cx="0" cy="1484133"/>
             </a:xfrm>
             <a:custGeom>
               <a:avLst/>
               <a:pathLst>
-                <a:path w="0" h="1094921">
+                <a:path w="0" h="1484133">
                   <a:moveTo>
-                    <a:pt x="0" y="1094921"/>
+                    <a:pt x="0" y="1484133"/>
                   </a:moveTo>
                   <a:lnTo>
                     <a:pt x="0" y="0"/>
@@ -6641,13 +5303,13 @@
         </p:sp>
         <p:sp>
           <p:nvSpPr>
-            <p:cNvPr id="100" name="tx100"/>
-            <p:cNvSpPr/>
-            <p:nvPr/>
-          </p:nvSpPr>
-          <p:spPr>
-            <a:xfrm>
-              <a:off x="1009060" y="2616661"/>
+            <p:cNvPr id="62" name="tx62"/>
+            <p:cNvSpPr/>
+            <p:nvPr/>
+          </p:nvSpPr>
+          <p:spPr>
+            <a:xfrm>
+              <a:off x="1009060" y="3350177"/>
               <a:ext cx="523795" cy="147955"/>
             </a:xfrm>
             <a:prstGeom prst="rect">
@@ -6687,13 +5349,13 @@
         </p:sp>
         <p:sp>
           <p:nvSpPr>
-            <p:cNvPr id="101" name="tx101"/>
-            <p:cNvSpPr/>
-            <p:nvPr/>
-          </p:nvSpPr>
-          <p:spPr>
-            <a:xfrm>
-              <a:off x="882695" y="2406100"/>
+            <p:cNvPr id="63" name="tx63"/>
+            <p:cNvSpPr/>
+            <p:nvPr/>
+          </p:nvSpPr>
+          <p:spPr>
+            <a:xfrm>
+              <a:off x="882695" y="3064767"/>
               <a:ext cx="650160" cy="147955"/>
             </a:xfrm>
             <a:prstGeom prst="rect">
@@ -6733,13 +5395,13 @@
         </p:sp>
         <p:sp>
           <p:nvSpPr>
-            <p:cNvPr id="102" name="tx102"/>
-            <p:cNvSpPr/>
-            <p:nvPr/>
-          </p:nvSpPr>
-          <p:spPr>
-            <a:xfrm>
-              <a:off x="765140" y="2195855"/>
+            <p:cNvPr id="64" name="tx64"/>
+            <p:cNvSpPr/>
+            <p:nvPr/>
+          </p:nvSpPr>
+          <p:spPr>
+            <a:xfrm>
+              <a:off x="765140" y="2779674"/>
               <a:ext cx="767715" cy="147637"/>
             </a:xfrm>
             <a:prstGeom prst="rect">
@@ -6779,13 +5441,13 @@
         </p:sp>
         <p:sp>
           <p:nvSpPr>
-            <p:cNvPr id="103" name="tx103"/>
-            <p:cNvSpPr/>
-            <p:nvPr/>
-          </p:nvSpPr>
-          <p:spPr>
-            <a:xfrm>
-              <a:off x="282778" y="2017837"/>
+            <p:cNvPr id="65" name="tx65"/>
+            <p:cNvSpPr/>
+            <p:nvPr/>
+          </p:nvSpPr>
+          <p:spPr>
+            <a:xfrm>
+              <a:off x="282778" y="2526808"/>
               <a:ext cx="1250076" cy="115093"/>
             </a:xfrm>
             <a:prstGeom prst="rect">
@@ -6825,13 +5487,13 @@
         </p:sp>
         <p:sp>
           <p:nvSpPr>
-            <p:cNvPr id="104" name="tx104"/>
-            <p:cNvSpPr/>
-            <p:nvPr/>
-          </p:nvSpPr>
-          <p:spPr>
-            <a:xfrm>
-              <a:off x="774665" y="1807276"/>
+            <p:cNvPr id="66" name="tx66"/>
+            <p:cNvSpPr/>
+            <p:nvPr/>
+          </p:nvSpPr>
+          <p:spPr>
+            <a:xfrm>
+              <a:off x="774665" y="2241397"/>
               <a:ext cx="758189" cy="115093"/>
             </a:xfrm>
             <a:prstGeom prst="rect">
@@ -6871,13 +5533,13 @@
         </p:sp>
         <p:sp>
           <p:nvSpPr>
-            <p:cNvPr id="105" name="pl105"/>
-            <p:cNvSpPr/>
-            <p:nvPr/>
-          </p:nvSpPr>
-          <p:spPr>
-            <a:xfrm>
-              <a:off x="1560691" y="2710800"/>
+            <p:cNvPr id="67" name="pl67"/>
+            <p:cNvSpPr/>
+            <p:nvPr/>
+          </p:nvSpPr>
+          <p:spPr>
+            <a:xfrm>
+              <a:off x="1560691" y="3444316"/>
               <a:ext cx="34794" cy="0"/>
             </a:xfrm>
             <a:custGeom>
@@ -6911,13 +5573,13 @@
         </p:sp>
         <p:sp>
           <p:nvSpPr>
-            <p:cNvPr id="106" name="pl106"/>
-            <p:cNvSpPr/>
-            <p:nvPr/>
-          </p:nvSpPr>
-          <p:spPr>
-            <a:xfrm>
-              <a:off x="1560691" y="2500238"/>
+            <p:cNvPr id="68" name="pl68"/>
+            <p:cNvSpPr/>
+            <p:nvPr/>
+          </p:nvSpPr>
+          <p:spPr>
+            <a:xfrm>
+              <a:off x="1560691" y="3158906"/>
               <a:ext cx="34794" cy="0"/>
             </a:xfrm>
             <a:custGeom>
@@ -6951,13 +5613,13 @@
         </p:sp>
         <p:sp>
           <p:nvSpPr>
-            <p:cNvPr id="107" name="pl107"/>
-            <p:cNvSpPr/>
-            <p:nvPr/>
-          </p:nvSpPr>
-          <p:spPr>
-            <a:xfrm>
-              <a:off x="1560691" y="2289677"/>
+            <p:cNvPr id="69" name="pl69"/>
+            <p:cNvSpPr/>
+            <p:nvPr/>
+          </p:nvSpPr>
+          <p:spPr>
+            <a:xfrm>
+              <a:off x="1560691" y="2873495"/>
               <a:ext cx="34794" cy="0"/>
             </a:xfrm>
             <a:custGeom>
@@ -6991,13 +5653,13 @@
         </p:sp>
         <p:sp>
           <p:nvSpPr>
-            <p:cNvPr id="108" name="pl108"/>
-            <p:cNvSpPr/>
-            <p:nvPr/>
-          </p:nvSpPr>
-          <p:spPr>
-            <a:xfrm>
-              <a:off x="1560691" y="2079115"/>
+            <p:cNvPr id="70" name="pl70"/>
+            <p:cNvSpPr/>
+            <p:nvPr/>
+          </p:nvSpPr>
+          <p:spPr>
+            <a:xfrm>
+              <a:off x="1560691" y="2588085"/>
               <a:ext cx="34794" cy="0"/>
             </a:xfrm>
             <a:custGeom>
@@ -7031,13 +5693,13 @@
         </p:sp>
         <p:sp>
           <p:nvSpPr>
-            <p:cNvPr id="109" name="pl109"/>
-            <p:cNvSpPr/>
-            <p:nvPr/>
-          </p:nvSpPr>
-          <p:spPr>
-            <a:xfrm>
-              <a:off x="1560691" y="1868553"/>
+            <p:cNvPr id="71" name="pl71"/>
+            <p:cNvSpPr/>
+            <p:nvPr/>
+          </p:nvSpPr>
+          <p:spPr>
+            <a:xfrm>
+              <a:off x="1560691" y="2302675"/>
               <a:ext cx="34794" cy="0"/>
             </a:xfrm>
             <a:custGeom>
@@ -7071,1893 +5733,13 @@
         </p:sp>
         <p:sp>
           <p:nvSpPr>
-            <p:cNvPr id="110" name="pl110"/>
-            <p:cNvSpPr/>
-            <p:nvPr/>
-          </p:nvSpPr>
-          <p:spPr>
-            <a:xfrm>
-              <a:off x="1595485" y="3160785"/>
-              <a:ext cx="0" cy="1094921"/>
-            </a:xfrm>
-            <a:custGeom>
-              <a:avLst/>
-              <a:pathLst>
-                <a:path w="0" h="1094921">
-                  <a:moveTo>
-                    <a:pt x="0" y="1094921"/>
-                  </a:moveTo>
-                  <a:lnTo>
-                    <a:pt x="0" y="0"/>
-                  </a:lnTo>
-                </a:path>
-              </a:pathLst>
-            </a:custGeom>
-            <a:ln w="13550" cap="flat">
-              <a:solidFill>
-                <a:srgbClr val="000000">
-                  <a:alpha val="100000"/>
-                </a:srgbClr>
-              </a:solidFill>
-              <a:prstDash val="solid"/>
-              <a:round/>
-            </a:ln>
-          </p:spPr>
-          <p:txBody>
-            <a:bodyPr/>
-            <a:lstStyle/>
-            <a:p/>
-          </p:txBody>
-        </p:sp>
-        <p:sp>
-          <p:nvSpPr>
-            <p:cNvPr id="111" name="tx111"/>
-            <p:cNvSpPr/>
-            <p:nvPr/>
-          </p:nvSpPr>
-          <p:spPr>
-            <a:xfrm>
-              <a:off x="1009060" y="4035230"/>
-              <a:ext cx="523795" cy="147955"/>
-            </a:xfrm>
-            <a:prstGeom prst="rect">
-              <a:avLst/>
-            </a:prstGeom>
-            <a:noFill/>
-          </p:spPr>
-          <p:txBody>
-            <a:bodyPr lIns="0" rIns="0" tIns="0" bIns="0" anchorCtr="1" anchor="ctr" wrap="none"/>
-            <a:lstStyle/>
-            <a:p>
-              <a:pPr algn="l" marL="0" marR="0" indent="0">
-                <a:lnSpc>
-                  <a:spcPts val="1280"/>
-                </a:lnSpc>
-                <a:spcBef>
-                  <a:spcPts val="0"/>
-                </a:spcBef>
-                <a:spcAft>
-                  <a:spcPts val="0"/>
-                </a:spcAft>
-              </a:pPr>
-              <a:r>
-                <a:rPr sz="1280">
-                  <a:solidFill>
-                    <a:srgbClr val="4D4D4D">
-                      <a:alpha val="100000"/>
-                    </a:srgbClr>
-                  </a:solidFill>
-                  <a:latin typeface="Times New Roman"/>
-                  <a:cs typeface="Times New Roman"/>
-                </a:rPr>
-                <a:t>Fertility</a:t>
-              </a:r>
-            </a:p>
-          </p:txBody>
-        </p:sp>
-        <p:sp>
-          <p:nvSpPr>
-            <p:cNvPr id="112" name="tx112"/>
-            <p:cNvSpPr/>
-            <p:nvPr/>
-          </p:nvSpPr>
-          <p:spPr>
-            <a:xfrm>
-              <a:off x="882695" y="3824668"/>
-              <a:ext cx="650160" cy="147955"/>
-            </a:xfrm>
-            <a:prstGeom prst="rect">
-              <a:avLst/>
-            </a:prstGeom>
-            <a:noFill/>
-          </p:spPr>
-          <p:txBody>
-            <a:bodyPr lIns="0" rIns="0" tIns="0" bIns="0" anchorCtr="1" anchor="ctr" wrap="none"/>
-            <a:lstStyle/>
-            <a:p>
-              <a:pPr algn="l" marL="0" marR="0" indent="0">
-                <a:lnSpc>
-                  <a:spcPts val="1280"/>
-                </a:lnSpc>
-                <a:spcBef>
-                  <a:spcPts val="0"/>
-                </a:spcBef>
-                <a:spcAft>
-                  <a:spcPts val="0"/>
-                </a:spcAft>
-              </a:pPr>
-              <a:r>
-                <a:rPr sz="1280">
-                  <a:solidFill>
-                    <a:srgbClr val="4D4D4D">
-                      <a:alpha val="100000"/>
-                    </a:srgbClr>
-                  </a:solidFill>
-                  <a:latin typeface="Times New Roman"/>
-                  <a:cs typeface="Times New Roman"/>
-                </a:rPr>
-                <a:t>Fecundity</a:t>
-              </a:r>
-            </a:p>
-          </p:txBody>
-        </p:sp>
-        <p:sp>
-          <p:nvSpPr>
-            <p:cNvPr id="113" name="tx113"/>
-            <p:cNvSpPr/>
-            <p:nvPr/>
-          </p:nvSpPr>
-          <p:spPr>
-            <a:xfrm>
-              <a:off x="765140" y="3614424"/>
-              <a:ext cx="767715" cy="147637"/>
-            </a:xfrm>
-            <a:prstGeom prst="rect">
-              <a:avLst/>
-            </a:prstGeom>
-            <a:noFill/>
-          </p:spPr>
-          <p:txBody>
-            <a:bodyPr lIns="0" rIns="0" tIns="0" bIns="0" anchorCtr="1" anchor="ctr" wrap="none"/>
-            <a:lstStyle/>
-            <a:p>
-              <a:pPr algn="l" marL="0" marR="0" indent="0">
-                <a:lnSpc>
-                  <a:spcPts val="1280"/>
-                </a:lnSpc>
-                <a:spcBef>
-                  <a:spcPts val="0"/>
-                </a:spcBef>
-                <a:spcAft>
-                  <a:spcPts val="0"/>
-                </a:spcAft>
-              </a:pPr>
-              <a:r>
-                <a:rPr sz="1280">
-                  <a:solidFill>
-                    <a:srgbClr val="4D4D4D">
-                      <a:alpha val="100000"/>
-                    </a:srgbClr>
-                  </a:solidFill>
-                  <a:latin typeface="Times New Roman"/>
-                  <a:cs typeface="Times New Roman"/>
-                </a:rPr>
-                <a:t>Oviposition</a:t>
-              </a:r>
-            </a:p>
-          </p:txBody>
-        </p:sp>
-        <p:sp>
-          <p:nvSpPr>
-            <p:cNvPr id="114" name="tx114"/>
-            <p:cNvSpPr/>
-            <p:nvPr/>
-          </p:nvSpPr>
-          <p:spPr>
-            <a:xfrm>
-              <a:off x="282778" y="3436406"/>
-              <a:ext cx="1250076" cy="115093"/>
-            </a:xfrm>
-            <a:prstGeom prst="rect">
-              <a:avLst/>
-            </a:prstGeom>
-            <a:noFill/>
-          </p:spPr>
-          <p:txBody>
-            <a:bodyPr lIns="0" rIns="0" tIns="0" bIns="0" anchorCtr="1" anchor="ctr" wrap="none"/>
-            <a:lstStyle/>
-            <a:p>
-              <a:pPr algn="l" marL="0" marR="0" indent="0">
-                <a:lnSpc>
-                  <a:spcPts val="1280"/>
-                </a:lnSpc>
-                <a:spcBef>
-                  <a:spcPts val="0"/>
-                </a:spcBef>
-                <a:spcAft>
-                  <a:spcPts val="0"/>
-                </a:spcAft>
-              </a:pPr>
-              <a:r>
-                <a:rPr sz="1280">
-                  <a:solidFill>
-                    <a:srgbClr val="4D4D4D">
-                      <a:alpha val="100000"/>
-                    </a:srgbClr>
-                  </a:solidFill>
-                  <a:latin typeface="Times New Roman"/>
-                  <a:cs typeface="Times New Roman"/>
-                </a:rPr>
-                <a:t>Mechanical.Tactile</a:t>
-              </a:r>
-            </a:p>
-          </p:txBody>
-        </p:sp>
-        <p:sp>
-          <p:nvSpPr>
-            <p:cNvPr id="115" name="tx115"/>
-            <p:cNvSpPr/>
-            <p:nvPr/>
-          </p:nvSpPr>
-          <p:spPr>
-            <a:xfrm>
-              <a:off x="774665" y="3225844"/>
-              <a:ext cx="758189" cy="115093"/>
-            </a:xfrm>
-            <a:prstGeom prst="rect">
-              <a:avLst/>
-            </a:prstGeom>
-            <a:noFill/>
-          </p:spPr>
-          <p:txBody>
-            <a:bodyPr lIns="0" rIns="0" tIns="0" bIns="0" anchorCtr="1" anchor="ctr" wrap="none"/>
-            <a:lstStyle/>
-            <a:p>
-              <a:pPr algn="l" marL="0" marR="0" indent="0">
-                <a:lnSpc>
-                  <a:spcPts val="1280"/>
-                </a:lnSpc>
-                <a:spcBef>
-                  <a:spcPts val="0"/>
-                </a:spcBef>
-                <a:spcAft>
-                  <a:spcPts val="0"/>
-                </a:spcAft>
-              </a:pPr>
-              <a:r>
-                <a:rPr sz="1280">
-                  <a:solidFill>
-                    <a:srgbClr val="4D4D4D">
-                      <a:alpha val="100000"/>
-                    </a:srgbClr>
-                  </a:solidFill>
-                  <a:latin typeface="Times New Roman"/>
-                  <a:cs typeface="Times New Roman"/>
-                </a:rPr>
-                <a:t>Mechanical</a:t>
-              </a:r>
-            </a:p>
-          </p:txBody>
-        </p:sp>
-        <p:sp>
-          <p:nvSpPr>
-            <p:cNvPr id="116" name="pl116"/>
-            <p:cNvSpPr/>
-            <p:nvPr/>
-          </p:nvSpPr>
-          <p:spPr>
-            <a:xfrm>
-              <a:off x="1560691" y="4129369"/>
-              <a:ext cx="34794" cy="0"/>
-            </a:xfrm>
-            <a:custGeom>
-              <a:avLst/>
-              <a:pathLst>
-                <a:path w="34794" h="0">
-                  <a:moveTo>
-                    <a:pt x="0" y="0"/>
-                  </a:moveTo>
-                  <a:lnTo>
-                    <a:pt x="34794" y="0"/>
-                  </a:lnTo>
-                </a:path>
-              </a:pathLst>
-            </a:custGeom>
-            <a:ln w="13550" cap="flat">
-              <a:solidFill>
-                <a:srgbClr val="333333">
-                  <a:alpha val="100000"/>
-                </a:srgbClr>
-              </a:solidFill>
-              <a:prstDash val="solid"/>
-              <a:round/>
-            </a:ln>
-          </p:spPr>
-          <p:txBody>
-            <a:bodyPr/>
-            <a:lstStyle/>
-            <a:p/>
-          </p:txBody>
-        </p:sp>
-        <p:sp>
-          <p:nvSpPr>
-            <p:cNvPr id="117" name="pl117"/>
-            <p:cNvSpPr/>
-            <p:nvPr/>
-          </p:nvSpPr>
-          <p:spPr>
-            <a:xfrm>
-              <a:off x="1560691" y="3918807"/>
-              <a:ext cx="34794" cy="0"/>
-            </a:xfrm>
-            <a:custGeom>
-              <a:avLst/>
-              <a:pathLst>
-                <a:path w="34794" h="0">
-                  <a:moveTo>
-                    <a:pt x="0" y="0"/>
-                  </a:moveTo>
-                  <a:lnTo>
-                    <a:pt x="34794" y="0"/>
-                  </a:lnTo>
-                </a:path>
-              </a:pathLst>
-            </a:custGeom>
-            <a:ln w="13550" cap="flat">
-              <a:solidFill>
-                <a:srgbClr val="333333">
-                  <a:alpha val="100000"/>
-                </a:srgbClr>
-              </a:solidFill>
-              <a:prstDash val="solid"/>
-              <a:round/>
-            </a:ln>
-          </p:spPr>
-          <p:txBody>
-            <a:bodyPr/>
-            <a:lstStyle/>
-            <a:p/>
-          </p:txBody>
-        </p:sp>
-        <p:sp>
-          <p:nvSpPr>
-            <p:cNvPr id="118" name="pl118"/>
-            <p:cNvSpPr/>
-            <p:nvPr/>
-          </p:nvSpPr>
-          <p:spPr>
-            <a:xfrm>
-              <a:off x="1560691" y="3708245"/>
-              <a:ext cx="34794" cy="0"/>
-            </a:xfrm>
-            <a:custGeom>
-              <a:avLst/>
-              <a:pathLst>
-                <a:path w="34794" h="0">
-                  <a:moveTo>
-                    <a:pt x="0" y="0"/>
-                  </a:moveTo>
-                  <a:lnTo>
-                    <a:pt x="34794" y="0"/>
-                  </a:lnTo>
-                </a:path>
-              </a:pathLst>
-            </a:custGeom>
-            <a:ln w="13550" cap="flat">
-              <a:solidFill>
-                <a:srgbClr val="333333">
-                  <a:alpha val="100000"/>
-                </a:srgbClr>
-              </a:solidFill>
-              <a:prstDash val="solid"/>
-              <a:round/>
-            </a:ln>
-          </p:spPr>
-          <p:txBody>
-            <a:bodyPr/>
-            <a:lstStyle/>
-            <a:p/>
-          </p:txBody>
-        </p:sp>
-        <p:sp>
-          <p:nvSpPr>
-            <p:cNvPr id="119" name="pl119"/>
-            <p:cNvSpPr/>
-            <p:nvPr/>
-          </p:nvSpPr>
-          <p:spPr>
-            <a:xfrm>
-              <a:off x="1560691" y="3497684"/>
-              <a:ext cx="34794" cy="0"/>
-            </a:xfrm>
-            <a:custGeom>
-              <a:avLst/>
-              <a:pathLst>
-                <a:path w="34794" h="0">
-                  <a:moveTo>
-                    <a:pt x="0" y="0"/>
-                  </a:moveTo>
-                  <a:lnTo>
-                    <a:pt x="34794" y="0"/>
-                  </a:lnTo>
-                </a:path>
-              </a:pathLst>
-            </a:custGeom>
-            <a:ln w="13550" cap="flat">
-              <a:solidFill>
-                <a:srgbClr val="333333">
-                  <a:alpha val="100000"/>
-                </a:srgbClr>
-              </a:solidFill>
-              <a:prstDash val="solid"/>
-              <a:round/>
-            </a:ln>
-          </p:spPr>
-          <p:txBody>
-            <a:bodyPr/>
-            <a:lstStyle/>
-            <a:p/>
-          </p:txBody>
-        </p:sp>
-        <p:sp>
-          <p:nvSpPr>
-            <p:cNvPr id="120" name="pl120"/>
-            <p:cNvSpPr/>
-            <p:nvPr/>
-          </p:nvSpPr>
-          <p:spPr>
-            <a:xfrm>
-              <a:off x="1560691" y="3287122"/>
-              <a:ext cx="34794" cy="0"/>
-            </a:xfrm>
-            <a:custGeom>
-              <a:avLst/>
-              <a:pathLst>
-                <a:path w="34794" h="0">
-                  <a:moveTo>
-                    <a:pt x="0" y="0"/>
-                  </a:moveTo>
-                  <a:lnTo>
-                    <a:pt x="34794" y="0"/>
-                  </a:lnTo>
-                </a:path>
-              </a:pathLst>
-            </a:custGeom>
-            <a:ln w="13550" cap="flat">
-              <a:solidFill>
-                <a:srgbClr val="333333">
-                  <a:alpha val="100000"/>
-                </a:srgbClr>
-              </a:solidFill>
-              <a:prstDash val="solid"/>
-              <a:round/>
-            </a:ln>
-          </p:spPr>
-          <p:txBody>
-            <a:bodyPr/>
-            <a:lstStyle/>
-            <a:p/>
-          </p:txBody>
-        </p:sp>
-        <p:sp>
-          <p:nvSpPr>
-            <p:cNvPr id="121" name="pl121"/>
-            <p:cNvSpPr/>
-            <p:nvPr/>
-          </p:nvSpPr>
-          <p:spPr>
-            <a:xfrm>
-              <a:off x="1595485" y="4579354"/>
-              <a:ext cx="0" cy="1094921"/>
-            </a:xfrm>
-            <a:custGeom>
-              <a:avLst/>
-              <a:pathLst>
-                <a:path w="0" h="1094921">
-                  <a:moveTo>
-                    <a:pt x="0" y="1094921"/>
-                  </a:moveTo>
-                  <a:lnTo>
-                    <a:pt x="0" y="0"/>
-                  </a:lnTo>
-                </a:path>
-              </a:pathLst>
-            </a:custGeom>
-            <a:ln w="13550" cap="flat">
-              <a:solidFill>
-                <a:srgbClr val="000000">
-                  <a:alpha val="100000"/>
-                </a:srgbClr>
-              </a:solidFill>
-              <a:prstDash val="solid"/>
-              <a:round/>
-            </a:ln>
-          </p:spPr>
-          <p:txBody>
-            <a:bodyPr/>
-            <a:lstStyle/>
-            <a:p/>
-          </p:txBody>
-        </p:sp>
-        <p:sp>
-          <p:nvSpPr>
-            <p:cNvPr id="122" name="tx122"/>
-            <p:cNvSpPr/>
-            <p:nvPr/>
-          </p:nvSpPr>
-          <p:spPr>
-            <a:xfrm>
-              <a:off x="1009060" y="5453799"/>
-              <a:ext cx="523795" cy="147955"/>
-            </a:xfrm>
-            <a:prstGeom prst="rect">
-              <a:avLst/>
-            </a:prstGeom>
-            <a:noFill/>
-          </p:spPr>
-          <p:txBody>
-            <a:bodyPr lIns="0" rIns="0" tIns="0" bIns="0" anchorCtr="1" anchor="ctr" wrap="none"/>
-            <a:lstStyle/>
-            <a:p>
-              <a:pPr algn="l" marL="0" marR="0" indent="0">
-                <a:lnSpc>
-                  <a:spcPts val="1280"/>
-                </a:lnSpc>
-                <a:spcBef>
-                  <a:spcPts val="0"/>
-                </a:spcBef>
-                <a:spcAft>
-                  <a:spcPts val="0"/>
-                </a:spcAft>
-              </a:pPr>
-              <a:r>
-                <a:rPr sz="1280">
-                  <a:solidFill>
-                    <a:srgbClr val="4D4D4D">
-                      <a:alpha val="100000"/>
-                    </a:srgbClr>
-                  </a:solidFill>
-                  <a:latin typeface="Times New Roman"/>
-                  <a:cs typeface="Times New Roman"/>
-                </a:rPr>
-                <a:t>Fertility</a:t>
-              </a:r>
-            </a:p>
-          </p:txBody>
-        </p:sp>
-        <p:sp>
-          <p:nvSpPr>
-            <p:cNvPr id="123" name="tx123"/>
-            <p:cNvSpPr/>
-            <p:nvPr/>
-          </p:nvSpPr>
-          <p:spPr>
-            <a:xfrm>
-              <a:off x="882695" y="5243237"/>
-              <a:ext cx="650160" cy="147955"/>
-            </a:xfrm>
-            <a:prstGeom prst="rect">
-              <a:avLst/>
-            </a:prstGeom>
-            <a:noFill/>
-          </p:spPr>
-          <p:txBody>
-            <a:bodyPr lIns="0" rIns="0" tIns="0" bIns="0" anchorCtr="1" anchor="ctr" wrap="none"/>
-            <a:lstStyle/>
-            <a:p>
-              <a:pPr algn="l" marL="0" marR="0" indent="0">
-                <a:lnSpc>
-                  <a:spcPts val="1280"/>
-                </a:lnSpc>
-                <a:spcBef>
-                  <a:spcPts val="0"/>
-                </a:spcBef>
-                <a:spcAft>
-                  <a:spcPts val="0"/>
-                </a:spcAft>
-              </a:pPr>
-              <a:r>
-                <a:rPr sz="1280">
-                  <a:solidFill>
-                    <a:srgbClr val="4D4D4D">
-                      <a:alpha val="100000"/>
-                    </a:srgbClr>
-                  </a:solidFill>
-                  <a:latin typeface="Times New Roman"/>
-                  <a:cs typeface="Times New Roman"/>
-                </a:rPr>
-                <a:t>Fecundity</a:t>
-              </a:r>
-            </a:p>
-          </p:txBody>
-        </p:sp>
-        <p:sp>
-          <p:nvSpPr>
-            <p:cNvPr id="124" name="tx124"/>
-            <p:cNvSpPr/>
-            <p:nvPr/>
-          </p:nvSpPr>
-          <p:spPr>
-            <a:xfrm>
-              <a:off x="765140" y="5032993"/>
-              <a:ext cx="767715" cy="147637"/>
-            </a:xfrm>
-            <a:prstGeom prst="rect">
-              <a:avLst/>
-            </a:prstGeom>
-            <a:noFill/>
-          </p:spPr>
-          <p:txBody>
-            <a:bodyPr lIns="0" rIns="0" tIns="0" bIns="0" anchorCtr="1" anchor="ctr" wrap="none"/>
-            <a:lstStyle/>
-            <a:p>
-              <a:pPr algn="l" marL="0" marR="0" indent="0">
-                <a:lnSpc>
-                  <a:spcPts val="1280"/>
-                </a:lnSpc>
-                <a:spcBef>
-                  <a:spcPts val="0"/>
-                </a:spcBef>
-                <a:spcAft>
-                  <a:spcPts val="0"/>
-                </a:spcAft>
-              </a:pPr>
-              <a:r>
-                <a:rPr sz="1280">
-                  <a:solidFill>
-                    <a:srgbClr val="4D4D4D">
-                      <a:alpha val="100000"/>
-                    </a:srgbClr>
-                  </a:solidFill>
-                  <a:latin typeface="Times New Roman"/>
-                  <a:cs typeface="Times New Roman"/>
-                </a:rPr>
-                <a:t>Oviposition</a:t>
-              </a:r>
-            </a:p>
-          </p:txBody>
-        </p:sp>
-        <p:sp>
-          <p:nvSpPr>
-            <p:cNvPr id="125" name="tx125"/>
-            <p:cNvSpPr/>
-            <p:nvPr/>
-          </p:nvSpPr>
-          <p:spPr>
-            <a:xfrm>
-              <a:off x="282778" y="4854975"/>
-              <a:ext cx="1250076" cy="115093"/>
-            </a:xfrm>
-            <a:prstGeom prst="rect">
-              <a:avLst/>
-            </a:prstGeom>
-            <a:noFill/>
-          </p:spPr>
-          <p:txBody>
-            <a:bodyPr lIns="0" rIns="0" tIns="0" bIns="0" anchorCtr="1" anchor="ctr" wrap="none"/>
-            <a:lstStyle/>
-            <a:p>
-              <a:pPr algn="l" marL="0" marR="0" indent="0">
-                <a:lnSpc>
-                  <a:spcPts val="1280"/>
-                </a:lnSpc>
-                <a:spcBef>
-                  <a:spcPts val="0"/>
-                </a:spcBef>
-                <a:spcAft>
-                  <a:spcPts val="0"/>
-                </a:spcAft>
-              </a:pPr>
-              <a:r>
-                <a:rPr sz="1280">
-                  <a:solidFill>
-                    <a:srgbClr val="4D4D4D">
-                      <a:alpha val="100000"/>
-                    </a:srgbClr>
-                  </a:solidFill>
-                  <a:latin typeface="Times New Roman"/>
-                  <a:cs typeface="Times New Roman"/>
-                </a:rPr>
-                <a:t>Mechanical.Tactile</a:t>
-              </a:r>
-            </a:p>
-          </p:txBody>
-        </p:sp>
-        <p:sp>
-          <p:nvSpPr>
-            <p:cNvPr id="126" name="tx126"/>
-            <p:cNvSpPr/>
-            <p:nvPr/>
-          </p:nvSpPr>
-          <p:spPr>
-            <a:xfrm>
-              <a:off x="774665" y="4644413"/>
-              <a:ext cx="758189" cy="115093"/>
-            </a:xfrm>
-            <a:prstGeom prst="rect">
-              <a:avLst/>
-            </a:prstGeom>
-            <a:noFill/>
-          </p:spPr>
-          <p:txBody>
-            <a:bodyPr lIns="0" rIns="0" tIns="0" bIns="0" anchorCtr="1" anchor="ctr" wrap="none"/>
-            <a:lstStyle/>
-            <a:p>
-              <a:pPr algn="l" marL="0" marR="0" indent="0">
-                <a:lnSpc>
-                  <a:spcPts val="1280"/>
-                </a:lnSpc>
-                <a:spcBef>
-                  <a:spcPts val="0"/>
-                </a:spcBef>
-                <a:spcAft>
-                  <a:spcPts val="0"/>
-                </a:spcAft>
-              </a:pPr>
-              <a:r>
-                <a:rPr sz="1280">
-                  <a:solidFill>
-                    <a:srgbClr val="4D4D4D">
-                      <a:alpha val="100000"/>
-                    </a:srgbClr>
-                  </a:solidFill>
-                  <a:latin typeface="Times New Roman"/>
-                  <a:cs typeface="Times New Roman"/>
-                </a:rPr>
-                <a:t>Mechanical</a:t>
-              </a:r>
-            </a:p>
-          </p:txBody>
-        </p:sp>
-        <p:sp>
-          <p:nvSpPr>
-            <p:cNvPr id="127" name="pl127"/>
-            <p:cNvSpPr/>
-            <p:nvPr/>
-          </p:nvSpPr>
-          <p:spPr>
-            <a:xfrm>
-              <a:off x="1560691" y="5547938"/>
-              <a:ext cx="34794" cy="0"/>
-            </a:xfrm>
-            <a:custGeom>
-              <a:avLst/>
-              <a:pathLst>
-                <a:path w="34794" h="0">
-                  <a:moveTo>
-                    <a:pt x="0" y="0"/>
-                  </a:moveTo>
-                  <a:lnTo>
-                    <a:pt x="34794" y="0"/>
-                  </a:lnTo>
-                </a:path>
-              </a:pathLst>
-            </a:custGeom>
-            <a:ln w="13550" cap="flat">
-              <a:solidFill>
-                <a:srgbClr val="333333">
-                  <a:alpha val="100000"/>
-                </a:srgbClr>
-              </a:solidFill>
-              <a:prstDash val="solid"/>
-              <a:round/>
-            </a:ln>
-          </p:spPr>
-          <p:txBody>
-            <a:bodyPr/>
-            <a:lstStyle/>
-            <a:p/>
-          </p:txBody>
-        </p:sp>
-        <p:sp>
-          <p:nvSpPr>
-            <p:cNvPr id="128" name="pl128"/>
-            <p:cNvSpPr/>
-            <p:nvPr/>
-          </p:nvSpPr>
-          <p:spPr>
-            <a:xfrm>
-              <a:off x="1560691" y="5337376"/>
-              <a:ext cx="34794" cy="0"/>
-            </a:xfrm>
-            <a:custGeom>
-              <a:avLst/>
-              <a:pathLst>
-                <a:path w="34794" h="0">
-                  <a:moveTo>
-                    <a:pt x="0" y="0"/>
-                  </a:moveTo>
-                  <a:lnTo>
-                    <a:pt x="34794" y="0"/>
-                  </a:lnTo>
-                </a:path>
-              </a:pathLst>
-            </a:custGeom>
-            <a:ln w="13550" cap="flat">
-              <a:solidFill>
-                <a:srgbClr val="333333">
-                  <a:alpha val="100000"/>
-                </a:srgbClr>
-              </a:solidFill>
-              <a:prstDash val="solid"/>
-              <a:round/>
-            </a:ln>
-          </p:spPr>
-          <p:txBody>
-            <a:bodyPr/>
-            <a:lstStyle/>
-            <a:p/>
-          </p:txBody>
-        </p:sp>
-        <p:sp>
-          <p:nvSpPr>
-            <p:cNvPr id="129" name="pl129"/>
-            <p:cNvSpPr/>
-            <p:nvPr/>
-          </p:nvSpPr>
-          <p:spPr>
-            <a:xfrm>
-              <a:off x="1560691" y="5126814"/>
-              <a:ext cx="34794" cy="0"/>
-            </a:xfrm>
-            <a:custGeom>
-              <a:avLst/>
-              <a:pathLst>
-                <a:path w="34794" h="0">
-                  <a:moveTo>
-                    <a:pt x="0" y="0"/>
-                  </a:moveTo>
-                  <a:lnTo>
-                    <a:pt x="34794" y="0"/>
-                  </a:lnTo>
-                </a:path>
-              </a:pathLst>
-            </a:custGeom>
-            <a:ln w="13550" cap="flat">
-              <a:solidFill>
-                <a:srgbClr val="333333">
-                  <a:alpha val="100000"/>
-                </a:srgbClr>
-              </a:solidFill>
-              <a:prstDash val="solid"/>
-              <a:round/>
-            </a:ln>
-          </p:spPr>
-          <p:txBody>
-            <a:bodyPr/>
-            <a:lstStyle/>
-            <a:p/>
-          </p:txBody>
-        </p:sp>
-        <p:sp>
-          <p:nvSpPr>
-            <p:cNvPr id="130" name="pl130"/>
-            <p:cNvSpPr/>
-            <p:nvPr/>
-          </p:nvSpPr>
-          <p:spPr>
-            <a:xfrm>
-              <a:off x="1560691" y="4916252"/>
-              <a:ext cx="34794" cy="0"/>
-            </a:xfrm>
-            <a:custGeom>
-              <a:avLst/>
-              <a:pathLst>
-                <a:path w="34794" h="0">
-                  <a:moveTo>
-                    <a:pt x="0" y="0"/>
-                  </a:moveTo>
-                  <a:lnTo>
-                    <a:pt x="34794" y="0"/>
-                  </a:lnTo>
-                </a:path>
-              </a:pathLst>
-            </a:custGeom>
-            <a:ln w="13550" cap="flat">
-              <a:solidFill>
-                <a:srgbClr val="333333">
-                  <a:alpha val="100000"/>
-                </a:srgbClr>
-              </a:solidFill>
-              <a:prstDash val="solid"/>
-              <a:round/>
-            </a:ln>
-          </p:spPr>
-          <p:txBody>
-            <a:bodyPr/>
-            <a:lstStyle/>
-            <a:p/>
-          </p:txBody>
-        </p:sp>
-        <p:sp>
-          <p:nvSpPr>
-            <p:cNvPr id="131" name="pl131"/>
-            <p:cNvSpPr/>
-            <p:nvPr/>
-          </p:nvSpPr>
-          <p:spPr>
-            <a:xfrm>
-              <a:off x="1560691" y="4705691"/>
-              <a:ext cx="34794" cy="0"/>
-            </a:xfrm>
-            <a:custGeom>
-              <a:avLst/>
-              <a:pathLst>
-                <a:path w="34794" h="0">
-                  <a:moveTo>
-                    <a:pt x="0" y="0"/>
-                  </a:moveTo>
-                  <a:lnTo>
-                    <a:pt x="34794" y="0"/>
-                  </a:lnTo>
-                </a:path>
-              </a:pathLst>
-            </a:custGeom>
-            <a:ln w="13550" cap="flat">
-              <a:solidFill>
-                <a:srgbClr val="333333">
-                  <a:alpha val="100000"/>
-                </a:srgbClr>
-              </a:solidFill>
-              <a:prstDash val="solid"/>
-              <a:round/>
-            </a:ln>
-          </p:spPr>
-          <p:txBody>
-            <a:bodyPr/>
-            <a:lstStyle/>
-            <a:p/>
-          </p:txBody>
-        </p:sp>
-        <p:sp>
-          <p:nvSpPr>
-            <p:cNvPr id="132" name="pl132"/>
-            <p:cNvSpPr/>
-            <p:nvPr/>
-          </p:nvSpPr>
-          <p:spPr>
-            <a:xfrm>
-              <a:off x="1595485" y="5997922"/>
-              <a:ext cx="0" cy="1094921"/>
-            </a:xfrm>
-            <a:custGeom>
-              <a:avLst/>
-              <a:pathLst>
-                <a:path w="0" h="1094921">
-                  <a:moveTo>
-                    <a:pt x="0" y="1094921"/>
-                  </a:moveTo>
-                  <a:lnTo>
-                    <a:pt x="0" y="0"/>
-                  </a:lnTo>
-                </a:path>
-              </a:pathLst>
-            </a:custGeom>
-            <a:ln w="13550" cap="flat">
-              <a:solidFill>
-                <a:srgbClr val="000000">
-                  <a:alpha val="100000"/>
-                </a:srgbClr>
-              </a:solidFill>
-              <a:prstDash val="solid"/>
-              <a:round/>
-            </a:ln>
-          </p:spPr>
-          <p:txBody>
-            <a:bodyPr/>
-            <a:lstStyle/>
-            <a:p/>
-          </p:txBody>
-        </p:sp>
-        <p:sp>
-          <p:nvSpPr>
-            <p:cNvPr id="133" name="tx133"/>
-            <p:cNvSpPr/>
-            <p:nvPr/>
-          </p:nvSpPr>
-          <p:spPr>
-            <a:xfrm>
-              <a:off x="1009060" y="6872368"/>
-              <a:ext cx="523795" cy="147955"/>
-            </a:xfrm>
-            <a:prstGeom prst="rect">
-              <a:avLst/>
-            </a:prstGeom>
-            <a:noFill/>
-          </p:spPr>
-          <p:txBody>
-            <a:bodyPr lIns="0" rIns="0" tIns="0" bIns="0" anchorCtr="1" anchor="ctr" wrap="none"/>
-            <a:lstStyle/>
-            <a:p>
-              <a:pPr algn="l" marL="0" marR="0" indent="0">
-                <a:lnSpc>
-                  <a:spcPts val="1280"/>
-                </a:lnSpc>
-                <a:spcBef>
-                  <a:spcPts val="0"/>
-                </a:spcBef>
-                <a:spcAft>
-                  <a:spcPts val="0"/>
-                </a:spcAft>
-              </a:pPr>
-              <a:r>
-                <a:rPr sz="1280">
-                  <a:solidFill>
-                    <a:srgbClr val="4D4D4D">
-                      <a:alpha val="100000"/>
-                    </a:srgbClr>
-                  </a:solidFill>
-                  <a:latin typeface="Times New Roman"/>
-                  <a:cs typeface="Times New Roman"/>
-                </a:rPr>
-                <a:t>Fertility</a:t>
-              </a:r>
-            </a:p>
-          </p:txBody>
-        </p:sp>
-        <p:sp>
-          <p:nvSpPr>
-            <p:cNvPr id="134" name="tx134"/>
-            <p:cNvSpPr/>
-            <p:nvPr/>
-          </p:nvSpPr>
-          <p:spPr>
-            <a:xfrm>
-              <a:off x="882695" y="6661806"/>
-              <a:ext cx="650160" cy="147955"/>
-            </a:xfrm>
-            <a:prstGeom prst="rect">
-              <a:avLst/>
-            </a:prstGeom>
-            <a:noFill/>
-          </p:spPr>
-          <p:txBody>
-            <a:bodyPr lIns="0" rIns="0" tIns="0" bIns="0" anchorCtr="1" anchor="ctr" wrap="none"/>
-            <a:lstStyle/>
-            <a:p>
-              <a:pPr algn="l" marL="0" marR="0" indent="0">
-                <a:lnSpc>
-                  <a:spcPts val="1280"/>
-                </a:lnSpc>
-                <a:spcBef>
-                  <a:spcPts val="0"/>
-                </a:spcBef>
-                <a:spcAft>
-                  <a:spcPts val="0"/>
-                </a:spcAft>
-              </a:pPr>
-              <a:r>
-                <a:rPr sz="1280">
-                  <a:solidFill>
-                    <a:srgbClr val="4D4D4D">
-                      <a:alpha val="100000"/>
-                    </a:srgbClr>
-                  </a:solidFill>
-                  <a:latin typeface="Times New Roman"/>
-                  <a:cs typeface="Times New Roman"/>
-                </a:rPr>
-                <a:t>Fecundity</a:t>
-              </a:r>
-            </a:p>
-          </p:txBody>
-        </p:sp>
-        <p:sp>
-          <p:nvSpPr>
-            <p:cNvPr id="135" name="tx135"/>
-            <p:cNvSpPr/>
-            <p:nvPr/>
-          </p:nvSpPr>
-          <p:spPr>
-            <a:xfrm>
-              <a:off x="765140" y="6451562"/>
-              <a:ext cx="767715" cy="147637"/>
-            </a:xfrm>
-            <a:prstGeom prst="rect">
-              <a:avLst/>
-            </a:prstGeom>
-            <a:noFill/>
-          </p:spPr>
-          <p:txBody>
-            <a:bodyPr lIns="0" rIns="0" tIns="0" bIns="0" anchorCtr="1" anchor="ctr" wrap="none"/>
-            <a:lstStyle/>
-            <a:p>
-              <a:pPr algn="l" marL="0" marR="0" indent="0">
-                <a:lnSpc>
-                  <a:spcPts val="1280"/>
-                </a:lnSpc>
-                <a:spcBef>
-                  <a:spcPts val="0"/>
-                </a:spcBef>
-                <a:spcAft>
-                  <a:spcPts val="0"/>
-                </a:spcAft>
-              </a:pPr>
-              <a:r>
-                <a:rPr sz="1280">
-                  <a:solidFill>
-                    <a:srgbClr val="4D4D4D">
-                      <a:alpha val="100000"/>
-                    </a:srgbClr>
-                  </a:solidFill>
-                  <a:latin typeface="Times New Roman"/>
-                  <a:cs typeface="Times New Roman"/>
-                </a:rPr>
-                <a:t>Oviposition</a:t>
-              </a:r>
-            </a:p>
-          </p:txBody>
-        </p:sp>
-        <p:sp>
-          <p:nvSpPr>
-            <p:cNvPr id="136" name="tx136"/>
-            <p:cNvSpPr/>
-            <p:nvPr/>
-          </p:nvSpPr>
-          <p:spPr>
-            <a:xfrm>
-              <a:off x="282778" y="6273544"/>
-              <a:ext cx="1250076" cy="115093"/>
-            </a:xfrm>
-            <a:prstGeom prst="rect">
-              <a:avLst/>
-            </a:prstGeom>
-            <a:noFill/>
-          </p:spPr>
-          <p:txBody>
-            <a:bodyPr lIns="0" rIns="0" tIns="0" bIns="0" anchorCtr="1" anchor="ctr" wrap="none"/>
-            <a:lstStyle/>
-            <a:p>
-              <a:pPr algn="l" marL="0" marR="0" indent="0">
-                <a:lnSpc>
-                  <a:spcPts val="1280"/>
-                </a:lnSpc>
-                <a:spcBef>
-                  <a:spcPts val="0"/>
-                </a:spcBef>
-                <a:spcAft>
-                  <a:spcPts val="0"/>
-                </a:spcAft>
-              </a:pPr>
-              <a:r>
-                <a:rPr sz="1280">
-                  <a:solidFill>
-                    <a:srgbClr val="4D4D4D">
-                      <a:alpha val="100000"/>
-                    </a:srgbClr>
-                  </a:solidFill>
-                  <a:latin typeface="Times New Roman"/>
-                  <a:cs typeface="Times New Roman"/>
-                </a:rPr>
-                <a:t>Mechanical.Tactile</a:t>
-              </a:r>
-            </a:p>
-          </p:txBody>
-        </p:sp>
-        <p:sp>
-          <p:nvSpPr>
-            <p:cNvPr id="137" name="tx137"/>
-            <p:cNvSpPr/>
-            <p:nvPr/>
-          </p:nvSpPr>
-          <p:spPr>
-            <a:xfrm>
-              <a:off x="774665" y="6062982"/>
-              <a:ext cx="758189" cy="115093"/>
-            </a:xfrm>
-            <a:prstGeom prst="rect">
-              <a:avLst/>
-            </a:prstGeom>
-            <a:noFill/>
-          </p:spPr>
-          <p:txBody>
-            <a:bodyPr lIns="0" rIns="0" tIns="0" bIns="0" anchorCtr="1" anchor="ctr" wrap="none"/>
-            <a:lstStyle/>
-            <a:p>
-              <a:pPr algn="l" marL="0" marR="0" indent="0">
-                <a:lnSpc>
-                  <a:spcPts val="1280"/>
-                </a:lnSpc>
-                <a:spcBef>
-                  <a:spcPts val="0"/>
-                </a:spcBef>
-                <a:spcAft>
-                  <a:spcPts val="0"/>
-                </a:spcAft>
-              </a:pPr>
-              <a:r>
-                <a:rPr sz="1280">
-                  <a:solidFill>
-                    <a:srgbClr val="4D4D4D">
-                      <a:alpha val="100000"/>
-                    </a:srgbClr>
-                  </a:solidFill>
-                  <a:latin typeface="Times New Roman"/>
-                  <a:cs typeface="Times New Roman"/>
-                </a:rPr>
-                <a:t>Mechanical</a:t>
-              </a:r>
-            </a:p>
-          </p:txBody>
-        </p:sp>
-        <p:sp>
-          <p:nvSpPr>
-            <p:cNvPr id="138" name="pl138"/>
-            <p:cNvSpPr/>
-            <p:nvPr/>
-          </p:nvSpPr>
-          <p:spPr>
-            <a:xfrm>
-              <a:off x="1560691" y="6966506"/>
-              <a:ext cx="34794" cy="0"/>
-            </a:xfrm>
-            <a:custGeom>
-              <a:avLst/>
-              <a:pathLst>
-                <a:path w="34794" h="0">
-                  <a:moveTo>
-                    <a:pt x="0" y="0"/>
-                  </a:moveTo>
-                  <a:lnTo>
-                    <a:pt x="34794" y="0"/>
-                  </a:lnTo>
-                </a:path>
-              </a:pathLst>
-            </a:custGeom>
-            <a:ln w="13550" cap="flat">
-              <a:solidFill>
-                <a:srgbClr val="333333">
-                  <a:alpha val="100000"/>
-                </a:srgbClr>
-              </a:solidFill>
-              <a:prstDash val="solid"/>
-              <a:round/>
-            </a:ln>
-          </p:spPr>
-          <p:txBody>
-            <a:bodyPr/>
-            <a:lstStyle/>
-            <a:p/>
-          </p:txBody>
-        </p:sp>
-        <p:sp>
-          <p:nvSpPr>
-            <p:cNvPr id="139" name="pl139"/>
-            <p:cNvSpPr/>
-            <p:nvPr/>
-          </p:nvSpPr>
-          <p:spPr>
-            <a:xfrm>
-              <a:off x="1560691" y="6755945"/>
-              <a:ext cx="34794" cy="0"/>
-            </a:xfrm>
-            <a:custGeom>
-              <a:avLst/>
-              <a:pathLst>
-                <a:path w="34794" h="0">
-                  <a:moveTo>
-                    <a:pt x="0" y="0"/>
-                  </a:moveTo>
-                  <a:lnTo>
-                    <a:pt x="34794" y="0"/>
-                  </a:lnTo>
-                </a:path>
-              </a:pathLst>
-            </a:custGeom>
-            <a:ln w="13550" cap="flat">
-              <a:solidFill>
-                <a:srgbClr val="333333">
-                  <a:alpha val="100000"/>
-                </a:srgbClr>
-              </a:solidFill>
-              <a:prstDash val="solid"/>
-              <a:round/>
-            </a:ln>
-          </p:spPr>
-          <p:txBody>
-            <a:bodyPr/>
-            <a:lstStyle/>
-            <a:p/>
-          </p:txBody>
-        </p:sp>
-        <p:sp>
-          <p:nvSpPr>
-            <p:cNvPr id="140" name="pl140"/>
-            <p:cNvSpPr/>
-            <p:nvPr/>
-          </p:nvSpPr>
-          <p:spPr>
-            <a:xfrm>
-              <a:off x="1560691" y="6545383"/>
-              <a:ext cx="34794" cy="0"/>
-            </a:xfrm>
-            <a:custGeom>
-              <a:avLst/>
-              <a:pathLst>
-                <a:path w="34794" h="0">
-                  <a:moveTo>
-                    <a:pt x="0" y="0"/>
-                  </a:moveTo>
-                  <a:lnTo>
-                    <a:pt x="34794" y="0"/>
-                  </a:lnTo>
-                </a:path>
-              </a:pathLst>
-            </a:custGeom>
-            <a:ln w="13550" cap="flat">
-              <a:solidFill>
-                <a:srgbClr val="333333">
-                  <a:alpha val="100000"/>
-                </a:srgbClr>
-              </a:solidFill>
-              <a:prstDash val="solid"/>
-              <a:round/>
-            </a:ln>
-          </p:spPr>
-          <p:txBody>
-            <a:bodyPr/>
-            <a:lstStyle/>
-            <a:p/>
-          </p:txBody>
-        </p:sp>
-        <p:sp>
-          <p:nvSpPr>
-            <p:cNvPr id="141" name="pl141"/>
-            <p:cNvSpPr/>
-            <p:nvPr/>
-          </p:nvSpPr>
-          <p:spPr>
-            <a:xfrm>
-              <a:off x="1560691" y="6334821"/>
-              <a:ext cx="34794" cy="0"/>
-            </a:xfrm>
-            <a:custGeom>
-              <a:avLst/>
-              <a:pathLst>
-                <a:path w="34794" h="0">
-                  <a:moveTo>
-                    <a:pt x="0" y="0"/>
-                  </a:moveTo>
-                  <a:lnTo>
-                    <a:pt x="34794" y="0"/>
-                  </a:lnTo>
-                </a:path>
-              </a:pathLst>
-            </a:custGeom>
-            <a:ln w="13550" cap="flat">
-              <a:solidFill>
-                <a:srgbClr val="333333">
-                  <a:alpha val="100000"/>
-                </a:srgbClr>
-              </a:solidFill>
-              <a:prstDash val="solid"/>
-              <a:round/>
-            </a:ln>
-          </p:spPr>
-          <p:txBody>
-            <a:bodyPr/>
-            <a:lstStyle/>
-            <a:p/>
-          </p:txBody>
-        </p:sp>
-        <p:sp>
-          <p:nvSpPr>
-            <p:cNvPr id="142" name="pl142"/>
-            <p:cNvSpPr/>
-            <p:nvPr/>
-          </p:nvSpPr>
-          <p:spPr>
-            <a:xfrm>
-              <a:off x="1560691" y="6124259"/>
-              <a:ext cx="34794" cy="0"/>
-            </a:xfrm>
-            <a:custGeom>
-              <a:avLst/>
-              <a:pathLst>
-                <a:path w="34794" h="0">
-                  <a:moveTo>
-                    <a:pt x="0" y="0"/>
-                  </a:moveTo>
-                  <a:lnTo>
-                    <a:pt x="34794" y="0"/>
-                  </a:lnTo>
-                </a:path>
-              </a:pathLst>
-            </a:custGeom>
-            <a:ln w="13550" cap="flat">
-              <a:solidFill>
-                <a:srgbClr val="333333">
-                  <a:alpha val="100000"/>
-                </a:srgbClr>
-              </a:solidFill>
-              <a:prstDash val="solid"/>
-              <a:round/>
-            </a:ln>
-          </p:spPr>
-          <p:txBody>
-            <a:bodyPr/>
-            <a:lstStyle/>
-            <a:p/>
-          </p:txBody>
-        </p:sp>
-        <p:sp>
-          <p:nvSpPr>
-            <p:cNvPr id="143" name="pl143"/>
-            <p:cNvSpPr/>
-            <p:nvPr/>
-          </p:nvSpPr>
-          <p:spPr>
-            <a:xfrm>
-              <a:off x="1595485" y="7416491"/>
-              <a:ext cx="0" cy="1094921"/>
-            </a:xfrm>
-            <a:custGeom>
-              <a:avLst/>
-              <a:pathLst>
-                <a:path w="0" h="1094921">
-                  <a:moveTo>
-                    <a:pt x="0" y="1094921"/>
-                  </a:moveTo>
-                  <a:lnTo>
-                    <a:pt x="0" y="0"/>
-                  </a:lnTo>
-                </a:path>
-              </a:pathLst>
-            </a:custGeom>
-            <a:ln w="13550" cap="flat">
-              <a:solidFill>
-                <a:srgbClr val="000000">
-                  <a:alpha val="100000"/>
-                </a:srgbClr>
-              </a:solidFill>
-              <a:prstDash val="solid"/>
-              <a:round/>
-            </a:ln>
-          </p:spPr>
-          <p:txBody>
-            <a:bodyPr/>
-            <a:lstStyle/>
-            <a:p/>
-          </p:txBody>
-        </p:sp>
-        <p:sp>
-          <p:nvSpPr>
-            <p:cNvPr id="144" name="tx144"/>
-            <p:cNvSpPr/>
-            <p:nvPr/>
-          </p:nvSpPr>
-          <p:spPr>
-            <a:xfrm>
-              <a:off x="1009060" y="8290936"/>
-              <a:ext cx="523795" cy="147955"/>
-            </a:xfrm>
-            <a:prstGeom prst="rect">
-              <a:avLst/>
-            </a:prstGeom>
-            <a:noFill/>
-          </p:spPr>
-          <p:txBody>
-            <a:bodyPr lIns="0" rIns="0" tIns="0" bIns="0" anchorCtr="1" anchor="ctr" wrap="none"/>
-            <a:lstStyle/>
-            <a:p>
-              <a:pPr algn="l" marL="0" marR="0" indent="0">
-                <a:lnSpc>
-                  <a:spcPts val="1280"/>
-                </a:lnSpc>
-                <a:spcBef>
-                  <a:spcPts val="0"/>
-                </a:spcBef>
-                <a:spcAft>
-                  <a:spcPts val="0"/>
-                </a:spcAft>
-              </a:pPr>
-              <a:r>
-                <a:rPr sz="1280">
-                  <a:solidFill>
-                    <a:srgbClr val="4D4D4D">
-                      <a:alpha val="100000"/>
-                    </a:srgbClr>
-                  </a:solidFill>
-                  <a:latin typeface="Times New Roman"/>
-                  <a:cs typeface="Times New Roman"/>
-                </a:rPr>
-                <a:t>Fertility</a:t>
-              </a:r>
-            </a:p>
-          </p:txBody>
-        </p:sp>
-        <p:sp>
-          <p:nvSpPr>
-            <p:cNvPr id="145" name="tx145"/>
-            <p:cNvSpPr/>
-            <p:nvPr/>
-          </p:nvSpPr>
-          <p:spPr>
-            <a:xfrm>
-              <a:off x="882695" y="8080375"/>
-              <a:ext cx="650160" cy="147955"/>
-            </a:xfrm>
-            <a:prstGeom prst="rect">
-              <a:avLst/>
-            </a:prstGeom>
-            <a:noFill/>
-          </p:spPr>
-          <p:txBody>
-            <a:bodyPr lIns="0" rIns="0" tIns="0" bIns="0" anchorCtr="1" anchor="ctr" wrap="none"/>
-            <a:lstStyle/>
-            <a:p>
-              <a:pPr algn="l" marL="0" marR="0" indent="0">
-                <a:lnSpc>
-                  <a:spcPts val="1280"/>
-                </a:lnSpc>
-                <a:spcBef>
-                  <a:spcPts val="0"/>
-                </a:spcBef>
-                <a:spcAft>
-                  <a:spcPts val="0"/>
-                </a:spcAft>
-              </a:pPr>
-              <a:r>
-                <a:rPr sz="1280">
-                  <a:solidFill>
-                    <a:srgbClr val="4D4D4D">
-                      <a:alpha val="100000"/>
-                    </a:srgbClr>
-                  </a:solidFill>
-                  <a:latin typeface="Times New Roman"/>
-                  <a:cs typeface="Times New Roman"/>
-                </a:rPr>
-                <a:t>Fecundity</a:t>
-              </a:r>
-            </a:p>
-          </p:txBody>
-        </p:sp>
-        <p:sp>
-          <p:nvSpPr>
-            <p:cNvPr id="146" name="tx146"/>
-            <p:cNvSpPr/>
-            <p:nvPr/>
-          </p:nvSpPr>
-          <p:spPr>
-            <a:xfrm>
-              <a:off x="765140" y="7870130"/>
-              <a:ext cx="767715" cy="147637"/>
-            </a:xfrm>
-            <a:prstGeom prst="rect">
-              <a:avLst/>
-            </a:prstGeom>
-            <a:noFill/>
-          </p:spPr>
-          <p:txBody>
-            <a:bodyPr lIns="0" rIns="0" tIns="0" bIns="0" anchorCtr="1" anchor="ctr" wrap="none"/>
-            <a:lstStyle/>
-            <a:p>
-              <a:pPr algn="l" marL="0" marR="0" indent="0">
-                <a:lnSpc>
-                  <a:spcPts val="1280"/>
-                </a:lnSpc>
-                <a:spcBef>
-                  <a:spcPts val="0"/>
-                </a:spcBef>
-                <a:spcAft>
-                  <a:spcPts val="0"/>
-                </a:spcAft>
-              </a:pPr>
-              <a:r>
-                <a:rPr sz="1280">
-                  <a:solidFill>
-                    <a:srgbClr val="4D4D4D">
-                      <a:alpha val="100000"/>
-                    </a:srgbClr>
-                  </a:solidFill>
-                  <a:latin typeface="Times New Roman"/>
-                  <a:cs typeface="Times New Roman"/>
-                </a:rPr>
-                <a:t>Oviposition</a:t>
-              </a:r>
-            </a:p>
-          </p:txBody>
-        </p:sp>
-        <p:sp>
-          <p:nvSpPr>
-            <p:cNvPr id="147" name="tx147"/>
-            <p:cNvSpPr/>
-            <p:nvPr/>
-          </p:nvSpPr>
-          <p:spPr>
-            <a:xfrm>
-              <a:off x="282778" y="7692112"/>
-              <a:ext cx="1250076" cy="115093"/>
-            </a:xfrm>
-            <a:prstGeom prst="rect">
-              <a:avLst/>
-            </a:prstGeom>
-            <a:noFill/>
-          </p:spPr>
-          <p:txBody>
-            <a:bodyPr lIns="0" rIns="0" tIns="0" bIns="0" anchorCtr="1" anchor="ctr" wrap="none"/>
-            <a:lstStyle/>
-            <a:p>
-              <a:pPr algn="l" marL="0" marR="0" indent="0">
-                <a:lnSpc>
-                  <a:spcPts val="1280"/>
-                </a:lnSpc>
-                <a:spcBef>
-                  <a:spcPts val="0"/>
-                </a:spcBef>
-                <a:spcAft>
-                  <a:spcPts val="0"/>
-                </a:spcAft>
-              </a:pPr>
-              <a:r>
-                <a:rPr sz="1280">
-                  <a:solidFill>
-                    <a:srgbClr val="4D4D4D">
-                      <a:alpha val="100000"/>
-                    </a:srgbClr>
-                  </a:solidFill>
-                  <a:latin typeface="Times New Roman"/>
-                  <a:cs typeface="Times New Roman"/>
-                </a:rPr>
-                <a:t>Mechanical.Tactile</a:t>
-              </a:r>
-            </a:p>
-          </p:txBody>
-        </p:sp>
-        <p:sp>
-          <p:nvSpPr>
-            <p:cNvPr id="148" name="tx148"/>
-            <p:cNvSpPr/>
-            <p:nvPr/>
-          </p:nvSpPr>
-          <p:spPr>
-            <a:xfrm>
-              <a:off x="774665" y="7481551"/>
-              <a:ext cx="758189" cy="115093"/>
-            </a:xfrm>
-            <a:prstGeom prst="rect">
-              <a:avLst/>
-            </a:prstGeom>
-            <a:noFill/>
-          </p:spPr>
-          <p:txBody>
-            <a:bodyPr lIns="0" rIns="0" tIns="0" bIns="0" anchorCtr="1" anchor="ctr" wrap="none"/>
-            <a:lstStyle/>
-            <a:p>
-              <a:pPr algn="l" marL="0" marR="0" indent="0">
-                <a:lnSpc>
-                  <a:spcPts val="1280"/>
-                </a:lnSpc>
-                <a:spcBef>
-                  <a:spcPts val="0"/>
-                </a:spcBef>
-                <a:spcAft>
-                  <a:spcPts val="0"/>
-                </a:spcAft>
-              </a:pPr>
-              <a:r>
-                <a:rPr sz="1280">
-                  <a:solidFill>
-                    <a:srgbClr val="4D4D4D">
-                      <a:alpha val="100000"/>
-                    </a:srgbClr>
-                  </a:solidFill>
-                  <a:latin typeface="Times New Roman"/>
-                  <a:cs typeface="Times New Roman"/>
-                </a:rPr>
-                <a:t>Mechanical</a:t>
-              </a:r>
-            </a:p>
-          </p:txBody>
-        </p:sp>
-        <p:sp>
-          <p:nvSpPr>
-            <p:cNvPr id="149" name="pl149"/>
-            <p:cNvSpPr/>
-            <p:nvPr/>
-          </p:nvSpPr>
-          <p:spPr>
-            <a:xfrm>
-              <a:off x="1560691" y="8385075"/>
-              <a:ext cx="34794" cy="0"/>
-            </a:xfrm>
-            <a:custGeom>
-              <a:avLst/>
-              <a:pathLst>
-                <a:path w="34794" h="0">
-                  <a:moveTo>
-                    <a:pt x="0" y="0"/>
-                  </a:moveTo>
-                  <a:lnTo>
-                    <a:pt x="34794" y="0"/>
-                  </a:lnTo>
-                </a:path>
-              </a:pathLst>
-            </a:custGeom>
-            <a:ln w="13550" cap="flat">
-              <a:solidFill>
-                <a:srgbClr val="333333">
-                  <a:alpha val="100000"/>
-                </a:srgbClr>
-              </a:solidFill>
-              <a:prstDash val="solid"/>
-              <a:round/>
-            </a:ln>
-          </p:spPr>
-          <p:txBody>
-            <a:bodyPr/>
-            <a:lstStyle/>
-            <a:p/>
-          </p:txBody>
-        </p:sp>
-        <p:sp>
-          <p:nvSpPr>
-            <p:cNvPr id="150" name="pl150"/>
-            <p:cNvSpPr/>
-            <p:nvPr/>
-          </p:nvSpPr>
-          <p:spPr>
-            <a:xfrm>
-              <a:off x="1560691" y="8174513"/>
-              <a:ext cx="34794" cy="0"/>
-            </a:xfrm>
-            <a:custGeom>
-              <a:avLst/>
-              <a:pathLst>
-                <a:path w="34794" h="0">
-                  <a:moveTo>
-                    <a:pt x="0" y="0"/>
-                  </a:moveTo>
-                  <a:lnTo>
-                    <a:pt x="34794" y="0"/>
-                  </a:lnTo>
-                </a:path>
-              </a:pathLst>
-            </a:custGeom>
-            <a:ln w="13550" cap="flat">
-              <a:solidFill>
-                <a:srgbClr val="333333">
-                  <a:alpha val="100000"/>
-                </a:srgbClr>
-              </a:solidFill>
-              <a:prstDash val="solid"/>
-              <a:round/>
-            </a:ln>
-          </p:spPr>
-          <p:txBody>
-            <a:bodyPr/>
-            <a:lstStyle/>
-            <a:p/>
-          </p:txBody>
-        </p:sp>
-        <p:sp>
-          <p:nvSpPr>
-            <p:cNvPr id="151" name="pl151"/>
-            <p:cNvSpPr/>
-            <p:nvPr/>
-          </p:nvSpPr>
-          <p:spPr>
-            <a:xfrm>
-              <a:off x="1560691" y="7963952"/>
-              <a:ext cx="34794" cy="0"/>
-            </a:xfrm>
-            <a:custGeom>
-              <a:avLst/>
-              <a:pathLst>
-                <a:path w="34794" h="0">
-                  <a:moveTo>
-                    <a:pt x="0" y="0"/>
-                  </a:moveTo>
-                  <a:lnTo>
-                    <a:pt x="34794" y="0"/>
-                  </a:lnTo>
-                </a:path>
-              </a:pathLst>
-            </a:custGeom>
-            <a:ln w="13550" cap="flat">
-              <a:solidFill>
-                <a:srgbClr val="333333">
-                  <a:alpha val="100000"/>
-                </a:srgbClr>
-              </a:solidFill>
-              <a:prstDash val="solid"/>
-              <a:round/>
-            </a:ln>
-          </p:spPr>
-          <p:txBody>
-            <a:bodyPr/>
-            <a:lstStyle/>
-            <a:p/>
-          </p:txBody>
-        </p:sp>
-        <p:sp>
-          <p:nvSpPr>
-            <p:cNvPr id="152" name="pl152"/>
-            <p:cNvSpPr/>
-            <p:nvPr/>
-          </p:nvSpPr>
-          <p:spPr>
-            <a:xfrm>
-              <a:off x="1560691" y="7753390"/>
-              <a:ext cx="34794" cy="0"/>
-            </a:xfrm>
-            <a:custGeom>
-              <a:avLst/>
-              <a:pathLst>
-                <a:path w="34794" h="0">
-                  <a:moveTo>
-                    <a:pt x="0" y="0"/>
-                  </a:moveTo>
-                  <a:lnTo>
-                    <a:pt x="34794" y="0"/>
-                  </a:lnTo>
-                </a:path>
-              </a:pathLst>
-            </a:custGeom>
-            <a:ln w="13550" cap="flat">
-              <a:solidFill>
-                <a:srgbClr val="333333">
-                  <a:alpha val="100000"/>
-                </a:srgbClr>
-              </a:solidFill>
-              <a:prstDash val="solid"/>
-              <a:round/>
-            </a:ln>
-          </p:spPr>
-          <p:txBody>
-            <a:bodyPr/>
-            <a:lstStyle/>
-            <a:p/>
-          </p:txBody>
-        </p:sp>
-        <p:sp>
-          <p:nvSpPr>
-            <p:cNvPr id="153" name="pl153"/>
-            <p:cNvSpPr/>
-            <p:nvPr/>
-          </p:nvSpPr>
-          <p:spPr>
-            <a:xfrm>
-              <a:off x="1560691" y="7542828"/>
-              <a:ext cx="34794" cy="0"/>
-            </a:xfrm>
-            <a:custGeom>
-              <a:avLst/>
-              <a:pathLst>
-                <a:path w="34794" h="0">
-                  <a:moveTo>
-                    <a:pt x="0" y="0"/>
-                  </a:moveTo>
-                  <a:lnTo>
-                    <a:pt x="34794" y="0"/>
-                  </a:lnTo>
-                </a:path>
-              </a:pathLst>
-            </a:custGeom>
-            <a:ln w="13550" cap="flat">
-              <a:solidFill>
-                <a:srgbClr val="333333">
-                  <a:alpha val="100000"/>
-                </a:srgbClr>
-              </a:solidFill>
-              <a:prstDash val="solid"/>
-              <a:round/>
-            </a:ln>
-          </p:spPr>
-          <p:txBody>
-            <a:bodyPr/>
-            <a:lstStyle/>
-            <a:p/>
-          </p:txBody>
-        </p:sp>
-        <p:sp>
-          <p:nvSpPr>
-            <p:cNvPr id="154" name="tx154"/>
-            <p:cNvSpPr/>
-            <p:nvPr/>
-          </p:nvSpPr>
-          <p:spPr>
-            <a:xfrm>
-              <a:off x="1814419" y="8681505"/>
+            <p:cNvPr id="72" name="tx72"/>
+            <p:cNvSpPr/>
+            <p:nvPr/>
+          </p:nvSpPr>
+          <p:spPr>
+            <a:xfrm>
+              <a:off x="1814419" y="3785655"/>
               <a:ext cx="4305796" cy="204589"/>
             </a:xfrm>
             <a:prstGeom prst="rect">
@@ -8997,13 +5779,13 @@
         </p:sp>
         <p:sp>
           <p:nvSpPr>
-            <p:cNvPr id="155" name="tx155"/>
+            <p:cNvPr id="73" name="tx73"/>
             <p:cNvSpPr/>
             <p:nvPr/>
           </p:nvSpPr>
           <p:spPr>
             <a:xfrm rot="-5400000">
-              <a:off x="-155488" y="4345596"/>
+              <a:off x="-155488" y="1897671"/>
               <a:ext cx="575369" cy="143867"/>
             </a:xfrm>
             <a:prstGeom prst="rect">
@@ -9072,7 +5854,7 @@
         <a:srgbClr val="E7E6E6"/>
       </a:lt2>
       <a:accent1>
-        <a:srgbClr val="4472C4"/>
+        <a:srgbClr val="5B9BD5"/>
       </a:accent1>
       <a:accent2>
         <a:srgbClr val="ED7D31"/>
@@ -9084,7 +5866,7 @@
         <a:srgbClr val="FFC000"/>
       </a:accent4>
       <a:accent5>
-        <a:srgbClr val="5B9BD5"/>
+        <a:srgbClr val="4472C4"/>
       </a:accent5>
       <a:accent6>
         <a:srgbClr val="70AD47"/>
@@ -9310,7 +6092,7 @@
   <a:extraClrSchemeLst/>
   <a:extLst>
     <a:ext uri="{05A4C25C-085E-4340-85A3-A5531E510DB2}">
-      <thm15:themeFamily xmlns:thm15="http://schemas.microsoft.com/office/thememl/2012/main" name="Office Theme 2013 - 2022" id="{62F939B6-93AF-4DB8-9C6B-D6C7DFDC589F}" vid="{4A3C46E8-61CC-4603-A589-7422A47A8E4A}"/>
+      <thm15:themeFamily xmlns:thm15="http://schemas.microsoft.com/office/thememl/2012/main" name="Office Theme" id="{62F939B6-93AF-4DB8-9C6B-D6C7DFDC589F}" vid="{4A3C46E8-61CC-4603-A589-7422A47A8E4A}"/>
     </a:ext>
   </a:extLst>
 </a:theme>

--- a/02_Regions/03_Asymetries/results/01_Asymmetries.pptx
+++ b/02_Regions/03_Asymetries/results/01_Asymmetries.pptx
@@ -3306,8 +3306,8 @@
           </p:nvSpPr>
           <p:spPr>
             <a:xfrm>
-              <a:off x="3957516" y="366459"/>
-              <a:ext cx="9800" cy="256869"/>
+              <a:off x="3956536" y="366459"/>
+              <a:ext cx="10781" cy="256869"/>
             </a:xfrm>
             <a:prstGeom prst="rect">
               <a:avLst/>
@@ -3332,8 +3332,8 @@
           </p:nvSpPr>
           <p:spPr>
             <a:xfrm>
-              <a:off x="3739935" y="651869"/>
-              <a:ext cx="227382" cy="256869"/>
+              <a:off x="3719353" y="651869"/>
+              <a:ext cx="247964" cy="256869"/>
             </a:xfrm>
             <a:prstGeom prst="rect">
               <a:avLst/>
@@ -3358,8 +3358,8 @@
           </p:nvSpPr>
           <p:spPr>
             <a:xfrm>
-              <a:off x="3204802" y="937279"/>
-              <a:ext cx="762514" cy="256869"/>
+              <a:off x="3109145" y="937279"/>
+              <a:ext cx="858171" cy="256869"/>
             </a:xfrm>
             <a:prstGeom prst="rect">
               <a:avLst/>
@@ -3384,8 +3384,8 @@
           </p:nvSpPr>
           <p:spPr>
             <a:xfrm>
-              <a:off x="1850310" y="1222690"/>
-              <a:ext cx="2117006" cy="256869"/>
+              <a:off x="1938323" y="1222690"/>
+              <a:ext cx="2028994" cy="256869"/>
             </a:xfrm>
             <a:prstGeom prst="rect">
               <a:avLst/>
@@ -3410,8 +3410,8 @@
           </p:nvSpPr>
           <p:spPr>
             <a:xfrm>
-              <a:off x="1969882" y="1508100"/>
-              <a:ext cx="1997434" cy="256869"/>
+              <a:off x="1886574" y="1508100"/>
+              <a:ext cx="2080743" cy="256869"/>
             </a:xfrm>
             <a:prstGeom prst="rect">
               <a:avLst/>
@@ -3721,7 +3721,7 @@
           <p:spPr>
             <a:xfrm>
               <a:off x="3967317" y="2174240"/>
-              <a:ext cx="1350571" cy="256869"/>
+              <a:ext cx="1496410" cy="256869"/>
             </a:xfrm>
             <a:prstGeom prst="rect">
               <a:avLst/>
@@ -3747,7 +3747,7 @@
           <p:spPr>
             <a:xfrm>
               <a:off x="3967317" y="2459650"/>
-              <a:ext cx="223461" cy="256869"/>
+              <a:ext cx="241495" cy="256869"/>
             </a:xfrm>
             <a:prstGeom prst="rect">
               <a:avLst/>
@@ -3772,8 +3772,8 @@
           </p:nvSpPr>
           <p:spPr>
             <a:xfrm>
-              <a:off x="3743855" y="2745061"/>
-              <a:ext cx="223461" cy="256869"/>
+              <a:off x="3766789" y="2745061"/>
+              <a:ext cx="200527" cy="256869"/>
             </a:xfrm>
             <a:prstGeom prst="rect">
               <a:avLst/>
@@ -3798,8 +3798,8 @@
           </p:nvSpPr>
           <p:spPr>
             <a:xfrm>
-              <a:off x="3526274" y="3030471"/>
-              <a:ext cx="441043" cy="256869"/>
+              <a:off x="3544700" y="3030471"/>
+              <a:ext cx="422617" cy="256869"/>
             </a:xfrm>
             <a:prstGeom prst="rect">
               <a:avLst/>
@@ -3824,8 +3824,8 @@
           </p:nvSpPr>
           <p:spPr>
             <a:xfrm>
-              <a:off x="3500791" y="3315881"/>
-              <a:ext cx="466525" cy="256869"/>
+              <a:off x="3482170" y="3315881"/>
+              <a:ext cx="485147" cy="256869"/>
             </a:xfrm>
             <a:prstGeom prst="rect">
               <a:avLst/>
@@ -4025,7 +4025,7 @@
           </p:nvSpPr>
           <p:spPr>
             <a:xfrm>
-              <a:off x="2007126" y="3615562"/>
+              <a:off x="1811106" y="3615562"/>
               <a:ext cx="0" cy="34794"/>
             </a:xfrm>
             <a:custGeom>
@@ -4065,7 +4065,7 @@
           </p:nvSpPr>
           <p:spPr>
             <a:xfrm>
-              <a:off x="2497173" y="3615562"/>
+              <a:off x="2350159" y="3615562"/>
               <a:ext cx="0" cy="34794"/>
             </a:xfrm>
             <a:custGeom>
@@ -4105,7 +4105,7 @@
           </p:nvSpPr>
           <p:spPr>
             <a:xfrm>
-              <a:off x="2987221" y="3615562"/>
+              <a:off x="2889212" y="3615562"/>
               <a:ext cx="0" cy="34794"/>
             </a:xfrm>
             <a:custGeom>
@@ -4145,7 +4145,7 @@
           </p:nvSpPr>
           <p:spPr>
             <a:xfrm>
-              <a:off x="3477269" y="3615562"/>
+              <a:off x="3428264" y="3615562"/>
               <a:ext cx="0" cy="34794"/>
             </a:xfrm>
             <a:custGeom>
@@ -4225,7 +4225,7 @@
           </p:nvSpPr>
           <p:spPr>
             <a:xfrm>
-              <a:off x="4457365" y="3615562"/>
+              <a:off x="4506370" y="3615562"/>
               <a:ext cx="0" cy="34794"/>
             </a:xfrm>
             <a:custGeom>
@@ -4265,7 +4265,7 @@
           </p:nvSpPr>
           <p:spPr>
             <a:xfrm>
-              <a:off x="4947413" y="3615562"/>
+              <a:off x="5045422" y="3615562"/>
               <a:ext cx="0" cy="34794"/>
             </a:xfrm>
             <a:custGeom>
@@ -4305,7 +4305,7 @@
           </p:nvSpPr>
           <p:spPr>
             <a:xfrm>
-              <a:off x="5437460" y="3615562"/>
+              <a:off x="5584475" y="3615562"/>
               <a:ext cx="0" cy="34794"/>
             </a:xfrm>
             <a:custGeom>
@@ -4345,7 +4345,7 @@
           </p:nvSpPr>
           <p:spPr>
             <a:xfrm>
-              <a:off x="5927508" y="3615562"/>
+              <a:off x="6123527" y="3615562"/>
               <a:ext cx="0" cy="34794"/>
             </a:xfrm>
             <a:custGeom>
@@ -4385,7 +4385,7 @@
           </p:nvSpPr>
           <p:spPr>
             <a:xfrm>
-              <a:off x="1837819" y="3673747"/>
+              <a:off x="1641800" y="3673747"/>
               <a:ext cx="338613" cy="112077"/>
             </a:xfrm>
             <a:prstGeom prst="rect">
@@ -4431,7 +4431,7 @@
           </p:nvSpPr>
           <p:spPr>
             <a:xfrm>
-              <a:off x="2327867" y="3673747"/>
+              <a:off x="2180852" y="3673747"/>
               <a:ext cx="338613" cy="112077"/>
             </a:xfrm>
             <a:prstGeom prst="rect">
@@ -4477,7 +4477,7 @@
           </p:nvSpPr>
           <p:spPr>
             <a:xfrm>
-              <a:off x="2817914" y="3673747"/>
+              <a:off x="2719905" y="3673747"/>
               <a:ext cx="338613" cy="112077"/>
             </a:xfrm>
             <a:prstGeom prst="rect">
@@ -4523,7 +4523,7 @@
           </p:nvSpPr>
           <p:spPr>
             <a:xfrm>
-              <a:off x="3307962" y="3673747"/>
+              <a:off x="3258957" y="3673747"/>
               <a:ext cx="338613" cy="112077"/>
             </a:xfrm>
             <a:prstGeom prst="rect">
@@ -4615,7 +4615,7 @@
           </p:nvSpPr>
           <p:spPr>
             <a:xfrm>
-              <a:off x="4315125" y="3673747"/>
+              <a:off x="4364130" y="3673747"/>
               <a:ext cx="284480" cy="112077"/>
             </a:xfrm>
             <a:prstGeom prst="rect">
@@ -4661,7 +4661,7 @@
           </p:nvSpPr>
           <p:spPr>
             <a:xfrm>
-              <a:off x="4805173" y="3673747"/>
+              <a:off x="4903182" y="3673747"/>
               <a:ext cx="284480" cy="112077"/>
             </a:xfrm>
             <a:prstGeom prst="rect">
@@ -4707,7 +4707,7 @@
           </p:nvSpPr>
           <p:spPr>
             <a:xfrm>
-              <a:off x="5295220" y="3673747"/>
+              <a:off x="5442235" y="3673747"/>
               <a:ext cx="284480" cy="112077"/>
             </a:xfrm>
             <a:prstGeom prst="rect">
@@ -4753,7 +4753,7 @@
           </p:nvSpPr>
           <p:spPr>
             <a:xfrm>
-              <a:off x="5785268" y="3673747"/>
+              <a:off x="5981287" y="3673747"/>
               <a:ext cx="284480" cy="112077"/>
             </a:xfrm>
             <a:prstGeom prst="rect">

--- a/02_Regions/03_Asymetries/results/01_Asymmetries.pptx
+++ b/02_Regions/03_Asymetries/results/01_Asymmetries.pptx
@@ -3721,7 +3721,7 @@
           <p:spPr>
             <a:xfrm>
               <a:off x="3967317" y="2174240"/>
-              <a:ext cx="1496410" cy="256869"/>
+              <a:ext cx="1582658" cy="256869"/>
             </a:xfrm>
             <a:prstGeom prst="rect">
               <a:avLst/>
@@ -3747,7 +3747,7 @@
           <p:spPr>
             <a:xfrm>
               <a:off x="3967317" y="2459650"/>
-              <a:ext cx="241495" cy="256869"/>
+              <a:ext cx="282463" cy="256869"/>
             </a:xfrm>
             <a:prstGeom prst="rect">
               <a:avLst/>
@@ -3772,8 +3772,8 @@
           </p:nvSpPr>
           <p:spPr>
             <a:xfrm>
-              <a:off x="3766789" y="2745061"/>
-              <a:ext cx="200527" cy="256869"/>
+              <a:off x="3771102" y="2745061"/>
+              <a:ext cx="196215" cy="256869"/>
             </a:xfrm>
             <a:prstGeom prst="rect">
               <a:avLst/>
@@ -3798,8 +3798,8 @@
           </p:nvSpPr>
           <p:spPr>
             <a:xfrm>
-              <a:off x="3544700" y="3030471"/>
-              <a:ext cx="422617" cy="256869"/>
+              <a:off x="3076802" y="3030471"/>
+              <a:ext cx="890514" cy="256869"/>
             </a:xfrm>
             <a:prstGeom prst="rect">
               <a:avLst/>
@@ -3824,8 +3824,8 @@
           </p:nvSpPr>
           <p:spPr>
             <a:xfrm>
-              <a:off x="3482170" y="3315881"/>
-              <a:ext cx="485147" cy="256869"/>
+              <a:off x="3488638" y="3315881"/>
+              <a:ext cx="478678" cy="256869"/>
             </a:xfrm>
             <a:prstGeom prst="rect">
               <a:avLst/>
